--- a/EC504_pre.pptx
+++ b/EC504_pre.pptx
@@ -5,19 +5,18 @@
     <p:sldMasterId id="2147483648" r:id="rId1"/>
   </p:sldMasterIdLst>
   <p:notesMasterIdLst>
-    <p:notesMasterId r:id="rId9"/>
+    <p:notesMasterId r:id="rId8"/>
   </p:notesMasterIdLst>
   <p:handoutMasterIdLst>
-    <p:handoutMasterId r:id="rId10"/>
+    <p:handoutMasterId r:id="rId9"/>
   </p:handoutMasterIdLst>
   <p:sldIdLst>
     <p:sldId id="256" r:id="rId2"/>
     <p:sldId id="257" r:id="rId3"/>
     <p:sldId id="260" r:id="rId4"/>
     <p:sldId id="258" r:id="rId5"/>
-    <p:sldId id="261" r:id="rId6"/>
-    <p:sldId id="259" r:id="rId7"/>
-    <p:sldId id="262" r:id="rId8"/>
+    <p:sldId id="259" r:id="rId6"/>
+    <p:sldId id="262" r:id="rId7"/>
   </p:sldIdLst>
   <p:sldSz cx="12192000" cy="6858000"/>
   <p:notesSz cx="6858000" cy="9144000"/>
@@ -2176,7 +2175,7 @@
     </p:spTree>
     <p:extLst>
       <p:ext uri="{BB962C8B-B14F-4D97-AF65-F5344CB8AC3E}">
-        <p14:creationId xmlns:p14="http://schemas.microsoft.com/office/powerpoint/2010/main" val="3135890074"/>
+        <p14:creationId xmlns:p14="http://schemas.microsoft.com/office/powerpoint/2010/main" val="3388073978"/>
       </p:ext>
     </p:extLst>
   </p:cSld>
@@ -2356,268 +2355,6 @@
               <a:rPr lang="en-US" altLang="zh-CN" sz="1200"/>
               <a:pPr/>
               <a:t>6</a:t>
-            </a:fld>
-            <a:endParaRPr lang="en-US" altLang="zh-CN" sz="1200"/>
-          </a:p>
-        </p:txBody>
-      </p:sp>
-      <p:sp>
-        <p:nvSpPr>
-          <p:cNvPr id="18435" name="Rectangle 2">
-            <a:extLst>
-              <a:ext uri="{FF2B5EF4-FFF2-40B4-BE49-F238E27FC236}">
-                <a16:creationId xmlns:a16="http://schemas.microsoft.com/office/drawing/2014/main" id="{72082FC5-05AB-4B9D-8BF1-69E0E51F1ADC}"/>
-              </a:ext>
-            </a:extLst>
-          </p:cNvPr>
-          <p:cNvSpPr>
-            <a:spLocks noGrp="1" noRot="1" noChangeAspect="1" noChangeArrowheads="1" noTextEdit="1"/>
-          </p:cNvSpPr>
-          <p:nvPr>
-            <p:ph type="sldImg"/>
-          </p:nvPr>
-        </p:nvSpPr>
-        <p:spPr>
-          <a:xfrm>
-            <a:off x="381000" y="685800"/>
-            <a:ext cx="6096000" cy="3429000"/>
-          </a:xfrm>
-          <a:ln/>
-        </p:spPr>
-      </p:sp>
-      <p:sp>
-        <p:nvSpPr>
-          <p:cNvPr id="18436" name="Rectangle 3">
-            <a:extLst>
-              <a:ext uri="{FF2B5EF4-FFF2-40B4-BE49-F238E27FC236}">
-                <a16:creationId xmlns:a16="http://schemas.microsoft.com/office/drawing/2014/main" id="{EA9352D6-1996-4A6A-91FE-6622A6842317}"/>
-              </a:ext>
-            </a:extLst>
-          </p:cNvPr>
-          <p:cNvSpPr>
-            <a:spLocks noGrp="1" noChangeArrowheads="1"/>
-          </p:cNvSpPr>
-          <p:nvPr>
-            <p:ph type="body" idx="1"/>
-          </p:nvPr>
-        </p:nvSpPr>
-        <p:spPr>
-          <a:noFill/>
-          <a:ln/>
-          <a:extLst>
-            <a:ext uri="{909E8E84-426E-40DD-AFC4-6F175D3DCCD1}">
-              <a14:hiddenFill xmlns:a14="http://schemas.microsoft.com/office/drawing/2010/main">
-                <a:solidFill>
-                  <a:srgbClr val="FFFFFF"/>
-                </a:solidFill>
-              </a14:hiddenFill>
-            </a:ext>
-            <a:ext uri="{91240B29-F687-4F45-9708-019B960494DF}">
-              <a14:hiddenLine xmlns:a14="http://schemas.microsoft.com/office/drawing/2010/main" w="9525">
-                <a:solidFill>
-                  <a:srgbClr val="000000"/>
-                </a:solidFill>
-                <a:miter lim="800000"/>
-                <a:headEnd/>
-                <a:tailEnd/>
-              </a14:hiddenLine>
-            </a:ext>
-          </a:extLst>
-        </p:spPr>
-        <p:txBody>
-          <a:bodyPr/>
-          <a:lstStyle/>
-          <a:p>
-            <a:pPr eaLnBrk="1" hangingPunct="1"/>
-            <a:endParaRPr lang="zh-CN" altLang="zh-CN">
-              <a:latin typeface="Arial" panose="020B0604020202020204" pitchFamily="34" charset="0"/>
-            </a:endParaRPr>
-          </a:p>
-        </p:txBody>
-      </p:sp>
-    </p:spTree>
-    <p:extLst>
-      <p:ext uri="{BB962C8B-B14F-4D97-AF65-F5344CB8AC3E}">
-        <p14:creationId xmlns:p14="http://schemas.microsoft.com/office/powerpoint/2010/main" val="3388073978"/>
-      </p:ext>
-    </p:extLst>
-  </p:cSld>
-  <p:clrMapOvr>
-    <a:masterClrMapping/>
-  </p:clrMapOvr>
-</p:notes>
-</file>
-
-<file path=ppt/notesSlides/notesSlide7.xml><?xml version="1.0" encoding="utf-8"?>
-<p:notes xmlns:a="http://schemas.openxmlformats.org/drawingml/2006/main" xmlns:r="http://schemas.openxmlformats.org/officeDocument/2006/relationships" xmlns:p="http://schemas.openxmlformats.org/presentationml/2006/main">
-  <p:cSld>
-    <p:spTree>
-      <p:nvGrpSpPr>
-        <p:cNvPr id="1" name=""/>
-        <p:cNvGrpSpPr/>
-        <p:nvPr/>
-      </p:nvGrpSpPr>
-      <p:grpSpPr>
-        <a:xfrm>
-          <a:off x="0" y="0"/>
-          <a:ext cx="0" cy="0"/>
-          <a:chOff x="0" y="0"/>
-          <a:chExt cx="0" cy="0"/>
-        </a:xfrm>
-      </p:grpSpPr>
-      <p:sp>
-        <p:nvSpPr>
-          <p:cNvPr id="18434" name="Rectangle 7">
-            <a:extLst>
-              <a:ext uri="{FF2B5EF4-FFF2-40B4-BE49-F238E27FC236}">
-                <a16:creationId xmlns:a16="http://schemas.microsoft.com/office/drawing/2014/main" id="{B44A532D-3C92-49FB-AF57-49006114E9D1}"/>
-              </a:ext>
-            </a:extLst>
-          </p:cNvPr>
-          <p:cNvSpPr>
-            <a:spLocks noGrp="1" noChangeArrowheads="1"/>
-          </p:cNvSpPr>
-          <p:nvPr>
-            <p:ph type="sldNum" sz="quarter" idx="5"/>
-          </p:nvPr>
-        </p:nvSpPr>
-        <p:spPr>
-          <a:noFill/>
-          <a:ln/>
-          <a:extLst>
-            <a:ext uri="{909E8E84-426E-40DD-AFC4-6F175D3DCCD1}">
-              <a14:hiddenFill xmlns:a14="http://schemas.microsoft.com/office/drawing/2010/main">
-                <a:solidFill>
-                  <a:srgbClr val="FFFFFF"/>
-                </a:solidFill>
-              </a14:hiddenFill>
-            </a:ext>
-            <a:ext uri="{91240B29-F687-4F45-9708-019B960494DF}">
-              <a14:hiddenLine xmlns:a14="http://schemas.microsoft.com/office/drawing/2010/main" w="9525">
-                <a:solidFill>
-                  <a:srgbClr val="000000"/>
-                </a:solidFill>
-                <a:miter lim="800000"/>
-                <a:headEnd/>
-                <a:tailEnd/>
-              </a14:hiddenLine>
-            </a:ext>
-          </a:extLst>
-        </p:spPr>
-        <p:txBody>
-          <a:bodyPr/>
-          <a:lstStyle>
-            <a:lvl1pPr>
-              <a:defRPr sz="2400">
-                <a:solidFill>
-                  <a:schemeClr val="tx1"/>
-                </a:solidFill>
-                <a:latin typeface="Times" panose="02020603050405020304" pitchFamily="18" charset="0"/>
-                <a:ea typeface="Osaka" charset="-128"/>
-              </a:defRPr>
-            </a:lvl1pPr>
-            <a:lvl2pPr marL="37931725" indent="-37474525">
-              <a:defRPr sz="2400">
-                <a:solidFill>
-                  <a:schemeClr val="tx1"/>
-                </a:solidFill>
-                <a:latin typeface="Times" panose="02020603050405020304" pitchFamily="18" charset="0"/>
-                <a:ea typeface="Osaka" charset="-128"/>
-              </a:defRPr>
-            </a:lvl2pPr>
-            <a:lvl3pPr>
-              <a:defRPr sz="2400">
-                <a:solidFill>
-                  <a:schemeClr val="tx1"/>
-                </a:solidFill>
-                <a:latin typeface="Times" panose="02020603050405020304" pitchFamily="18" charset="0"/>
-                <a:ea typeface="Osaka" charset="-128"/>
-              </a:defRPr>
-            </a:lvl3pPr>
-            <a:lvl4pPr>
-              <a:defRPr sz="2400">
-                <a:solidFill>
-                  <a:schemeClr val="tx1"/>
-                </a:solidFill>
-                <a:latin typeface="Times" panose="02020603050405020304" pitchFamily="18" charset="0"/>
-                <a:ea typeface="Osaka" charset="-128"/>
-              </a:defRPr>
-            </a:lvl4pPr>
-            <a:lvl5pPr>
-              <a:defRPr sz="2400">
-                <a:solidFill>
-                  <a:schemeClr val="tx1"/>
-                </a:solidFill>
-                <a:latin typeface="Times" panose="02020603050405020304" pitchFamily="18" charset="0"/>
-                <a:ea typeface="Osaka" charset="-128"/>
-              </a:defRPr>
-            </a:lvl5pPr>
-            <a:lvl6pPr marL="457200" eaLnBrk="0" fontAlgn="base" hangingPunct="0">
-              <a:spcBef>
-                <a:spcPct val="0"/>
-              </a:spcBef>
-              <a:spcAft>
-                <a:spcPct val="0"/>
-              </a:spcAft>
-              <a:defRPr sz="2400">
-                <a:solidFill>
-                  <a:schemeClr val="tx1"/>
-                </a:solidFill>
-                <a:latin typeface="Times" panose="02020603050405020304" pitchFamily="18" charset="0"/>
-                <a:ea typeface="Osaka" charset="-128"/>
-              </a:defRPr>
-            </a:lvl6pPr>
-            <a:lvl7pPr marL="914400" eaLnBrk="0" fontAlgn="base" hangingPunct="0">
-              <a:spcBef>
-                <a:spcPct val="0"/>
-              </a:spcBef>
-              <a:spcAft>
-                <a:spcPct val="0"/>
-              </a:spcAft>
-              <a:defRPr sz="2400">
-                <a:solidFill>
-                  <a:schemeClr val="tx1"/>
-                </a:solidFill>
-                <a:latin typeface="Times" panose="02020603050405020304" pitchFamily="18" charset="0"/>
-                <a:ea typeface="Osaka" charset="-128"/>
-              </a:defRPr>
-            </a:lvl7pPr>
-            <a:lvl8pPr marL="1371600" eaLnBrk="0" fontAlgn="base" hangingPunct="0">
-              <a:spcBef>
-                <a:spcPct val="0"/>
-              </a:spcBef>
-              <a:spcAft>
-                <a:spcPct val="0"/>
-              </a:spcAft>
-              <a:defRPr sz="2400">
-                <a:solidFill>
-                  <a:schemeClr val="tx1"/>
-                </a:solidFill>
-                <a:latin typeface="Times" panose="02020603050405020304" pitchFamily="18" charset="0"/>
-                <a:ea typeface="Osaka" charset="-128"/>
-              </a:defRPr>
-            </a:lvl8pPr>
-            <a:lvl9pPr marL="1828800" eaLnBrk="0" fontAlgn="base" hangingPunct="0">
-              <a:spcBef>
-                <a:spcPct val="0"/>
-              </a:spcBef>
-              <a:spcAft>
-                <a:spcPct val="0"/>
-              </a:spcAft>
-              <a:defRPr sz="2400">
-                <a:solidFill>
-                  <a:schemeClr val="tx1"/>
-                </a:solidFill>
-                <a:latin typeface="Times" panose="02020603050405020304" pitchFamily="18" charset="0"/>
-                <a:ea typeface="Osaka" charset="-128"/>
-              </a:defRPr>
-            </a:lvl9pPr>
-          </a:lstStyle>
-          <a:p>
-            <a:fld id="{E58F578F-B9C1-484A-BDD9-BF24F9A3EB96}" type="slidenum">
-              <a:rPr lang="en-US" altLang="zh-CN" sz="1200"/>
-              <a:pPr/>
-              <a:t>7</a:t>
             </a:fld>
             <a:endParaRPr lang="en-US" altLang="zh-CN" sz="1200"/>
           </a:p>
@@ -7040,7 +6777,12 @@
             <p:ph type="subTitle" idx="1"/>
           </p:nvPr>
         </p:nvSpPr>
-        <p:spPr/>
+        <p:spPr>
+          <a:xfrm>
+            <a:off x="1828800" y="3200400"/>
+            <a:ext cx="8534400" cy="1066800"/>
+          </a:xfrm>
+        </p:spPr>
         <p:txBody>
           <a:bodyPr/>
           <a:lstStyle/>
@@ -7602,7 +7344,7 @@
             </a:pPr>
             <a:r>
               <a:rPr lang="en-US" altLang="zh-CN" dirty="0"/>
-              <a:t>The info at the top of the slide can be changed</a:t>
+              <a:t>With given tweets as database and a sentence (string) as input query, we want to get the most relevant tweet in our database</a:t>
             </a:r>
           </a:p>
           <a:p>
@@ -7613,20 +7355,16 @@
             </a:pPr>
             <a:r>
               <a:rPr lang="en-US" altLang="zh-CN" dirty="0"/>
-              <a:t>Go to the </a:t>
+              <a:t>Just like tweet searching engine of google search engine</a:t>
             </a:r>
-            <a:r>
-              <a:rPr lang="en-US" altLang="zh-CN" b="1" dirty="0"/>
-              <a:t>View</a:t>
-            </a:r>
-            <a:r>
-              <a:rPr lang="en-US" altLang="zh-CN" dirty="0"/>
-              <a:t> menu and choose </a:t>
-            </a:r>
-            <a:r>
-              <a:rPr lang="en-US" altLang="zh-CN" b="1" dirty="0"/>
-              <a:t>Header and Footer</a:t>
-            </a:r>
+          </a:p>
+          <a:p>
+            <a:pPr eaLnBrk="1" hangingPunct="1">
+              <a:buClr>
+                <a:srgbClr val="CC0000"/>
+              </a:buClr>
+            </a:pPr>
+            <a:endParaRPr lang="en-US" altLang="zh-CN" dirty="0"/>
           </a:p>
           <a:p>
             <a:pPr eaLnBrk="1" hangingPunct="1">
@@ -7636,18 +7374,7 @@
             </a:pPr>
             <a:r>
               <a:rPr lang="en-US" altLang="zh-CN" dirty="0"/>
-              <a:t>Then change the date and footer text</a:t>
-            </a:r>
-          </a:p>
-          <a:p>
-            <a:pPr eaLnBrk="1" hangingPunct="1">
-              <a:buClr>
-                <a:srgbClr val="CC0000"/>
-              </a:buClr>
-            </a:pPr>
-            <a:r>
-              <a:rPr lang="en-US" altLang="zh-CN" dirty="0"/>
-              <a:t>You can also enable or disable automatic slide numbering in the Header and Footer</a:t>
+              <a:t>Here, put a picture of our GUI</a:t>
             </a:r>
           </a:p>
         </p:txBody>
@@ -8140,84 +7867,726 @@
           </a:p>
         </p:txBody>
       </p:sp>
-      <p:sp>
-        <p:nvSpPr>
-          <p:cNvPr id="17414" name="Rectangle 3">
+      <p:grpSp>
+        <p:nvGrpSpPr>
+          <p:cNvPr id="22" name="组合 21">
             <a:extLst>
               <a:ext uri="{FF2B5EF4-FFF2-40B4-BE49-F238E27FC236}">
-                <a16:creationId xmlns:a16="http://schemas.microsoft.com/office/drawing/2014/main" id="{4E0EFBFB-3587-4447-9B69-820EC93607D1}"/>
+                <a16:creationId xmlns:a16="http://schemas.microsoft.com/office/drawing/2014/main" id="{2E959918-E59A-4EF9-9C15-F4CE793FBDA3}"/>
               </a:ext>
             </a:extLst>
           </p:cNvPr>
-          <p:cNvSpPr>
-            <a:spLocks noGrp="1" noChangeArrowheads="1"/>
-          </p:cNvSpPr>
-          <p:nvPr>
-            <p:ph type="body" idx="1"/>
-          </p:nvPr>
-        </p:nvSpPr>
-        <p:spPr/>
-        <p:txBody>
-          <a:bodyPr/>
-          <a:lstStyle/>
-          <a:p>
-            <a:pPr eaLnBrk="1" hangingPunct="1">
-              <a:buClr>
-                <a:srgbClr val="CC0000"/>
-              </a:buClr>
-            </a:pPr>
-            <a:r>
-              <a:rPr lang="en-US" altLang="zh-CN" dirty="0"/>
-              <a:t>The info at the top of the slide can be changed</a:t>
-            </a:r>
-          </a:p>
-          <a:p>
-            <a:pPr eaLnBrk="1" hangingPunct="1">
-              <a:buClr>
-                <a:srgbClr val="CC0000"/>
-              </a:buClr>
-            </a:pPr>
-            <a:r>
-              <a:rPr lang="en-US" altLang="zh-CN" dirty="0"/>
-              <a:t>Go to the </a:t>
-            </a:r>
-            <a:r>
-              <a:rPr lang="en-US" altLang="zh-CN" b="1" dirty="0"/>
-              <a:t>View</a:t>
-            </a:r>
-            <a:r>
-              <a:rPr lang="en-US" altLang="zh-CN" dirty="0"/>
-              <a:t> menu and choose </a:t>
-            </a:r>
-            <a:r>
-              <a:rPr lang="en-US" altLang="zh-CN" b="1" dirty="0"/>
-              <a:t>Header and Footer</a:t>
-            </a:r>
-          </a:p>
-          <a:p>
-            <a:pPr eaLnBrk="1" hangingPunct="1">
-              <a:buClr>
-                <a:srgbClr val="CC0000"/>
-              </a:buClr>
-            </a:pPr>
-            <a:r>
-              <a:rPr lang="en-US" altLang="zh-CN" dirty="0"/>
-              <a:t>Then change the date and footer text</a:t>
-            </a:r>
-          </a:p>
-          <a:p>
-            <a:pPr eaLnBrk="1" hangingPunct="1">
-              <a:buClr>
-                <a:srgbClr val="CC0000"/>
-              </a:buClr>
-            </a:pPr>
-            <a:r>
-              <a:rPr lang="en-US" altLang="zh-CN" dirty="0"/>
-              <a:t>You can also enable or disable automatic slide numbering in the Header and Footer</a:t>
-            </a:r>
-          </a:p>
-        </p:txBody>
-      </p:sp>
+          <p:cNvGrpSpPr/>
+          <p:nvPr/>
+        </p:nvGrpSpPr>
+        <p:grpSpPr>
+          <a:xfrm>
+            <a:off x="533400" y="1905000"/>
+            <a:ext cx="10602744" cy="3053550"/>
+            <a:chOff x="457200" y="2082394"/>
+            <a:chExt cx="10602744" cy="3053550"/>
+          </a:xfrm>
+        </p:grpSpPr>
+        <p:sp>
+          <p:nvSpPr>
+            <p:cNvPr id="3" name="矩形: 圆角 2">
+              <a:extLst>
+                <a:ext uri="{FF2B5EF4-FFF2-40B4-BE49-F238E27FC236}">
+                  <a16:creationId xmlns:a16="http://schemas.microsoft.com/office/drawing/2014/main" id="{089D54B4-EBD8-4F51-9907-165B5A7AD5B9}"/>
+                </a:ext>
+              </a:extLst>
+            </p:cNvPr>
+            <p:cNvSpPr/>
+            <p:nvPr/>
+          </p:nvSpPr>
+          <p:spPr bwMode="auto">
+            <a:xfrm>
+              <a:off x="457200" y="4112205"/>
+              <a:ext cx="2202911" cy="1023739"/>
+            </a:xfrm>
+            <a:prstGeom prst="roundRect">
+              <a:avLst/>
+            </a:prstGeom>
+            <a:ln>
+              <a:headEnd type="none" w="med" len="med"/>
+              <a:tailEnd type="none" w="med" len="med"/>
+            </a:ln>
+          </p:spPr>
+          <p:style>
+            <a:lnRef idx="2">
+              <a:schemeClr val="accent4"/>
+            </a:lnRef>
+            <a:fillRef idx="1">
+              <a:schemeClr val="lt1"/>
+            </a:fillRef>
+            <a:effectRef idx="0">
+              <a:schemeClr val="accent4"/>
+            </a:effectRef>
+            <a:fontRef idx="minor">
+              <a:schemeClr val="dk1"/>
+            </a:fontRef>
+          </p:style>
+          <p:txBody>
+            <a:bodyPr vert="horz" wrap="square" lIns="91440" tIns="45720" rIns="91440" bIns="45720" numCol="1" rtlCol="0" anchor="t" anchorCtr="0" compatLnSpc="1">
+              <a:prstTxWarp prst="textNoShape">
+                <a:avLst/>
+              </a:prstTxWarp>
+            </a:bodyPr>
+            <a:lstStyle/>
+            <a:p>
+              <a:pPr marL="0" marR="0" indent="0" algn="ctr" defTabSz="914400" rtl="0" eaLnBrk="0" fontAlgn="base" latinLnBrk="0" hangingPunct="0">
+                <a:lnSpc>
+                  <a:spcPct val="100000"/>
+                </a:lnSpc>
+                <a:spcBef>
+                  <a:spcPct val="0"/>
+                </a:spcBef>
+                <a:spcAft>
+                  <a:spcPct val="0"/>
+                </a:spcAft>
+                <a:buClrTx/>
+                <a:buSzTx/>
+                <a:buFontTx/>
+                <a:buNone/>
+                <a:tabLst/>
+              </a:pPr>
+              <a:r>
+                <a:rPr kumimoji="0" lang="en-US" altLang="zh-CN" sz="2400" b="0" i="0" u="none" strike="noStrike" cap="none" normalizeH="0" baseline="0" dirty="0">
+                  <a:ln>
+                    <a:noFill/>
+                  </a:ln>
+                  <a:solidFill>
+                    <a:schemeClr val="tx1"/>
+                  </a:solidFill>
+                  <a:effectLst/>
+                  <a:latin typeface="Times" charset="0"/>
+                  <a:ea typeface="Osaka" charset="-128"/>
+                  <a:cs typeface="Osaka" charset="-128"/>
+                </a:rPr>
+                <a:t>Query: </a:t>
+              </a:r>
+              <a:r>
+                <a:rPr lang="en-US" altLang="zh-CN" dirty="0">
+                  <a:solidFill>
+                    <a:schemeClr val="tx1"/>
+                  </a:solidFill>
+                  <a:latin typeface="Times" charset="0"/>
+                  <a:ea typeface="Osaka" charset="-128"/>
+                  <a:cs typeface="Osaka" charset="-128"/>
+                </a:rPr>
+                <a:t>string</a:t>
+              </a:r>
+            </a:p>
+            <a:p>
+              <a:pPr marL="0" marR="0" indent="0" algn="ctr" defTabSz="914400" rtl="0" eaLnBrk="0" fontAlgn="base" latinLnBrk="0" hangingPunct="0">
+                <a:lnSpc>
+                  <a:spcPct val="100000"/>
+                </a:lnSpc>
+                <a:spcBef>
+                  <a:spcPct val="0"/>
+                </a:spcBef>
+                <a:spcAft>
+                  <a:spcPct val="0"/>
+                </a:spcAft>
+                <a:buClrTx/>
+                <a:buSzTx/>
+                <a:buFontTx/>
+                <a:buNone/>
+                <a:tabLst/>
+              </a:pPr>
+              <a:r>
+                <a:rPr kumimoji="0" lang="en-US" altLang="zh-CN" sz="2400" b="0" i="0" u="none" strike="noStrike" cap="none" normalizeH="0" baseline="0" dirty="0">
+                  <a:ln>
+                    <a:noFill/>
+                  </a:ln>
+                  <a:solidFill>
+                    <a:schemeClr val="tx1"/>
+                  </a:solidFill>
+                  <a:effectLst/>
+                  <a:latin typeface="Times" charset="0"/>
+                  <a:ea typeface="Osaka" charset="-128"/>
+                  <a:cs typeface="Osaka" charset="-128"/>
+                </a:rPr>
+                <a:t>“Hello word”</a:t>
+              </a:r>
+              <a:endParaRPr kumimoji="0" lang="zh-CN" altLang="en-US" sz="2400" b="0" i="0" u="none" strike="noStrike" cap="none" normalizeH="0" baseline="0" dirty="0">
+                <a:ln>
+                  <a:noFill/>
+                </a:ln>
+                <a:solidFill>
+                  <a:schemeClr val="tx1"/>
+                </a:solidFill>
+                <a:effectLst/>
+                <a:latin typeface="Times" charset="0"/>
+                <a:ea typeface="Osaka" charset="-128"/>
+                <a:cs typeface="Osaka" charset="-128"/>
+              </a:endParaRPr>
+            </a:p>
+          </p:txBody>
+        </p:sp>
+        <p:sp>
+          <p:nvSpPr>
+            <p:cNvPr id="9" name="矩形: 圆角 8">
+              <a:extLst>
+                <a:ext uri="{FF2B5EF4-FFF2-40B4-BE49-F238E27FC236}">
+                  <a16:creationId xmlns:a16="http://schemas.microsoft.com/office/drawing/2014/main" id="{7A481D9A-0ADF-4116-AA3E-4C5563CAED82}"/>
+                </a:ext>
+              </a:extLst>
+            </p:cNvPr>
+            <p:cNvSpPr/>
+            <p:nvPr/>
+          </p:nvSpPr>
+          <p:spPr bwMode="auto">
+            <a:xfrm>
+              <a:off x="3061106" y="2082394"/>
+              <a:ext cx="2716044" cy="931069"/>
+            </a:xfrm>
+            <a:prstGeom prst="roundRect">
+              <a:avLst/>
+            </a:prstGeom>
+            <a:ln>
+              <a:headEnd type="none" w="med" len="med"/>
+              <a:tailEnd type="none" w="med" len="med"/>
+            </a:ln>
+          </p:spPr>
+          <p:style>
+            <a:lnRef idx="2">
+              <a:schemeClr val="accent4"/>
+            </a:lnRef>
+            <a:fillRef idx="1">
+              <a:schemeClr val="lt1"/>
+            </a:fillRef>
+            <a:effectRef idx="0">
+              <a:schemeClr val="accent4"/>
+            </a:effectRef>
+            <a:fontRef idx="minor">
+              <a:schemeClr val="dk1"/>
+            </a:fontRef>
+          </p:style>
+          <p:txBody>
+            <a:bodyPr vert="horz" wrap="square" lIns="91440" tIns="45720" rIns="91440" bIns="45720" numCol="1" rtlCol="0" anchor="t" anchorCtr="0" compatLnSpc="1">
+              <a:prstTxWarp prst="textNoShape">
+                <a:avLst/>
+              </a:prstTxWarp>
+            </a:bodyPr>
+            <a:lstStyle/>
+            <a:p>
+              <a:pPr marL="0" marR="0" indent="0" algn="ctr" defTabSz="914400" rtl="0" eaLnBrk="0" fontAlgn="base" latinLnBrk="0" hangingPunct="0">
+                <a:lnSpc>
+                  <a:spcPct val="100000"/>
+                </a:lnSpc>
+                <a:spcBef>
+                  <a:spcPct val="0"/>
+                </a:spcBef>
+                <a:spcAft>
+                  <a:spcPct val="0"/>
+                </a:spcAft>
+                <a:buClrTx/>
+                <a:buSzTx/>
+                <a:buFontTx/>
+                <a:buNone/>
+                <a:tabLst/>
+              </a:pPr>
+              <a:r>
+                <a:rPr kumimoji="0" lang="en-US" altLang="zh-CN" sz="2400" b="0" i="0" u="none" strike="noStrike" cap="none" normalizeH="0" baseline="0" dirty="0">
+                  <a:ln>
+                    <a:noFill/>
+                  </a:ln>
+                  <a:solidFill>
+                    <a:schemeClr val="tx1"/>
+                  </a:solidFill>
+                  <a:effectLst/>
+                  <a:latin typeface="Times" charset="0"/>
+                  <a:ea typeface="Osaka" charset="-128"/>
+                  <a:cs typeface="Osaka" charset="-128"/>
+                </a:rPr>
+                <a:t>Tweets in database: </a:t>
+              </a:r>
+            </a:p>
+            <a:p>
+              <a:pPr marL="0" marR="0" indent="0" algn="ctr" defTabSz="914400" rtl="0" eaLnBrk="0" fontAlgn="base" latinLnBrk="0" hangingPunct="0">
+                <a:lnSpc>
+                  <a:spcPct val="100000"/>
+                </a:lnSpc>
+                <a:spcBef>
+                  <a:spcPct val="0"/>
+                </a:spcBef>
+                <a:spcAft>
+                  <a:spcPct val="0"/>
+                </a:spcAft>
+                <a:buClrTx/>
+                <a:buSzTx/>
+                <a:buFontTx/>
+                <a:buNone/>
+                <a:tabLst/>
+              </a:pPr>
+              <a:r>
+                <a:rPr kumimoji="0" lang="en-US" altLang="zh-CN" sz="2400" b="0" i="0" u="none" strike="noStrike" cap="none" normalizeH="0" baseline="0" dirty="0">
+                  <a:ln>
+                    <a:noFill/>
+                  </a:ln>
+                  <a:solidFill>
+                    <a:schemeClr val="tx1"/>
+                  </a:solidFill>
+                  <a:effectLst/>
+                  <a:latin typeface="Times" charset="0"/>
+                  <a:ea typeface="Osaka" charset="-128"/>
+                  <a:cs typeface="Osaka" charset="-128"/>
+                </a:rPr>
+                <a:t>List of strings</a:t>
+              </a:r>
+              <a:endParaRPr kumimoji="0" lang="zh-CN" altLang="en-US" sz="2400" b="0" i="0" u="none" strike="noStrike" cap="none" normalizeH="0" baseline="0" dirty="0">
+                <a:ln>
+                  <a:noFill/>
+                </a:ln>
+                <a:solidFill>
+                  <a:schemeClr val="tx1"/>
+                </a:solidFill>
+                <a:effectLst/>
+                <a:latin typeface="Times" charset="0"/>
+                <a:ea typeface="Osaka" charset="-128"/>
+                <a:cs typeface="Osaka" charset="-128"/>
+              </a:endParaRPr>
+            </a:p>
+          </p:txBody>
+        </p:sp>
+        <p:sp>
+          <p:nvSpPr>
+            <p:cNvPr id="10" name="矩形: 圆角 9">
+              <a:extLst>
+                <a:ext uri="{FF2B5EF4-FFF2-40B4-BE49-F238E27FC236}">
+                  <a16:creationId xmlns:a16="http://schemas.microsoft.com/office/drawing/2014/main" id="{6D0F56E1-D60F-4E79-8B8A-833DF6EF6D4E}"/>
+                </a:ext>
+              </a:extLst>
+            </p:cNvPr>
+            <p:cNvSpPr/>
+            <p:nvPr/>
+          </p:nvSpPr>
+          <p:spPr bwMode="auto">
+            <a:xfrm>
+              <a:off x="3414950" y="4158541"/>
+              <a:ext cx="2362200" cy="931069"/>
+            </a:xfrm>
+            <a:prstGeom prst="roundRect">
+              <a:avLst/>
+            </a:prstGeom>
+            <a:ln>
+              <a:headEnd type="none" w="med" len="med"/>
+              <a:tailEnd type="none" w="med" len="med"/>
+            </a:ln>
+          </p:spPr>
+          <p:style>
+            <a:lnRef idx="2">
+              <a:schemeClr val="accent4"/>
+            </a:lnRef>
+            <a:fillRef idx="1">
+              <a:schemeClr val="lt1"/>
+            </a:fillRef>
+            <a:effectRef idx="0">
+              <a:schemeClr val="accent4"/>
+            </a:effectRef>
+            <a:fontRef idx="minor">
+              <a:schemeClr val="dk1"/>
+            </a:fontRef>
+          </p:style>
+          <p:txBody>
+            <a:bodyPr vert="horz" wrap="square" lIns="91440" tIns="45720" rIns="91440" bIns="45720" numCol="1" rtlCol="0" anchor="t" anchorCtr="0" compatLnSpc="1">
+              <a:prstTxWarp prst="textNoShape">
+                <a:avLst/>
+              </a:prstTxWarp>
+            </a:bodyPr>
+            <a:lstStyle/>
+            <a:p>
+              <a:pPr marL="0" marR="0" indent="0" algn="ctr" defTabSz="914400" rtl="0" eaLnBrk="0" fontAlgn="base" latinLnBrk="0" hangingPunct="0">
+                <a:lnSpc>
+                  <a:spcPct val="100000"/>
+                </a:lnSpc>
+                <a:spcBef>
+                  <a:spcPct val="0"/>
+                </a:spcBef>
+                <a:spcAft>
+                  <a:spcPct val="0"/>
+                </a:spcAft>
+                <a:buClrTx/>
+                <a:buSzTx/>
+                <a:buFontTx/>
+                <a:buNone/>
+                <a:tabLst/>
+              </a:pPr>
+              <a:r>
+                <a:rPr kumimoji="0" lang="en-US" altLang="zh-CN" sz="2400" b="0" i="0" u="none" strike="noStrike" cap="none" normalizeH="0" baseline="0" dirty="0">
+                  <a:ln>
+                    <a:noFill/>
+                  </a:ln>
+                  <a:solidFill>
+                    <a:schemeClr val="tx1"/>
+                  </a:solidFill>
+                  <a:effectLst/>
+                  <a:latin typeface="Times" charset="0"/>
+                  <a:ea typeface="Osaka" charset="-128"/>
+                  <a:cs typeface="Osaka" charset="-128"/>
+                </a:rPr>
+                <a:t>Hash map:</a:t>
+              </a:r>
+            </a:p>
+            <a:p>
+              <a:pPr marL="0" marR="0" indent="0" algn="ctr" defTabSz="914400" rtl="0" eaLnBrk="0" fontAlgn="base" latinLnBrk="0" hangingPunct="0">
+                <a:lnSpc>
+                  <a:spcPct val="100000"/>
+                </a:lnSpc>
+                <a:spcBef>
+                  <a:spcPct val="0"/>
+                </a:spcBef>
+                <a:spcAft>
+                  <a:spcPct val="0"/>
+                </a:spcAft>
+                <a:buClrTx/>
+                <a:buSzTx/>
+                <a:buFontTx/>
+                <a:buNone/>
+                <a:tabLst/>
+              </a:pPr>
+              <a:r>
+                <a:rPr lang="en-US" altLang="zh-CN" dirty="0">
+                  <a:solidFill>
+                    <a:schemeClr val="tx1"/>
+                  </a:solidFill>
+                  <a:latin typeface="Times" charset="0"/>
+                  <a:ea typeface="Osaka" charset="-128"/>
+                  <a:cs typeface="Osaka" charset="-128"/>
+                </a:rPr>
+                <a:t>{hello:1,word:1}</a:t>
+              </a:r>
+              <a:endParaRPr kumimoji="0" lang="zh-CN" altLang="en-US" sz="2400" b="0" i="0" u="none" strike="noStrike" cap="none" normalizeH="0" baseline="0" dirty="0">
+                <a:ln>
+                  <a:noFill/>
+                </a:ln>
+                <a:solidFill>
+                  <a:schemeClr val="tx1"/>
+                </a:solidFill>
+                <a:effectLst/>
+                <a:latin typeface="Times" charset="0"/>
+                <a:ea typeface="Osaka" charset="-128"/>
+                <a:cs typeface="Osaka" charset="-128"/>
+              </a:endParaRPr>
+            </a:p>
+          </p:txBody>
+        </p:sp>
+        <p:sp>
+          <p:nvSpPr>
+            <p:cNvPr id="11" name="矩形: 圆角 10">
+              <a:extLst>
+                <a:ext uri="{FF2B5EF4-FFF2-40B4-BE49-F238E27FC236}">
+                  <a16:creationId xmlns:a16="http://schemas.microsoft.com/office/drawing/2014/main" id="{D74C5DD7-ECCA-4E72-9072-42CEE3014AAD}"/>
+                </a:ext>
+              </a:extLst>
+            </p:cNvPr>
+            <p:cNvSpPr/>
+            <p:nvPr/>
+          </p:nvSpPr>
+          <p:spPr bwMode="auto">
+            <a:xfrm>
+              <a:off x="7696200" y="2767211"/>
+              <a:ext cx="3363744" cy="1323578"/>
+            </a:xfrm>
+            <a:prstGeom prst="roundRect">
+              <a:avLst/>
+            </a:prstGeom>
+            <a:ln>
+              <a:headEnd type="none" w="med" len="med"/>
+              <a:tailEnd type="none" w="med" len="med"/>
+            </a:ln>
+          </p:spPr>
+          <p:style>
+            <a:lnRef idx="2">
+              <a:schemeClr val="accent4"/>
+            </a:lnRef>
+            <a:fillRef idx="1">
+              <a:schemeClr val="lt1"/>
+            </a:fillRef>
+            <a:effectRef idx="0">
+              <a:schemeClr val="accent4"/>
+            </a:effectRef>
+            <a:fontRef idx="minor">
+              <a:schemeClr val="dk1"/>
+            </a:fontRef>
+          </p:style>
+          <p:txBody>
+            <a:bodyPr vert="horz" wrap="square" lIns="91440" tIns="45720" rIns="91440" bIns="45720" numCol="1" rtlCol="0" anchor="t" anchorCtr="0" compatLnSpc="1">
+              <a:prstTxWarp prst="textNoShape">
+                <a:avLst/>
+              </a:prstTxWarp>
+            </a:bodyPr>
+            <a:lstStyle/>
+            <a:p>
+              <a:pPr marL="0" marR="0" indent="0" algn="ctr" defTabSz="914400" rtl="0" eaLnBrk="0" fontAlgn="base" latinLnBrk="0" hangingPunct="0">
+                <a:lnSpc>
+                  <a:spcPct val="100000"/>
+                </a:lnSpc>
+                <a:spcBef>
+                  <a:spcPct val="0"/>
+                </a:spcBef>
+                <a:spcAft>
+                  <a:spcPct val="0"/>
+                </a:spcAft>
+                <a:buClrTx/>
+                <a:buSzTx/>
+                <a:buFontTx/>
+                <a:buNone/>
+                <a:tabLst/>
+              </a:pPr>
+              <a:r>
+                <a:rPr kumimoji="0" lang="en-US" altLang="zh-CN" sz="2400" b="0" i="0" u="none" strike="noStrike" cap="none" normalizeH="0" baseline="0" dirty="0">
+                  <a:ln>
+                    <a:noFill/>
+                  </a:ln>
+                  <a:solidFill>
+                    <a:schemeClr val="tx1"/>
+                  </a:solidFill>
+                  <a:effectLst/>
+                  <a:latin typeface="Times" charset="0"/>
+                  <a:ea typeface="Osaka" charset="-128"/>
+                  <a:cs typeface="Osaka" charset="-128"/>
+                </a:rPr>
+                <a:t>Searching results:</a:t>
+              </a:r>
+            </a:p>
+            <a:p>
+              <a:pPr marL="0" marR="0" indent="0" algn="ctr" defTabSz="914400" rtl="0" eaLnBrk="0" fontAlgn="base" latinLnBrk="0" hangingPunct="0">
+                <a:lnSpc>
+                  <a:spcPct val="100000"/>
+                </a:lnSpc>
+                <a:spcBef>
+                  <a:spcPct val="0"/>
+                </a:spcBef>
+                <a:spcAft>
+                  <a:spcPct val="0"/>
+                </a:spcAft>
+                <a:buClrTx/>
+                <a:buSzTx/>
+                <a:buFontTx/>
+                <a:buNone/>
+                <a:tabLst/>
+              </a:pPr>
+              <a:r>
+                <a:rPr lang="en-US" altLang="zh-CN" dirty="0">
+                  <a:solidFill>
+                    <a:schemeClr val="tx1"/>
+                  </a:solidFill>
+                  <a:latin typeface="Times" charset="0"/>
+                  <a:ea typeface="Osaka" charset="-128"/>
+                  <a:cs typeface="Osaka" charset="-128"/>
+                </a:rPr>
+                <a:t>Hash map</a:t>
+              </a:r>
+            </a:p>
+            <a:p>
+              <a:pPr marL="0" marR="0" indent="0" algn="ctr" defTabSz="914400" rtl="0" eaLnBrk="0" fontAlgn="base" latinLnBrk="0" hangingPunct="0">
+                <a:lnSpc>
+                  <a:spcPct val="100000"/>
+                </a:lnSpc>
+                <a:spcBef>
+                  <a:spcPct val="0"/>
+                </a:spcBef>
+                <a:spcAft>
+                  <a:spcPct val="0"/>
+                </a:spcAft>
+                <a:buClrTx/>
+                <a:buSzTx/>
+                <a:buFontTx/>
+                <a:buNone/>
+                <a:tabLst/>
+              </a:pPr>
+              <a:r>
+                <a:rPr kumimoji="0" lang="en-US" altLang="zh-CN" sz="2400" b="0" i="0" u="none" strike="noStrike" cap="none" normalizeH="0" baseline="0" dirty="0">
+                  <a:ln>
+                    <a:noFill/>
+                  </a:ln>
+                  <a:solidFill>
+                    <a:schemeClr val="tx1"/>
+                  </a:solidFill>
+                  <a:effectLst/>
+                  <a:latin typeface="Times" charset="0"/>
+                  <a:ea typeface="Osaka" charset="-128"/>
+                  <a:cs typeface="Osaka" charset="-128"/>
+                </a:rPr>
+                <a:t>{t1: 2, t2: 1, t3: 6, … }</a:t>
+              </a:r>
+              <a:endParaRPr kumimoji="0" lang="zh-CN" altLang="en-US" sz="2400" b="0" i="0" u="none" strike="noStrike" cap="none" normalizeH="0" baseline="0" dirty="0">
+                <a:ln>
+                  <a:noFill/>
+                </a:ln>
+                <a:solidFill>
+                  <a:schemeClr val="tx1"/>
+                </a:solidFill>
+                <a:effectLst/>
+                <a:latin typeface="Times" charset="0"/>
+                <a:ea typeface="Osaka" charset="-128"/>
+                <a:cs typeface="Osaka" charset="-128"/>
+              </a:endParaRPr>
+            </a:p>
+          </p:txBody>
+        </p:sp>
+        <p:cxnSp>
+          <p:nvCxnSpPr>
+            <p:cNvPr id="14" name="连接符: 肘形 13">
+              <a:extLst>
+                <a:ext uri="{FF2B5EF4-FFF2-40B4-BE49-F238E27FC236}">
+                  <a16:creationId xmlns:a16="http://schemas.microsoft.com/office/drawing/2014/main" id="{A1599891-D186-429B-84C7-75555073B83F}"/>
+                </a:ext>
+              </a:extLst>
+            </p:cNvPr>
+            <p:cNvCxnSpPr>
+              <a:stCxn id="9" idx="3"/>
+              <a:endCxn id="11" idx="1"/>
+            </p:cNvCxnSpPr>
+            <p:nvPr/>
+          </p:nvCxnSpPr>
+          <p:spPr bwMode="auto">
+            <a:xfrm>
+              <a:off x="5777150" y="2547929"/>
+              <a:ext cx="1919050" cy="881071"/>
+            </a:xfrm>
+            <a:prstGeom prst="bentConnector3">
+              <a:avLst/>
+            </a:prstGeom>
+            <a:ln>
+              <a:headEnd type="none" w="med" len="med"/>
+              <a:tailEnd type="triangle"/>
+            </a:ln>
+          </p:spPr>
+          <p:style>
+            <a:lnRef idx="2">
+              <a:schemeClr val="dk1"/>
+            </a:lnRef>
+            <a:fillRef idx="0">
+              <a:schemeClr val="dk1"/>
+            </a:fillRef>
+            <a:effectRef idx="1">
+              <a:schemeClr val="dk1"/>
+            </a:effectRef>
+            <a:fontRef idx="minor">
+              <a:schemeClr val="tx1"/>
+            </a:fontRef>
+          </p:style>
+        </p:cxnSp>
+        <p:cxnSp>
+          <p:nvCxnSpPr>
+            <p:cNvPr id="17" name="连接符: 肘形 16">
+              <a:extLst>
+                <a:ext uri="{FF2B5EF4-FFF2-40B4-BE49-F238E27FC236}">
+                  <a16:creationId xmlns:a16="http://schemas.microsoft.com/office/drawing/2014/main" id="{1329F3F0-08BF-468F-9B8E-5502B8CA76F8}"/>
+                </a:ext>
+              </a:extLst>
+            </p:cNvPr>
+            <p:cNvCxnSpPr>
+              <a:cxnSpLocks/>
+              <a:stCxn id="10" idx="3"/>
+              <a:endCxn id="11" idx="1"/>
+            </p:cNvCxnSpPr>
+            <p:nvPr/>
+          </p:nvCxnSpPr>
+          <p:spPr bwMode="auto">
+            <a:xfrm flipV="1">
+              <a:off x="5777150" y="3429000"/>
+              <a:ext cx="1919050" cy="1195076"/>
+            </a:xfrm>
+            <a:prstGeom prst="bentConnector3">
+              <a:avLst/>
+            </a:prstGeom>
+            <a:ln>
+              <a:headEnd type="none" w="med" len="med"/>
+              <a:tailEnd type="triangle"/>
+            </a:ln>
+          </p:spPr>
+          <p:style>
+            <a:lnRef idx="2">
+              <a:schemeClr val="dk1"/>
+            </a:lnRef>
+            <a:fillRef idx="0">
+              <a:schemeClr val="dk1"/>
+            </a:fillRef>
+            <a:effectRef idx="1">
+              <a:schemeClr val="dk1"/>
+            </a:effectRef>
+            <a:fontRef idx="minor">
+              <a:schemeClr val="tx1"/>
+            </a:fontRef>
+          </p:style>
+        </p:cxnSp>
+        <p:cxnSp>
+          <p:nvCxnSpPr>
+            <p:cNvPr id="21" name="直接箭头连接符 20">
+              <a:extLst>
+                <a:ext uri="{FF2B5EF4-FFF2-40B4-BE49-F238E27FC236}">
+                  <a16:creationId xmlns:a16="http://schemas.microsoft.com/office/drawing/2014/main" id="{0A2F1038-9AD5-4F7A-8A9B-5113F57EE2F3}"/>
+                </a:ext>
+              </a:extLst>
+            </p:cNvPr>
+            <p:cNvCxnSpPr>
+              <a:stCxn id="3" idx="3"/>
+              <a:endCxn id="10" idx="1"/>
+            </p:cNvCxnSpPr>
+            <p:nvPr/>
+          </p:nvCxnSpPr>
+          <p:spPr bwMode="auto">
+            <a:xfrm>
+              <a:off x="2660111" y="4624075"/>
+              <a:ext cx="754839" cy="1"/>
+            </a:xfrm>
+            <a:prstGeom prst="straightConnector1">
+              <a:avLst/>
+            </a:prstGeom>
+            <a:ln>
+              <a:headEnd type="none" w="med" len="med"/>
+              <a:tailEnd type="triangle"/>
+            </a:ln>
+          </p:spPr>
+          <p:style>
+            <a:lnRef idx="2">
+              <a:schemeClr val="dk1"/>
+            </a:lnRef>
+            <a:fillRef idx="0">
+              <a:schemeClr val="dk1"/>
+            </a:fillRef>
+            <a:effectRef idx="1">
+              <a:schemeClr val="dk1"/>
+            </a:effectRef>
+            <a:fontRef idx="minor">
+              <a:schemeClr val="tx1"/>
+            </a:fontRef>
+          </p:style>
+        </p:cxnSp>
+      </p:grpSp>
+      <p:pic>
+        <p:nvPicPr>
+          <p:cNvPr id="24" name="图片 23">
+            <a:extLst>
+              <a:ext uri="{FF2B5EF4-FFF2-40B4-BE49-F238E27FC236}">
+                <a16:creationId xmlns:a16="http://schemas.microsoft.com/office/drawing/2014/main" id="{79775D33-0821-4282-B40D-FAED3C0B7881}"/>
+              </a:ext>
+            </a:extLst>
+          </p:cNvPr>
+          <p:cNvPicPr>
+            <a:picLocks noChangeAspect="1"/>
+          </p:cNvPicPr>
+          <p:nvPr/>
+        </p:nvPicPr>
+        <p:blipFill rotWithShape="1">
+          <a:blip r:embed="rId3"/>
+          <a:srcRect l="8958" t="13023" r="55804" b="18139"/>
+          <a:stretch/>
+        </p:blipFill>
+        <p:spPr>
+          <a:xfrm>
+            <a:off x="812800" y="1658799"/>
+            <a:ext cx="1564416" cy="1564416"/>
+          </a:xfrm>
+          <a:prstGeom prst="rect">
+            <a:avLst/>
+          </a:prstGeom>
+        </p:spPr>
+      </p:pic>
     </p:spTree>
     <p:extLst>
       <p:ext uri="{BB962C8B-B14F-4D97-AF65-F5344CB8AC3E}">
@@ -8739,7 +9108,7 @@
             </a:pPr>
             <a:r>
               <a:rPr lang="en-US" altLang="zh-CN" dirty="0"/>
-              <a:t>The info at the top of the slide can be changed</a:t>
+              <a:t>For each query, assume it contains k key words, time for constructing a hash map will be  </a:t>
             </a:r>
           </a:p>
           <a:p>
@@ -8750,19 +9119,15 @@
             </a:pPr>
             <a:r>
               <a:rPr lang="en-US" altLang="zh-CN" dirty="0"/>
-              <a:t>Go to the </a:t>
+              <a:t>For </a:t>
             </a:r>
             <a:r>
-              <a:rPr lang="en-US" altLang="zh-CN" b="1" dirty="0"/>
-              <a:t>View</a:t>
+              <a:rPr lang="en-US" altLang="zh-CN" dirty="0" err="1"/>
+              <a:t>i-th</a:t>
             </a:r>
             <a:r>
               <a:rPr lang="en-US" altLang="zh-CN" dirty="0"/>
-              <a:t> menu and choose </a:t>
-            </a:r>
-            <a:r>
-              <a:rPr lang="en-US" altLang="zh-CN" b="1" dirty="0"/>
-              <a:t>Header and Footer</a:t>
+              <a:t> tweet, assume it contains words      , time for calculating the number of key word in this tweet will be </a:t>
             </a:r>
           </a:p>
           <a:p>
@@ -8773,8 +9138,16 @@
             </a:pPr>
             <a:r>
               <a:rPr lang="en-US" altLang="zh-CN" dirty="0"/>
-              <a:t>Then change the date and footer text</a:t>
+              <a:t>Constructing the dictionary which maps tweets to number of keywords will be </a:t>
             </a:r>
+          </a:p>
+          <a:p>
+            <a:pPr eaLnBrk="1" hangingPunct="1">
+              <a:buClr>
+                <a:srgbClr val="CC0000"/>
+              </a:buClr>
+            </a:pPr>
+            <a:endParaRPr lang="en-US" altLang="zh-CN" dirty="0"/>
           </a:p>
           <a:p>
             <a:pPr eaLnBrk="1" hangingPunct="1">
@@ -8784,11 +9157,326 @@
             </a:pPr>
             <a:r>
               <a:rPr lang="en-US" altLang="zh-CN" dirty="0"/>
-              <a:t>You can also enable or disable automatic slide numbering in the Header and Footer</a:t>
+              <a:t>Finally, sort the dictionary by its value using built-in function, should be </a:t>
             </a:r>
           </a:p>
         </p:txBody>
       </p:sp>
+      <p:graphicFrame>
+        <p:nvGraphicFramePr>
+          <p:cNvPr id="2" name="对象 1">
+            <a:extLst>
+              <a:ext uri="{FF2B5EF4-FFF2-40B4-BE49-F238E27FC236}">
+                <a16:creationId xmlns:a16="http://schemas.microsoft.com/office/drawing/2014/main" id="{F741A4CA-7645-497B-B4AD-CCCB74C375E8}"/>
+              </a:ext>
+            </a:extLst>
+          </p:cNvPr>
+          <p:cNvGraphicFramePr>
+            <a:graphicFrameLocks noChangeAspect="1"/>
+          </p:cNvGraphicFramePr>
+          <p:nvPr>
+            <p:extLst>
+              <p:ext uri="{D42A27DB-BD31-4B8C-83A1-F6EECF244321}">
+                <p14:modId xmlns:p14="http://schemas.microsoft.com/office/powerpoint/2010/main" val="3849744326"/>
+              </p:ext>
+            </p:extLst>
+          </p:nvPr>
+        </p:nvGraphicFramePr>
+        <p:xfrm>
+          <a:off x="4648200" y="3831315"/>
+          <a:ext cx="2498725" cy="987425"/>
+        </p:xfrm>
+        <a:graphic>
+          <a:graphicData uri="http://schemas.openxmlformats.org/presentationml/2006/ole">
+            <mc:AlternateContent xmlns:mc="http://schemas.openxmlformats.org/markup-compatibility/2006">
+              <mc:Choice xmlns:v="urn:schemas-microsoft-com:vml" Requires="v">
+                <p:oleObj spid="_x0000_s1036" name="AxMath" r:id="rId4" imgW="1249560" imgH="493920" progId="Equation.AxMath">
+                  <p:embed/>
+                </p:oleObj>
+              </mc:Choice>
+              <mc:Fallback>
+                <p:oleObj name="AxMath" r:id="rId4" imgW="1249560" imgH="493920" progId="Equation.AxMath">
+                  <p:embed/>
+                  <p:pic>
+                    <p:nvPicPr>
+                      <p:cNvPr id="0" name=""/>
+                      <p:cNvPicPr/>
+                      <p:nvPr/>
+                    </p:nvPicPr>
+                    <p:blipFill>
+                      <a:blip r:embed="rId5"/>
+                      <a:stretch>
+                        <a:fillRect/>
+                      </a:stretch>
+                    </p:blipFill>
+                    <p:spPr>
+                      <a:xfrm>
+                        <a:off x="4648200" y="3831315"/>
+                        <a:ext cx="2498725" cy="987425"/>
+                      </a:xfrm>
+                      <a:prstGeom prst="rect">
+                        <a:avLst/>
+                      </a:prstGeom>
+                    </p:spPr>
+                  </p:pic>
+                </p:oleObj>
+              </mc:Fallback>
+            </mc:AlternateContent>
+          </a:graphicData>
+        </a:graphic>
+      </p:graphicFrame>
+      <p:graphicFrame>
+        <p:nvGraphicFramePr>
+          <p:cNvPr id="3" name="对象 2">
+            <a:extLst>
+              <a:ext uri="{FF2B5EF4-FFF2-40B4-BE49-F238E27FC236}">
+                <a16:creationId xmlns:a16="http://schemas.microsoft.com/office/drawing/2014/main" id="{1B488349-F099-46B9-A73C-A1EAF40F396B}"/>
+              </a:ext>
+            </a:extLst>
+          </p:cNvPr>
+          <p:cNvGraphicFramePr>
+            <a:graphicFrameLocks noChangeAspect="1"/>
+          </p:cNvGraphicFramePr>
+          <p:nvPr>
+            <p:extLst>
+              <p:ext uri="{D42A27DB-BD31-4B8C-83A1-F6EECF244321}">
+                <p14:modId xmlns:p14="http://schemas.microsoft.com/office/powerpoint/2010/main" val="318630087"/>
+              </p:ext>
+            </p:extLst>
+          </p:nvPr>
+        </p:nvGraphicFramePr>
+        <p:xfrm>
+          <a:off x="3628416" y="2229256"/>
+          <a:ext cx="708025" cy="473075"/>
+        </p:xfrm>
+        <a:graphic>
+          <a:graphicData uri="http://schemas.openxmlformats.org/presentationml/2006/ole">
+            <mc:AlternateContent xmlns:mc="http://schemas.openxmlformats.org/markup-compatibility/2006">
+              <mc:Choice xmlns:v="urn:schemas-microsoft-com:vml" Requires="v">
+                <p:oleObj spid="_x0000_s1037" name="AxMath" r:id="rId6" imgW="354240" imgH="236160" progId="Equation.AxMath">
+                  <p:embed/>
+                </p:oleObj>
+              </mc:Choice>
+              <mc:Fallback>
+                <p:oleObj name="AxMath" r:id="rId6" imgW="354240" imgH="236160" progId="Equation.AxMath">
+                  <p:embed/>
+                  <p:pic>
+                    <p:nvPicPr>
+                      <p:cNvPr id="0" name=""/>
+                      <p:cNvPicPr/>
+                      <p:nvPr/>
+                    </p:nvPicPr>
+                    <p:blipFill>
+                      <a:blip r:embed="rId7"/>
+                      <a:stretch>
+                        <a:fillRect/>
+                      </a:stretch>
+                    </p:blipFill>
+                    <p:spPr>
+                      <a:xfrm>
+                        <a:off x="3628416" y="2229256"/>
+                        <a:ext cx="708025" cy="473075"/>
+                      </a:xfrm>
+                      <a:prstGeom prst="rect">
+                        <a:avLst/>
+                      </a:prstGeom>
+                    </p:spPr>
+                  </p:pic>
+                </p:oleObj>
+              </mc:Fallback>
+            </mc:AlternateContent>
+          </a:graphicData>
+        </a:graphic>
+      </p:graphicFrame>
+      <p:graphicFrame>
+        <p:nvGraphicFramePr>
+          <p:cNvPr id="7" name="对象 6">
+            <a:extLst>
+              <a:ext uri="{FF2B5EF4-FFF2-40B4-BE49-F238E27FC236}">
+                <a16:creationId xmlns:a16="http://schemas.microsoft.com/office/drawing/2014/main" id="{490FD9E6-D65A-4525-AFB6-1E8C7E054606}"/>
+              </a:ext>
+            </a:extLst>
+          </p:cNvPr>
+          <p:cNvGraphicFramePr>
+            <a:graphicFrameLocks noChangeAspect="1"/>
+          </p:cNvGraphicFramePr>
+          <p:nvPr>
+            <p:extLst>
+              <p:ext uri="{D42A27DB-BD31-4B8C-83A1-F6EECF244321}">
+                <p14:modId xmlns:p14="http://schemas.microsoft.com/office/powerpoint/2010/main" val="279761242"/>
+              </p:ext>
+            </p:extLst>
+          </p:nvPr>
+        </p:nvGraphicFramePr>
+        <p:xfrm>
+          <a:off x="6694857" y="2658220"/>
+          <a:ext cx="393700" cy="457200"/>
+        </p:xfrm>
+        <a:graphic>
+          <a:graphicData uri="http://schemas.openxmlformats.org/presentationml/2006/ole">
+            <mc:AlternateContent xmlns:mc="http://schemas.openxmlformats.org/markup-compatibility/2006">
+              <mc:Choice xmlns:v="urn:schemas-microsoft-com:vml" Requires="v">
+                <p:oleObj spid="_x0000_s1038" name="AxMath" r:id="rId8" imgW="196200" imgH="228960" progId="Equation.AxMath">
+                  <p:embed/>
+                </p:oleObj>
+              </mc:Choice>
+              <mc:Fallback>
+                <p:oleObj name="AxMath" r:id="rId8" imgW="196200" imgH="228960" progId="Equation.AxMath">
+                  <p:embed/>
+                  <p:pic>
+                    <p:nvPicPr>
+                      <p:cNvPr id="0" name=""/>
+                      <p:cNvPicPr/>
+                      <p:nvPr/>
+                    </p:nvPicPr>
+                    <p:blipFill>
+                      <a:blip r:embed="rId9"/>
+                      <a:stretch>
+                        <a:fillRect/>
+                      </a:stretch>
+                    </p:blipFill>
+                    <p:spPr>
+                      <a:xfrm>
+                        <a:off x="6694857" y="2658220"/>
+                        <a:ext cx="393700" cy="457200"/>
+                      </a:xfrm>
+                      <a:prstGeom prst="rect">
+                        <a:avLst/>
+                      </a:prstGeom>
+                    </p:spPr>
+                  </p:pic>
+                </p:oleObj>
+              </mc:Fallback>
+            </mc:AlternateContent>
+          </a:graphicData>
+        </a:graphic>
+      </p:graphicFrame>
+      <p:graphicFrame>
+        <p:nvGraphicFramePr>
+          <p:cNvPr id="8" name="对象 7">
+            <a:extLst>
+              <a:ext uri="{FF2B5EF4-FFF2-40B4-BE49-F238E27FC236}">
+                <a16:creationId xmlns:a16="http://schemas.microsoft.com/office/drawing/2014/main" id="{B7CC22A0-1D59-462E-8221-B6BA3E777A0E}"/>
+              </a:ext>
+            </a:extLst>
+          </p:cNvPr>
+          <p:cNvGraphicFramePr>
+            <a:graphicFrameLocks noChangeAspect="1"/>
+          </p:cNvGraphicFramePr>
+          <p:nvPr>
+            <p:extLst>
+              <p:ext uri="{D42A27DB-BD31-4B8C-83A1-F6EECF244321}">
+                <p14:modId xmlns:p14="http://schemas.microsoft.com/office/powerpoint/2010/main" val="4054484373"/>
+              </p:ext>
+            </p:extLst>
+          </p:nvPr>
+        </p:nvGraphicFramePr>
+        <p:xfrm>
+          <a:off x="6601300" y="3038408"/>
+          <a:ext cx="873125" cy="479425"/>
+        </p:xfrm>
+        <a:graphic>
+          <a:graphicData uri="http://schemas.openxmlformats.org/presentationml/2006/ole">
+            <mc:AlternateContent xmlns:mc="http://schemas.openxmlformats.org/markup-compatibility/2006">
+              <mc:Choice xmlns:v="urn:schemas-microsoft-com:vml" Requires="v">
+                <p:oleObj spid="_x0000_s1039" name="AxMath" r:id="rId10" imgW="436680" imgH="240120" progId="Equation.AxMath">
+                  <p:embed/>
+                </p:oleObj>
+              </mc:Choice>
+              <mc:Fallback>
+                <p:oleObj name="AxMath" r:id="rId10" imgW="436680" imgH="240120" progId="Equation.AxMath">
+                  <p:embed/>
+                  <p:pic>
+                    <p:nvPicPr>
+                      <p:cNvPr id="0" name=""/>
+                      <p:cNvPicPr/>
+                      <p:nvPr/>
+                    </p:nvPicPr>
+                    <p:blipFill>
+                      <a:blip r:embed="rId11"/>
+                      <a:stretch>
+                        <a:fillRect/>
+                      </a:stretch>
+                    </p:blipFill>
+                    <p:spPr>
+                      <a:xfrm>
+                        <a:off x="6601300" y="3038408"/>
+                        <a:ext cx="873125" cy="479425"/>
+                      </a:xfrm>
+                      <a:prstGeom prst="rect">
+                        <a:avLst/>
+                      </a:prstGeom>
+                    </p:spPr>
+                  </p:pic>
+                </p:oleObj>
+              </mc:Fallback>
+            </mc:AlternateContent>
+          </a:graphicData>
+        </a:graphic>
+      </p:graphicFrame>
+      <p:graphicFrame>
+        <p:nvGraphicFramePr>
+          <p:cNvPr id="9" name="对象 8">
+            <a:extLst>
+              <a:ext uri="{FF2B5EF4-FFF2-40B4-BE49-F238E27FC236}">
+                <a16:creationId xmlns:a16="http://schemas.microsoft.com/office/drawing/2014/main" id="{E5A2F738-AEC2-4DFE-BE7D-9C3D81D79457}"/>
+              </a:ext>
+            </a:extLst>
+          </p:cNvPr>
+          <p:cNvGraphicFramePr>
+            <a:graphicFrameLocks noChangeAspect="1"/>
+          </p:cNvGraphicFramePr>
+          <p:nvPr>
+            <p:extLst>
+              <p:ext uri="{D42A27DB-BD31-4B8C-83A1-F6EECF244321}">
+                <p14:modId xmlns:p14="http://schemas.microsoft.com/office/powerpoint/2010/main" val="1987923764"/>
+              </p:ext>
+            </p:extLst>
+          </p:nvPr>
+        </p:nvGraphicFramePr>
+        <p:xfrm>
+          <a:off x="4991099" y="5117935"/>
+          <a:ext cx="1812925" cy="492125"/>
+        </p:xfrm>
+        <a:graphic>
+          <a:graphicData uri="http://schemas.openxmlformats.org/presentationml/2006/ole">
+            <mc:AlternateContent xmlns:mc="http://schemas.openxmlformats.org/markup-compatibility/2006">
+              <mc:Choice xmlns:v="urn:schemas-microsoft-com:vml" Requires="v">
+                <p:oleObj spid="_x0000_s1040" name="AxMath" r:id="rId12" imgW="906120" imgH="245880" progId="Equation.AxMath">
+                  <p:embed/>
+                </p:oleObj>
+              </mc:Choice>
+              <mc:Fallback>
+                <p:oleObj name="AxMath" r:id="rId12" imgW="906120" imgH="245880" progId="Equation.AxMath">
+                  <p:embed/>
+                  <p:pic>
+                    <p:nvPicPr>
+                      <p:cNvPr id="0" name=""/>
+                      <p:cNvPicPr/>
+                      <p:nvPr/>
+                    </p:nvPicPr>
+                    <p:blipFill>
+                      <a:blip r:embed="rId13"/>
+                      <a:stretch>
+                        <a:fillRect/>
+                      </a:stretch>
+                    </p:blipFill>
+                    <p:spPr>
+                      <a:xfrm>
+                        <a:off x="4991099" y="5117935"/>
+                        <a:ext cx="1812925" cy="492125"/>
+                      </a:xfrm>
+                      <a:prstGeom prst="rect">
+                        <a:avLst/>
+                      </a:prstGeom>
+                    </p:spPr>
+                  </p:pic>
+                </p:oleObj>
+              </mc:Fallback>
+            </mc:AlternateContent>
+          </a:graphicData>
+        </a:graphic>
+      </p:graphicFrame>
     </p:spTree>
     <p:extLst>
       <p:ext uri="{BB962C8B-B14F-4D97-AF65-F5344CB8AC3E}">
@@ -9276,7 +9964,7 @@
             <a:pPr eaLnBrk="1" hangingPunct="1"/>
             <a:r>
               <a:rPr lang="en-US" altLang="zh-CN" b="1" dirty="0"/>
-              <a:t>Time and Space Complexity</a:t>
+              <a:t>GUI Design</a:t>
             </a:r>
             <a:endParaRPr lang="en-US" altLang="zh-CN" dirty="0"/>
           </a:p>
@@ -9363,7 +10051,7 @@
     </p:spTree>
     <p:extLst>
       <p:ext uri="{BB962C8B-B14F-4D97-AF65-F5344CB8AC3E}">
-        <p14:creationId xmlns:p14="http://schemas.microsoft.com/office/powerpoint/2010/main" val="1659146453"/>
+        <p14:creationId xmlns:p14="http://schemas.microsoft.com/office/powerpoint/2010/main" val="307965467"/>
       </p:ext>
     </p:extLst>
   </p:cSld>
@@ -9667,577 +10355,6 @@
               </a:rPr>
               <a:pPr/>
               <a:t>6</a:t>
-            </a:fld>
-            <a:endParaRPr lang="en-US" altLang="zh-CN" sz="4400" dirty="0">
-              <a:solidFill>
-                <a:srgbClr val="D9D9D9"/>
-              </a:solidFill>
-              <a:latin typeface="Arial" panose="020B0604020202020204" pitchFamily="34" charset="0"/>
-            </a:endParaRPr>
-          </a:p>
-        </p:txBody>
-      </p:sp>
-      <p:sp>
-        <p:nvSpPr>
-          <p:cNvPr id="6" name="Date Placeholder 5">
-            <a:extLst>
-              <a:ext uri="{FF2B5EF4-FFF2-40B4-BE49-F238E27FC236}">
-                <a16:creationId xmlns:a16="http://schemas.microsoft.com/office/drawing/2014/main" id="{BE85214C-77B1-4741-9D95-5CCABB2CF8A9}"/>
-              </a:ext>
-            </a:extLst>
-          </p:cNvPr>
-          <p:cNvSpPr>
-            <a:spLocks noGrp="1"/>
-          </p:cNvSpPr>
-          <p:nvPr>
-            <p:ph type="dt" sz="quarter" idx="12"/>
-          </p:nvPr>
-        </p:nvSpPr>
-        <p:spPr/>
-        <p:txBody>
-          <a:bodyPr/>
-          <a:lstStyle>
-            <a:lvl1pPr>
-              <a:defRPr sz="2400">
-                <a:solidFill>
-                  <a:schemeClr val="tx1"/>
-                </a:solidFill>
-                <a:latin typeface="Times" panose="02020603050405020304" pitchFamily="18" charset="0"/>
-                <a:ea typeface="Osaka" charset="-128"/>
-              </a:defRPr>
-            </a:lvl1pPr>
-            <a:lvl2pPr marL="37931725" indent="-37474525">
-              <a:defRPr sz="2400">
-                <a:solidFill>
-                  <a:schemeClr val="tx1"/>
-                </a:solidFill>
-                <a:latin typeface="Times" panose="02020603050405020304" pitchFamily="18" charset="0"/>
-                <a:ea typeface="Osaka" charset="-128"/>
-              </a:defRPr>
-            </a:lvl2pPr>
-            <a:lvl3pPr>
-              <a:defRPr sz="2400">
-                <a:solidFill>
-                  <a:schemeClr val="tx1"/>
-                </a:solidFill>
-                <a:latin typeface="Times" panose="02020603050405020304" pitchFamily="18" charset="0"/>
-                <a:ea typeface="Osaka" charset="-128"/>
-              </a:defRPr>
-            </a:lvl3pPr>
-            <a:lvl4pPr>
-              <a:defRPr sz="2400">
-                <a:solidFill>
-                  <a:schemeClr val="tx1"/>
-                </a:solidFill>
-                <a:latin typeface="Times" panose="02020603050405020304" pitchFamily="18" charset="0"/>
-                <a:ea typeface="Osaka" charset="-128"/>
-              </a:defRPr>
-            </a:lvl4pPr>
-            <a:lvl5pPr>
-              <a:defRPr sz="2400">
-                <a:solidFill>
-                  <a:schemeClr val="tx1"/>
-                </a:solidFill>
-                <a:latin typeface="Times" panose="02020603050405020304" pitchFamily="18" charset="0"/>
-                <a:ea typeface="Osaka" charset="-128"/>
-              </a:defRPr>
-            </a:lvl5pPr>
-            <a:lvl6pPr marL="457200" eaLnBrk="0" fontAlgn="base" hangingPunct="0">
-              <a:spcBef>
-                <a:spcPct val="0"/>
-              </a:spcBef>
-              <a:spcAft>
-                <a:spcPct val="0"/>
-              </a:spcAft>
-              <a:defRPr sz="2400">
-                <a:solidFill>
-                  <a:schemeClr val="tx1"/>
-                </a:solidFill>
-                <a:latin typeface="Times" panose="02020603050405020304" pitchFamily="18" charset="0"/>
-                <a:ea typeface="Osaka" charset="-128"/>
-              </a:defRPr>
-            </a:lvl6pPr>
-            <a:lvl7pPr marL="914400" eaLnBrk="0" fontAlgn="base" hangingPunct="0">
-              <a:spcBef>
-                <a:spcPct val="0"/>
-              </a:spcBef>
-              <a:spcAft>
-                <a:spcPct val="0"/>
-              </a:spcAft>
-              <a:defRPr sz="2400">
-                <a:solidFill>
-                  <a:schemeClr val="tx1"/>
-                </a:solidFill>
-                <a:latin typeface="Times" panose="02020603050405020304" pitchFamily="18" charset="0"/>
-                <a:ea typeface="Osaka" charset="-128"/>
-              </a:defRPr>
-            </a:lvl7pPr>
-            <a:lvl8pPr marL="1371600" eaLnBrk="0" fontAlgn="base" hangingPunct="0">
-              <a:spcBef>
-                <a:spcPct val="0"/>
-              </a:spcBef>
-              <a:spcAft>
-                <a:spcPct val="0"/>
-              </a:spcAft>
-              <a:defRPr sz="2400">
-                <a:solidFill>
-                  <a:schemeClr val="tx1"/>
-                </a:solidFill>
-                <a:latin typeface="Times" panose="02020603050405020304" pitchFamily="18" charset="0"/>
-                <a:ea typeface="Osaka" charset="-128"/>
-              </a:defRPr>
-            </a:lvl8pPr>
-            <a:lvl9pPr marL="1828800" eaLnBrk="0" fontAlgn="base" hangingPunct="0">
-              <a:spcBef>
-                <a:spcPct val="0"/>
-              </a:spcBef>
-              <a:spcAft>
-                <a:spcPct val="0"/>
-              </a:spcAft>
-              <a:defRPr sz="2400">
-                <a:solidFill>
-                  <a:schemeClr val="tx1"/>
-                </a:solidFill>
-                <a:latin typeface="Times" panose="02020603050405020304" pitchFamily="18" charset="0"/>
-                <a:ea typeface="Osaka" charset="-128"/>
-              </a:defRPr>
-            </a:lvl9pPr>
-          </a:lstStyle>
-          <a:p>
-            <a:fld id="{763873CB-7048-42F6-820B-753148C33FC0}" type="datetime1">
-              <a:rPr lang="en-US" altLang="zh-CN" sz="1200">
-                <a:solidFill>
-                  <a:srgbClr val="808080"/>
-                </a:solidFill>
-                <a:latin typeface="Arial" panose="020B0604020202020204" pitchFamily="34" charset="0"/>
-              </a:rPr>
-              <a:pPr/>
-              <a:t>12/9/2019</a:t>
-            </a:fld>
-            <a:endParaRPr lang="en-US" altLang="zh-CN" sz="1200">
-              <a:solidFill>
-                <a:srgbClr val="808080"/>
-              </a:solidFill>
-              <a:latin typeface="Arial" panose="020B0604020202020204" pitchFamily="34" charset="0"/>
-            </a:endParaRPr>
-          </a:p>
-        </p:txBody>
-      </p:sp>
-      <p:sp>
-        <p:nvSpPr>
-          <p:cNvPr id="17413" name="Rectangle 2">
-            <a:extLst>
-              <a:ext uri="{FF2B5EF4-FFF2-40B4-BE49-F238E27FC236}">
-                <a16:creationId xmlns:a16="http://schemas.microsoft.com/office/drawing/2014/main" id="{C4606B27-C718-4489-B8C4-F7D791760B0E}"/>
-              </a:ext>
-            </a:extLst>
-          </p:cNvPr>
-          <p:cNvSpPr>
-            <a:spLocks noGrp="1" noChangeArrowheads="1"/>
-          </p:cNvSpPr>
-          <p:nvPr>
-            <p:ph type="title"/>
-          </p:nvPr>
-        </p:nvSpPr>
-        <p:spPr/>
-        <p:txBody>
-          <a:bodyPr/>
-          <a:lstStyle/>
-          <a:p>
-            <a:pPr eaLnBrk="1" hangingPunct="1"/>
-            <a:r>
-              <a:rPr lang="en-US" altLang="zh-CN" b="1" dirty="0"/>
-              <a:t>GUI Design</a:t>
-            </a:r>
-            <a:endParaRPr lang="en-US" altLang="zh-CN" dirty="0"/>
-          </a:p>
-        </p:txBody>
-      </p:sp>
-      <p:sp>
-        <p:nvSpPr>
-          <p:cNvPr id="17414" name="Rectangle 3">
-            <a:extLst>
-              <a:ext uri="{FF2B5EF4-FFF2-40B4-BE49-F238E27FC236}">
-                <a16:creationId xmlns:a16="http://schemas.microsoft.com/office/drawing/2014/main" id="{4E0EFBFB-3587-4447-9B69-820EC93607D1}"/>
-              </a:ext>
-            </a:extLst>
-          </p:cNvPr>
-          <p:cNvSpPr>
-            <a:spLocks noGrp="1" noChangeArrowheads="1"/>
-          </p:cNvSpPr>
-          <p:nvPr>
-            <p:ph type="body" idx="1"/>
-          </p:nvPr>
-        </p:nvSpPr>
-        <p:spPr/>
-        <p:txBody>
-          <a:bodyPr/>
-          <a:lstStyle/>
-          <a:p>
-            <a:pPr eaLnBrk="1" hangingPunct="1">
-              <a:buClr>
-                <a:srgbClr val="CC0000"/>
-              </a:buClr>
-            </a:pPr>
-            <a:r>
-              <a:rPr lang="en-US" altLang="zh-CN" dirty="0"/>
-              <a:t>The info at the top of the slide can be changed</a:t>
-            </a:r>
-          </a:p>
-          <a:p>
-            <a:pPr eaLnBrk="1" hangingPunct="1">
-              <a:buClr>
-                <a:srgbClr val="CC0000"/>
-              </a:buClr>
-            </a:pPr>
-            <a:r>
-              <a:rPr lang="en-US" altLang="zh-CN" dirty="0"/>
-              <a:t>Go to the </a:t>
-            </a:r>
-            <a:r>
-              <a:rPr lang="en-US" altLang="zh-CN" b="1" dirty="0"/>
-              <a:t>View</a:t>
-            </a:r>
-            <a:r>
-              <a:rPr lang="en-US" altLang="zh-CN" dirty="0"/>
-              <a:t> menu and choose </a:t>
-            </a:r>
-            <a:r>
-              <a:rPr lang="en-US" altLang="zh-CN" b="1" dirty="0"/>
-              <a:t>Header and Footer</a:t>
-            </a:r>
-          </a:p>
-          <a:p>
-            <a:pPr eaLnBrk="1" hangingPunct="1">
-              <a:buClr>
-                <a:srgbClr val="CC0000"/>
-              </a:buClr>
-            </a:pPr>
-            <a:r>
-              <a:rPr lang="en-US" altLang="zh-CN" dirty="0"/>
-              <a:t>Then change the date and footer text</a:t>
-            </a:r>
-          </a:p>
-          <a:p>
-            <a:pPr eaLnBrk="1" hangingPunct="1">
-              <a:buClr>
-                <a:srgbClr val="CC0000"/>
-              </a:buClr>
-            </a:pPr>
-            <a:r>
-              <a:rPr lang="en-US" altLang="zh-CN" dirty="0"/>
-              <a:t>You can also enable or disable automatic slide numbering in the Header and Footer</a:t>
-            </a:r>
-          </a:p>
-        </p:txBody>
-      </p:sp>
-    </p:spTree>
-    <p:extLst>
-      <p:ext uri="{BB962C8B-B14F-4D97-AF65-F5344CB8AC3E}">
-        <p14:creationId xmlns:p14="http://schemas.microsoft.com/office/powerpoint/2010/main" val="307965467"/>
-      </p:ext>
-    </p:extLst>
-  </p:cSld>
-  <p:clrMapOvr>
-    <a:masterClrMapping/>
-  </p:clrMapOvr>
-</p:sld>
-</file>
-
-<file path=ppt/slides/slide7.xml><?xml version="1.0" encoding="utf-8"?>
-<p:sld xmlns:a="http://schemas.openxmlformats.org/drawingml/2006/main" xmlns:r="http://schemas.openxmlformats.org/officeDocument/2006/relationships" xmlns:p="http://schemas.openxmlformats.org/presentationml/2006/main">
-  <p:cSld>
-    <p:spTree>
-      <p:nvGrpSpPr>
-        <p:cNvPr id="1" name=""/>
-        <p:cNvGrpSpPr/>
-        <p:nvPr/>
-      </p:nvGrpSpPr>
-      <p:grpSpPr>
-        <a:xfrm>
-          <a:off x="0" y="0"/>
-          <a:ext cx="0" cy="0"/>
-          <a:chOff x="0" y="0"/>
-          <a:chExt cx="0" cy="0"/>
-        </a:xfrm>
-      </p:grpSpPr>
-      <p:sp>
-        <p:nvSpPr>
-          <p:cNvPr id="4" name="Footer Placeholder 3">
-            <a:extLst>
-              <a:ext uri="{FF2B5EF4-FFF2-40B4-BE49-F238E27FC236}">
-                <a16:creationId xmlns:a16="http://schemas.microsoft.com/office/drawing/2014/main" id="{879D3FA8-072F-48CC-AE97-AEACDE96EA5F}"/>
-              </a:ext>
-            </a:extLst>
-          </p:cNvPr>
-          <p:cNvSpPr>
-            <a:spLocks noGrp="1"/>
-          </p:cNvSpPr>
-          <p:nvPr>
-            <p:ph type="ftr" sz="quarter" idx="10"/>
-          </p:nvPr>
-        </p:nvSpPr>
-        <p:spPr>
-          <a:xfrm>
-            <a:off x="16214" y="0"/>
-            <a:ext cx="6807200" cy="304800"/>
-          </a:xfrm>
-        </p:spPr>
-        <p:txBody>
-          <a:bodyPr/>
-          <a:lstStyle>
-            <a:lvl1pPr>
-              <a:defRPr sz="2400">
-                <a:solidFill>
-                  <a:schemeClr val="tx1"/>
-                </a:solidFill>
-                <a:latin typeface="Times" panose="02020603050405020304" pitchFamily="18" charset="0"/>
-                <a:ea typeface="Osaka" charset="-128"/>
-              </a:defRPr>
-            </a:lvl1pPr>
-            <a:lvl2pPr marL="37931725" indent="-37474525">
-              <a:defRPr sz="2400">
-                <a:solidFill>
-                  <a:schemeClr val="tx1"/>
-                </a:solidFill>
-                <a:latin typeface="Times" panose="02020603050405020304" pitchFamily="18" charset="0"/>
-                <a:ea typeface="Osaka" charset="-128"/>
-              </a:defRPr>
-            </a:lvl2pPr>
-            <a:lvl3pPr>
-              <a:defRPr sz="2400">
-                <a:solidFill>
-                  <a:schemeClr val="tx1"/>
-                </a:solidFill>
-                <a:latin typeface="Times" panose="02020603050405020304" pitchFamily="18" charset="0"/>
-                <a:ea typeface="Osaka" charset="-128"/>
-              </a:defRPr>
-            </a:lvl3pPr>
-            <a:lvl4pPr>
-              <a:defRPr sz="2400">
-                <a:solidFill>
-                  <a:schemeClr val="tx1"/>
-                </a:solidFill>
-                <a:latin typeface="Times" panose="02020603050405020304" pitchFamily="18" charset="0"/>
-                <a:ea typeface="Osaka" charset="-128"/>
-              </a:defRPr>
-            </a:lvl4pPr>
-            <a:lvl5pPr>
-              <a:defRPr sz="2400">
-                <a:solidFill>
-                  <a:schemeClr val="tx1"/>
-                </a:solidFill>
-                <a:latin typeface="Times" panose="02020603050405020304" pitchFamily="18" charset="0"/>
-                <a:ea typeface="Osaka" charset="-128"/>
-              </a:defRPr>
-            </a:lvl5pPr>
-            <a:lvl6pPr marL="457200" eaLnBrk="0" fontAlgn="base" hangingPunct="0">
-              <a:spcBef>
-                <a:spcPct val="0"/>
-              </a:spcBef>
-              <a:spcAft>
-                <a:spcPct val="0"/>
-              </a:spcAft>
-              <a:defRPr sz="2400">
-                <a:solidFill>
-                  <a:schemeClr val="tx1"/>
-                </a:solidFill>
-                <a:latin typeface="Times" panose="02020603050405020304" pitchFamily="18" charset="0"/>
-                <a:ea typeface="Osaka" charset="-128"/>
-              </a:defRPr>
-            </a:lvl6pPr>
-            <a:lvl7pPr marL="914400" eaLnBrk="0" fontAlgn="base" hangingPunct="0">
-              <a:spcBef>
-                <a:spcPct val="0"/>
-              </a:spcBef>
-              <a:spcAft>
-                <a:spcPct val="0"/>
-              </a:spcAft>
-              <a:defRPr sz="2400">
-                <a:solidFill>
-                  <a:schemeClr val="tx1"/>
-                </a:solidFill>
-                <a:latin typeface="Times" panose="02020603050405020304" pitchFamily="18" charset="0"/>
-                <a:ea typeface="Osaka" charset="-128"/>
-              </a:defRPr>
-            </a:lvl7pPr>
-            <a:lvl8pPr marL="1371600" eaLnBrk="0" fontAlgn="base" hangingPunct="0">
-              <a:spcBef>
-                <a:spcPct val="0"/>
-              </a:spcBef>
-              <a:spcAft>
-                <a:spcPct val="0"/>
-              </a:spcAft>
-              <a:defRPr sz="2400">
-                <a:solidFill>
-                  <a:schemeClr val="tx1"/>
-                </a:solidFill>
-                <a:latin typeface="Times" panose="02020603050405020304" pitchFamily="18" charset="0"/>
-                <a:ea typeface="Osaka" charset="-128"/>
-              </a:defRPr>
-            </a:lvl8pPr>
-            <a:lvl9pPr marL="1828800" eaLnBrk="0" fontAlgn="base" hangingPunct="0">
-              <a:spcBef>
-                <a:spcPct val="0"/>
-              </a:spcBef>
-              <a:spcAft>
-                <a:spcPct val="0"/>
-              </a:spcAft>
-              <a:defRPr sz="2400">
-                <a:solidFill>
-                  <a:schemeClr val="tx1"/>
-                </a:solidFill>
-                <a:latin typeface="Times" panose="02020603050405020304" pitchFamily="18" charset="0"/>
-                <a:ea typeface="Osaka" charset="-128"/>
-              </a:defRPr>
-            </a:lvl9pPr>
-          </a:lstStyle>
-          <a:p>
-            <a:endParaRPr lang="en-US" altLang="zh-CN" sz="1200" dirty="0">
-              <a:solidFill>
-                <a:schemeClr val="bg1"/>
-              </a:solidFill>
-              <a:latin typeface="Arial" panose="020B0604020202020204" pitchFamily="34" charset="0"/>
-            </a:endParaRPr>
-          </a:p>
-        </p:txBody>
-      </p:sp>
-      <p:sp>
-        <p:nvSpPr>
-          <p:cNvPr id="5" name="Slide Number Placeholder 4">
-            <a:extLst>
-              <a:ext uri="{FF2B5EF4-FFF2-40B4-BE49-F238E27FC236}">
-                <a16:creationId xmlns:a16="http://schemas.microsoft.com/office/drawing/2014/main" id="{1851765C-BB61-4AD4-B455-5D2D7D28F19A}"/>
-              </a:ext>
-            </a:extLst>
-          </p:cNvPr>
-          <p:cNvSpPr>
-            <a:spLocks noGrp="1"/>
-          </p:cNvSpPr>
-          <p:nvPr>
-            <p:ph type="sldNum" sz="quarter" idx="11"/>
-          </p:nvPr>
-        </p:nvSpPr>
-        <p:spPr/>
-        <p:txBody>
-          <a:bodyPr/>
-          <a:lstStyle>
-            <a:lvl1pPr>
-              <a:defRPr sz="2400">
-                <a:solidFill>
-                  <a:schemeClr val="tx1"/>
-                </a:solidFill>
-                <a:latin typeface="Times" panose="02020603050405020304" pitchFamily="18" charset="0"/>
-                <a:ea typeface="Osaka" charset="-128"/>
-              </a:defRPr>
-            </a:lvl1pPr>
-            <a:lvl2pPr marL="37931725" indent="-37474525">
-              <a:defRPr sz="2400">
-                <a:solidFill>
-                  <a:schemeClr val="tx1"/>
-                </a:solidFill>
-                <a:latin typeface="Times" panose="02020603050405020304" pitchFamily="18" charset="0"/>
-                <a:ea typeface="Osaka" charset="-128"/>
-              </a:defRPr>
-            </a:lvl2pPr>
-            <a:lvl3pPr>
-              <a:defRPr sz="2400">
-                <a:solidFill>
-                  <a:schemeClr val="tx1"/>
-                </a:solidFill>
-                <a:latin typeface="Times" panose="02020603050405020304" pitchFamily="18" charset="0"/>
-                <a:ea typeface="Osaka" charset="-128"/>
-              </a:defRPr>
-            </a:lvl3pPr>
-            <a:lvl4pPr>
-              <a:defRPr sz="2400">
-                <a:solidFill>
-                  <a:schemeClr val="tx1"/>
-                </a:solidFill>
-                <a:latin typeface="Times" panose="02020603050405020304" pitchFamily="18" charset="0"/>
-                <a:ea typeface="Osaka" charset="-128"/>
-              </a:defRPr>
-            </a:lvl4pPr>
-            <a:lvl5pPr>
-              <a:defRPr sz="2400">
-                <a:solidFill>
-                  <a:schemeClr val="tx1"/>
-                </a:solidFill>
-                <a:latin typeface="Times" panose="02020603050405020304" pitchFamily="18" charset="0"/>
-                <a:ea typeface="Osaka" charset="-128"/>
-              </a:defRPr>
-            </a:lvl5pPr>
-            <a:lvl6pPr marL="457200" eaLnBrk="0" fontAlgn="base" hangingPunct="0">
-              <a:spcBef>
-                <a:spcPct val="0"/>
-              </a:spcBef>
-              <a:spcAft>
-                <a:spcPct val="0"/>
-              </a:spcAft>
-              <a:defRPr sz="2400">
-                <a:solidFill>
-                  <a:schemeClr val="tx1"/>
-                </a:solidFill>
-                <a:latin typeface="Times" panose="02020603050405020304" pitchFamily="18" charset="0"/>
-                <a:ea typeface="Osaka" charset="-128"/>
-              </a:defRPr>
-            </a:lvl6pPr>
-            <a:lvl7pPr marL="914400" eaLnBrk="0" fontAlgn="base" hangingPunct="0">
-              <a:spcBef>
-                <a:spcPct val="0"/>
-              </a:spcBef>
-              <a:spcAft>
-                <a:spcPct val="0"/>
-              </a:spcAft>
-              <a:defRPr sz="2400">
-                <a:solidFill>
-                  <a:schemeClr val="tx1"/>
-                </a:solidFill>
-                <a:latin typeface="Times" panose="02020603050405020304" pitchFamily="18" charset="0"/>
-                <a:ea typeface="Osaka" charset="-128"/>
-              </a:defRPr>
-            </a:lvl7pPr>
-            <a:lvl8pPr marL="1371600" eaLnBrk="0" fontAlgn="base" hangingPunct="0">
-              <a:spcBef>
-                <a:spcPct val="0"/>
-              </a:spcBef>
-              <a:spcAft>
-                <a:spcPct val="0"/>
-              </a:spcAft>
-              <a:defRPr sz="2400">
-                <a:solidFill>
-                  <a:schemeClr val="tx1"/>
-                </a:solidFill>
-                <a:latin typeface="Times" panose="02020603050405020304" pitchFamily="18" charset="0"/>
-                <a:ea typeface="Osaka" charset="-128"/>
-              </a:defRPr>
-            </a:lvl8pPr>
-            <a:lvl9pPr marL="1828800" eaLnBrk="0" fontAlgn="base" hangingPunct="0">
-              <a:spcBef>
-                <a:spcPct val="0"/>
-              </a:spcBef>
-              <a:spcAft>
-                <a:spcPct val="0"/>
-              </a:spcAft>
-              <a:defRPr sz="2400">
-                <a:solidFill>
-                  <a:schemeClr val="tx1"/>
-                </a:solidFill>
-                <a:latin typeface="Times" panose="02020603050405020304" pitchFamily="18" charset="0"/>
-                <a:ea typeface="Osaka" charset="-128"/>
-              </a:defRPr>
-            </a:lvl9pPr>
-          </a:lstStyle>
-          <a:p>
-            <a:fld id="{87636CCA-F21B-4E3C-9D62-F3C67539006C}" type="slidenum">
-              <a:rPr lang="en-US" altLang="zh-CN" sz="4400">
-                <a:solidFill>
-                  <a:srgbClr val="D9D9D9"/>
-                </a:solidFill>
-                <a:latin typeface="Arial" panose="020B0604020202020204" pitchFamily="34" charset="0"/>
-              </a:rPr>
-              <a:pPr/>
-              <a:t>7</a:t>
             </a:fld>
             <a:endParaRPr lang="en-US" altLang="zh-CN" sz="4400" dirty="0">
               <a:solidFill>

--- a/EC504_pre.pptx
+++ b/EC504_pre.pptx
@@ -5,10 +5,10 @@
     <p:sldMasterId id="2147483648" r:id="rId1"/>
   </p:sldMasterIdLst>
   <p:notesMasterIdLst>
-    <p:notesMasterId r:id="rId8"/>
+    <p:notesMasterId r:id="rId9"/>
   </p:notesMasterIdLst>
   <p:handoutMasterIdLst>
-    <p:handoutMasterId r:id="rId9"/>
+    <p:handoutMasterId r:id="rId10"/>
   </p:handoutMasterIdLst>
   <p:sldIdLst>
     <p:sldId id="256" r:id="rId2"/>
@@ -16,7 +16,8 @@
     <p:sldId id="260" r:id="rId4"/>
     <p:sldId id="258" r:id="rId5"/>
     <p:sldId id="259" r:id="rId6"/>
-    <p:sldId id="262" r:id="rId7"/>
+    <p:sldId id="263" r:id="rId7"/>
+    <p:sldId id="262" r:id="rId8"/>
   </p:sldIdLst>
   <p:sldSz cx="12192000" cy="6858000"/>
   <p:notesSz cx="6858000" cy="9144000"/>
@@ -2355,6 +2356,268 @@
               <a:rPr lang="en-US" altLang="zh-CN" sz="1200"/>
               <a:pPr/>
               <a:t>6</a:t>
+            </a:fld>
+            <a:endParaRPr lang="en-US" altLang="zh-CN" sz="1200"/>
+          </a:p>
+        </p:txBody>
+      </p:sp>
+      <p:sp>
+        <p:nvSpPr>
+          <p:cNvPr id="18435" name="Rectangle 2">
+            <a:extLst>
+              <a:ext uri="{FF2B5EF4-FFF2-40B4-BE49-F238E27FC236}">
+                <a16:creationId xmlns:a16="http://schemas.microsoft.com/office/drawing/2014/main" id="{72082FC5-05AB-4B9D-8BF1-69E0E51F1ADC}"/>
+              </a:ext>
+            </a:extLst>
+          </p:cNvPr>
+          <p:cNvSpPr>
+            <a:spLocks noGrp="1" noRot="1" noChangeAspect="1" noChangeArrowheads="1" noTextEdit="1"/>
+          </p:cNvSpPr>
+          <p:nvPr>
+            <p:ph type="sldImg"/>
+          </p:nvPr>
+        </p:nvSpPr>
+        <p:spPr>
+          <a:xfrm>
+            <a:off x="381000" y="685800"/>
+            <a:ext cx="6096000" cy="3429000"/>
+          </a:xfrm>
+          <a:ln/>
+        </p:spPr>
+      </p:sp>
+      <p:sp>
+        <p:nvSpPr>
+          <p:cNvPr id="18436" name="Rectangle 3">
+            <a:extLst>
+              <a:ext uri="{FF2B5EF4-FFF2-40B4-BE49-F238E27FC236}">
+                <a16:creationId xmlns:a16="http://schemas.microsoft.com/office/drawing/2014/main" id="{EA9352D6-1996-4A6A-91FE-6622A6842317}"/>
+              </a:ext>
+            </a:extLst>
+          </p:cNvPr>
+          <p:cNvSpPr>
+            <a:spLocks noGrp="1" noChangeArrowheads="1"/>
+          </p:cNvSpPr>
+          <p:nvPr>
+            <p:ph type="body" idx="1"/>
+          </p:nvPr>
+        </p:nvSpPr>
+        <p:spPr>
+          <a:noFill/>
+          <a:ln/>
+          <a:extLst>
+            <a:ext uri="{909E8E84-426E-40DD-AFC4-6F175D3DCCD1}">
+              <a14:hiddenFill xmlns:a14="http://schemas.microsoft.com/office/drawing/2010/main">
+                <a:solidFill>
+                  <a:srgbClr val="FFFFFF"/>
+                </a:solidFill>
+              </a14:hiddenFill>
+            </a:ext>
+            <a:ext uri="{91240B29-F687-4F45-9708-019B960494DF}">
+              <a14:hiddenLine xmlns:a14="http://schemas.microsoft.com/office/drawing/2010/main" w="9525">
+                <a:solidFill>
+                  <a:srgbClr val="000000"/>
+                </a:solidFill>
+                <a:miter lim="800000"/>
+                <a:headEnd/>
+                <a:tailEnd/>
+              </a14:hiddenLine>
+            </a:ext>
+          </a:extLst>
+        </p:spPr>
+        <p:txBody>
+          <a:bodyPr/>
+          <a:lstStyle/>
+          <a:p>
+            <a:pPr eaLnBrk="1" hangingPunct="1"/>
+            <a:endParaRPr lang="zh-CN" altLang="zh-CN">
+              <a:latin typeface="Arial" panose="020B0604020202020204" pitchFamily="34" charset="0"/>
+            </a:endParaRPr>
+          </a:p>
+        </p:txBody>
+      </p:sp>
+    </p:spTree>
+    <p:extLst>
+      <p:ext uri="{BB962C8B-B14F-4D97-AF65-F5344CB8AC3E}">
+        <p14:creationId xmlns:p14="http://schemas.microsoft.com/office/powerpoint/2010/main" val="1666597708"/>
+      </p:ext>
+    </p:extLst>
+  </p:cSld>
+  <p:clrMapOvr>
+    <a:masterClrMapping/>
+  </p:clrMapOvr>
+</p:notes>
+</file>
+
+<file path=ppt/notesSlides/notesSlide7.xml><?xml version="1.0" encoding="utf-8"?>
+<p:notes xmlns:a="http://schemas.openxmlformats.org/drawingml/2006/main" xmlns:r="http://schemas.openxmlformats.org/officeDocument/2006/relationships" xmlns:p="http://schemas.openxmlformats.org/presentationml/2006/main">
+  <p:cSld>
+    <p:spTree>
+      <p:nvGrpSpPr>
+        <p:cNvPr id="1" name=""/>
+        <p:cNvGrpSpPr/>
+        <p:nvPr/>
+      </p:nvGrpSpPr>
+      <p:grpSpPr>
+        <a:xfrm>
+          <a:off x="0" y="0"/>
+          <a:ext cx="0" cy="0"/>
+          <a:chOff x="0" y="0"/>
+          <a:chExt cx="0" cy="0"/>
+        </a:xfrm>
+      </p:grpSpPr>
+      <p:sp>
+        <p:nvSpPr>
+          <p:cNvPr id="18434" name="Rectangle 7">
+            <a:extLst>
+              <a:ext uri="{FF2B5EF4-FFF2-40B4-BE49-F238E27FC236}">
+                <a16:creationId xmlns:a16="http://schemas.microsoft.com/office/drawing/2014/main" id="{B44A532D-3C92-49FB-AF57-49006114E9D1}"/>
+              </a:ext>
+            </a:extLst>
+          </p:cNvPr>
+          <p:cNvSpPr>
+            <a:spLocks noGrp="1" noChangeArrowheads="1"/>
+          </p:cNvSpPr>
+          <p:nvPr>
+            <p:ph type="sldNum" sz="quarter" idx="5"/>
+          </p:nvPr>
+        </p:nvSpPr>
+        <p:spPr>
+          <a:noFill/>
+          <a:ln/>
+          <a:extLst>
+            <a:ext uri="{909E8E84-426E-40DD-AFC4-6F175D3DCCD1}">
+              <a14:hiddenFill xmlns:a14="http://schemas.microsoft.com/office/drawing/2010/main">
+                <a:solidFill>
+                  <a:srgbClr val="FFFFFF"/>
+                </a:solidFill>
+              </a14:hiddenFill>
+            </a:ext>
+            <a:ext uri="{91240B29-F687-4F45-9708-019B960494DF}">
+              <a14:hiddenLine xmlns:a14="http://schemas.microsoft.com/office/drawing/2010/main" w="9525">
+                <a:solidFill>
+                  <a:srgbClr val="000000"/>
+                </a:solidFill>
+                <a:miter lim="800000"/>
+                <a:headEnd/>
+                <a:tailEnd/>
+              </a14:hiddenLine>
+            </a:ext>
+          </a:extLst>
+        </p:spPr>
+        <p:txBody>
+          <a:bodyPr/>
+          <a:lstStyle>
+            <a:lvl1pPr>
+              <a:defRPr sz="2400">
+                <a:solidFill>
+                  <a:schemeClr val="tx1"/>
+                </a:solidFill>
+                <a:latin typeface="Times" panose="02020603050405020304" pitchFamily="18" charset="0"/>
+                <a:ea typeface="Osaka" charset="-128"/>
+              </a:defRPr>
+            </a:lvl1pPr>
+            <a:lvl2pPr marL="37931725" indent="-37474525">
+              <a:defRPr sz="2400">
+                <a:solidFill>
+                  <a:schemeClr val="tx1"/>
+                </a:solidFill>
+                <a:latin typeface="Times" panose="02020603050405020304" pitchFamily="18" charset="0"/>
+                <a:ea typeface="Osaka" charset="-128"/>
+              </a:defRPr>
+            </a:lvl2pPr>
+            <a:lvl3pPr>
+              <a:defRPr sz="2400">
+                <a:solidFill>
+                  <a:schemeClr val="tx1"/>
+                </a:solidFill>
+                <a:latin typeface="Times" panose="02020603050405020304" pitchFamily="18" charset="0"/>
+                <a:ea typeface="Osaka" charset="-128"/>
+              </a:defRPr>
+            </a:lvl3pPr>
+            <a:lvl4pPr>
+              <a:defRPr sz="2400">
+                <a:solidFill>
+                  <a:schemeClr val="tx1"/>
+                </a:solidFill>
+                <a:latin typeface="Times" panose="02020603050405020304" pitchFamily="18" charset="0"/>
+                <a:ea typeface="Osaka" charset="-128"/>
+              </a:defRPr>
+            </a:lvl4pPr>
+            <a:lvl5pPr>
+              <a:defRPr sz="2400">
+                <a:solidFill>
+                  <a:schemeClr val="tx1"/>
+                </a:solidFill>
+                <a:latin typeface="Times" panose="02020603050405020304" pitchFamily="18" charset="0"/>
+                <a:ea typeface="Osaka" charset="-128"/>
+              </a:defRPr>
+            </a:lvl5pPr>
+            <a:lvl6pPr marL="457200" eaLnBrk="0" fontAlgn="base" hangingPunct="0">
+              <a:spcBef>
+                <a:spcPct val="0"/>
+              </a:spcBef>
+              <a:spcAft>
+                <a:spcPct val="0"/>
+              </a:spcAft>
+              <a:defRPr sz="2400">
+                <a:solidFill>
+                  <a:schemeClr val="tx1"/>
+                </a:solidFill>
+                <a:latin typeface="Times" panose="02020603050405020304" pitchFamily="18" charset="0"/>
+                <a:ea typeface="Osaka" charset="-128"/>
+              </a:defRPr>
+            </a:lvl6pPr>
+            <a:lvl7pPr marL="914400" eaLnBrk="0" fontAlgn="base" hangingPunct="0">
+              <a:spcBef>
+                <a:spcPct val="0"/>
+              </a:spcBef>
+              <a:spcAft>
+                <a:spcPct val="0"/>
+              </a:spcAft>
+              <a:defRPr sz="2400">
+                <a:solidFill>
+                  <a:schemeClr val="tx1"/>
+                </a:solidFill>
+                <a:latin typeface="Times" panose="02020603050405020304" pitchFamily="18" charset="0"/>
+                <a:ea typeface="Osaka" charset="-128"/>
+              </a:defRPr>
+            </a:lvl7pPr>
+            <a:lvl8pPr marL="1371600" eaLnBrk="0" fontAlgn="base" hangingPunct="0">
+              <a:spcBef>
+                <a:spcPct val="0"/>
+              </a:spcBef>
+              <a:spcAft>
+                <a:spcPct val="0"/>
+              </a:spcAft>
+              <a:defRPr sz="2400">
+                <a:solidFill>
+                  <a:schemeClr val="tx1"/>
+                </a:solidFill>
+                <a:latin typeface="Times" panose="02020603050405020304" pitchFamily="18" charset="0"/>
+                <a:ea typeface="Osaka" charset="-128"/>
+              </a:defRPr>
+            </a:lvl8pPr>
+            <a:lvl9pPr marL="1828800" eaLnBrk="0" fontAlgn="base" hangingPunct="0">
+              <a:spcBef>
+                <a:spcPct val="0"/>
+              </a:spcBef>
+              <a:spcAft>
+                <a:spcPct val="0"/>
+              </a:spcAft>
+              <a:defRPr sz="2400">
+                <a:solidFill>
+                  <a:schemeClr val="tx1"/>
+                </a:solidFill>
+                <a:latin typeface="Times" panose="02020603050405020304" pitchFamily="18" charset="0"/>
+                <a:ea typeface="Osaka" charset="-128"/>
+              </a:defRPr>
+            </a:lvl9pPr>
+          </a:lstStyle>
+          <a:p>
+            <a:fld id="{E58F578F-B9C1-484A-BDD9-BF24F9A3EB96}" type="slidenum">
+              <a:rPr lang="en-US" altLang="zh-CN" sz="1200"/>
+              <a:pPr/>
+              <a:t>7</a:t>
             </a:fld>
             <a:endParaRPr lang="en-US" altLang="zh-CN" sz="1200"/>
           </a:p>
@@ -9190,7 +9453,7 @@
           <a:graphicData uri="http://schemas.openxmlformats.org/presentationml/2006/ole">
             <mc:AlternateContent xmlns:mc="http://schemas.openxmlformats.org/markup-compatibility/2006">
               <mc:Choice xmlns:v="urn:schemas-microsoft-com:vml" Requires="v">
-                <p:oleObj spid="_x0000_s1036" name="AxMath" r:id="rId4" imgW="1249560" imgH="493920" progId="Equation.AxMath">
+                <p:oleObj spid="_x0000_s1046" name="AxMath" r:id="rId4" imgW="1249560" imgH="493920" progId="Equation.AxMath">
                   <p:embed/>
                 </p:oleObj>
               </mc:Choice>
@@ -9253,7 +9516,7 @@
           <a:graphicData uri="http://schemas.openxmlformats.org/presentationml/2006/ole">
             <mc:AlternateContent xmlns:mc="http://schemas.openxmlformats.org/markup-compatibility/2006">
               <mc:Choice xmlns:v="urn:schemas-microsoft-com:vml" Requires="v">
-                <p:oleObj spid="_x0000_s1037" name="AxMath" r:id="rId6" imgW="354240" imgH="236160" progId="Equation.AxMath">
+                <p:oleObj spid="_x0000_s1047" name="AxMath" r:id="rId6" imgW="354240" imgH="236160" progId="Equation.AxMath">
                   <p:embed/>
                 </p:oleObj>
               </mc:Choice>
@@ -9316,7 +9579,7 @@
           <a:graphicData uri="http://schemas.openxmlformats.org/presentationml/2006/ole">
             <mc:AlternateContent xmlns:mc="http://schemas.openxmlformats.org/markup-compatibility/2006">
               <mc:Choice xmlns:v="urn:schemas-microsoft-com:vml" Requires="v">
-                <p:oleObj spid="_x0000_s1038" name="AxMath" r:id="rId8" imgW="196200" imgH="228960" progId="Equation.AxMath">
+                <p:oleObj spid="_x0000_s1048" name="AxMath" r:id="rId8" imgW="196200" imgH="228960" progId="Equation.AxMath">
                   <p:embed/>
                 </p:oleObj>
               </mc:Choice>
@@ -9379,7 +9642,7 @@
           <a:graphicData uri="http://schemas.openxmlformats.org/presentationml/2006/ole">
             <mc:AlternateContent xmlns:mc="http://schemas.openxmlformats.org/markup-compatibility/2006">
               <mc:Choice xmlns:v="urn:schemas-microsoft-com:vml" Requires="v">
-                <p:oleObj spid="_x0000_s1039" name="AxMath" r:id="rId10" imgW="436680" imgH="240120" progId="Equation.AxMath">
+                <p:oleObj spid="_x0000_s1049" name="AxMath" r:id="rId10" imgW="436680" imgH="240120" progId="Equation.AxMath">
                   <p:embed/>
                 </p:oleObj>
               </mc:Choice>
@@ -9442,7 +9705,7 @@
           <a:graphicData uri="http://schemas.openxmlformats.org/presentationml/2006/ole">
             <mc:AlternateContent xmlns:mc="http://schemas.openxmlformats.org/markup-compatibility/2006">
               <mc:Choice xmlns:v="urn:schemas-microsoft-com:vml" Requires="v">
-                <p:oleObj spid="_x0000_s1040" name="AxMath" r:id="rId12" imgW="906120" imgH="245880" progId="Equation.AxMath">
+                <p:oleObj spid="_x0000_s1050" name="AxMath" r:id="rId12" imgW="906120" imgH="245880" progId="Equation.AxMath">
                   <p:embed/>
                 </p:oleObj>
               </mc:Choice>
@@ -9986,7 +10249,12 @@
             <p:ph type="body" idx="1"/>
           </p:nvPr>
         </p:nvSpPr>
-        <p:spPr/>
+        <p:spPr>
+          <a:xfrm>
+            <a:off x="812800" y="1521197"/>
+            <a:ext cx="10566400" cy="4193803"/>
+          </a:xfrm>
+        </p:spPr>
         <p:txBody>
           <a:bodyPr/>
           <a:lstStyle/>
@@ -9998,8 +10266,13 @@
             </a:pPr>
             <a:r>
               <a:rPr lang="en-US" altLang="zh-CN" dirty="0"/>
-              <a:t>The info at the top of the slide can be changed</a:t>
+              <a:t>Technic Selection: Qt Designer + PyQt5 + </a:t>
             </a:r>
+            <a:r>
+              <a:rPr lang="en-US" altLang="zh-CN" dirty="0" err="1"/>
+              <a:t>Pycharm</a:t>
+            </a:r>
+            <a:endParaRPr lang="en-US" altLang="zh-CN" dirty="0"/>
           </a:p>
           <a:p>
             <a:pPr eaLnBrk="1" hangingPunct="1">
@@ -10009,45 +10282,144 @@
             </a:pPr>
             <a:r>
               <a:rPr lang="en-US" altLang="zh-CN" dirty="0"/>
-              <a:t>Go to the </a:t>
+              <a:t>The design diagram is as follows:</a:t>
             </a:r>
-            <a:r>
-              <a:rPr lang="en-US" altLang="zh-CN" b="1" dirty="0"/>
-              <a:t>View</a:t>
-            </a:r>
-            <a:r>
-              <a:rPr lang="en-US" altLang="zh-CN" dirty="0"/>
-              <a:t> menu and choose </a:t>
-            </a:r>
-            <a:r>
-              <a:rPr lang="en-US" altLang="zh-CN" b="1" dirty="0"/>
-              <a:t>Header and Footer</a:t>
-            </a:r>
-          </a:p>
-          <a:p>
-            <a:pPr eaLnBrk="1" hangingPunct="1">
-              <a:buClr>
-                <a:srgbClr val="CC0000"/>
-              </a:buClr>
+          </a:p>
+        </p:txBody>
+      </p:sp>
+      <p:sp>
+        <p:nvSpPr>
+          <p:cNvPr id="7" name="Rectangle 3">
+            <a:extLst>
+              <a:ext uri="{FF2B5EF4-FFF2-40B4-BE49-F238E27FC236}">
+                <a16:creationId xmlns:a16="http://schemas.microsoft.com/office/drawing/2014/main" id="{1DBE7A17-3374-4B47-BB70-148CB249B15E}"/>
+              </a:ext>
+            </a:extLst>
+          </p:cNvPr>
+          <p:cNvSpPr>
+            <a:spLocks noChangeArrowheads="1"/>
+          </p:cNvSpPr>
+          <p:nvPr/>
+        </p:nvSpPr>
+        <p:spPr bwMode="auto">
+          <a:xfrm>
+            <a:off x="0" y="0"/>
+            <a:ext cx="12192000" cy="457200"/>
+          </a:xfrm>
+          <a:prstGeom prst="rect">
+            <a:avLst/>
+          </a:prstGeom>
+          <a:solidFill>
+            <a:srgbClr val="FFFFFF"/>
+          </a:solidFill>
+          <a:ln>
+            <a:noFill/>
+          </a:ln>
+          <a:effectLst/>
+          <a:extLst>
+            <a:ext uri="{91240B29-F687-4F45-9708-019B960494DF}">
+              <a14:hiddenLine xmlns:a14="http://schemas.microsoft.com/office/drawing/2010/main" w="9525">
+                <a:solidFill>
+                  <a:schemeClr val="tx1"/>
+                </a:solidFill>
+                <a:miter lim="800000"/>
+                <a:headEnd/>
+                <a:tailEnd/>
+              </a14:hiddenLine>
+            </a:ext>
+            <a:ext uri="{AF507438-7753-43E0-B8FC-AC1667EBCBE1}">
+              <a14:hiddenEffects xmlns:a14="http://schemas.microsoft.com/office/drawing/2010/main">
+                <a:effectLst>
+                  <a:outerShdw dist="35921" dir="2700000" algn="ctr" rotWithShape="0">
+                    <a:schemeClr val="bg2"/>
+                  </a:outerShdw>
+                </a:effectLst>
+              </a14:hiddenEffects>
+            </a:ext>
+          </a:extLst>
+        </p:spPr>
+        <p:txBody>
+          <a:bodyPr vert="horz" wrap="none" lIns="91440" tIns="45720" rIns="91440" bIns="45720" numCol="1" anchor="ctr" anchorCtr="0" compatLnSpc="1">
+            <a:prstTxWarp prst="textNoShape">
+              <a:avLst/>
+            </a:prstTxWarp>
+            <a:spAutoFit/>
+          </a:bodyPr>
+          <a:lstStyle/>
+          <a:p>
+            <a:pPr marL="0" marR="0" lvl="0" indent="0" algn="l" defTabSz="914400" rtl="0" eaLnBrk="0" fontAlgn="base" latinLnBrk="0" hangingPunct="0">
+              <a:lnSpc>
+                <a:spcPct val="100000"/>
+              </a:lnSpc>
+              <a:spcBef>
+                <a:spcPct val="0"/>
+              </a:spcBef>
+              <a:spcAft>
+                <a:spcPct val="0"/>
+              </a:spcAft>
+              <a:buClrTx/>
+              <a:buSzTx/>
+              <a:buFontTx/>
+              <a:buNone/>
+              <a:tabLst/>
             </a:pPr>
             <a:r>
-              <a:rPr lang="en-US" altLang="zh-CN" dirty="0"/>
-              <a:t>Then change the date and footer text</a:t>
+              <a:rPr kumimoji="0" lang="zh-CN" altLang="zh-CN" sz="700" b="0" i="0" u="none" strike="noStrike" cap="none" normalizeH="0" baseline="0">
+                <a:ln>
+                  <a:noFill/>
+                </a:ln>
+                <a:solidFill>
+                  <a:srgbClr val="000000"/>
+                </a:solidFill>
+                <a:effectLst/>
+                <a:latin typeface="宋体" panose="02010600030101010101" pitchFamily="2" charset="-122"/>
+                <a:ea typeface="宋体" panose="02010600030101010101" pitchFamily="2" charset="-122"/>
+              </a:rPr>
+              <a:t>PyQt5</a:t>
             </a:r>
-          </a:p>
-          <a:p>
-            <a:pPr eaLnBrk="1" hangingPunct="1">
-              <a:buClr>
-                <a:srgbClr val="CC0000"/>
-              </a:buClr>
-            </a:pPr>
-            <a:r>
-              <a:rPr lang="en-US" altLang="zh-CN" dirty="0"/>
-              <a:t>You can also enable or disable automatic slide numbering in the Header and Footer</a:t>
-            </a:r>
+            <a:endParaRPr kumimoji="0" lang="zh-CN" altLang="zh-CN" sz="1800" b="0" i="0" u="none" strike="noStrike" cap="none" normalizeH="0" baseline="0">
+              <a:ln>
+                <a:noFill/>
+              </a:ln>
+              <a:solidFill>
+                <a:schemeClr val="tx1"/>
+              </a:solidFill>
+              <a:effectLst/>
+              <a:latin typeface="Arial" panose="020B0604020202020204" pitchFamily="34" charset="0"/>
+            </a:endParaRPr>
           </a:p>
         </p:txBody>
       </p:sp>
+      <p:pic>
+        <p:nvPicPr>
+          <p:cNvPr id="9" name="图片 8">
+            <a:extLst>
+              <a:ext uri="{FF2B5EF4-FFF2-40B4-BE49-F238E27FC236}">
+                <a16:creationId xmlns:a16="http://schemas.microsoft.com/office/drawing/2014/main" id="{41F28269-5176-43B8-A72B-259D05DB260C}"/>
+              </a:ext>
+            </a:extLst>
+          </p:cNvPr>
+          <p:cNvPicPr>
+            <a:picLocks noChangeAspect="1"/>
+          </p:cNvPicPr>
+          <p:nvPr/>
+        </p:nvPicPr>
+        <p:blipFill>
+          <a:blip r:embed="rId3"/>
+          <a:stretch>
+            <a:fillRect/>
+          </a:stretch>
+        </p:blipFill>
+        <p:spPr>
+          <a:xfrm>
+            <a:off x="403151" y="2362200"/>
+            <a:ext cx="11385697" cy="3733800"/>
+          </a:xfrm>
+          <a:prstGeom prst="rect">
+            <a:avLst/>
+          </a:prstGeom>
+        </p:spPr>
+      </p:pic>
     </p:spTree>
     <p:extLst>
       <p:ext uri="{BB962C8B-B14F-4D97-AF65-F5344CB8AC3E}">
@@ -10355,6 +10727,685 @@
               </a:rPr>
               <a:pPr/>
               <a:t>6</a:t>
+            </a:fld>
+            <a:endParaRPr lang="en-US" altLang="zh-CN" sz="4400" dirty="0">
+              <a:solidFill>
+                <a:srgbClr val="D9D9D9"/>
+              </a:solidFill>
+              <a:latin typeface="Arial" panose="020B0604020202020204" pitchFamily="34" charset="0"/>
+            </a:endParaRPr>
+          </a:p>
+        </p:txBody>
+      </p:sp>
+      <p:sp>
+        <p:nvSpPr>
+          <p:cNvPr id="6" name="Date Placeholder 5">
+            <a:extLst>
+              <a:ext uri="{FF2B5EF4-FFF2-40B4-BE49-F238E27FC236}">
+                <a16:creationId xmlns:a16="http://schemas.microsoft.com/office/drawing/2014/main" id="{BE85214C-77B1-4741-9D95-5CCABB2CF8A9}"/>
+              </a:ext>
+            </a:extLst>
+          </p:cNvPr>
+          <p:cNvSpPr>
+            <a:spLocks noGrp="1"/>
+          </p:cNvSpPr>
+          <p:nvPr>
+            <p:ph type="dt" sz="quarter" idx="12"/>
+          </p:nvPr>
+        </p:nvSpPr>
+        <p:spPr/>
+        <p:txBody>
+          <a:bodyPr/>
+          <a:lstStyle>
+            <a:lvl1pPr>
+              <a:defRPr sz="2400">
+                <a:solidFill>
+                  <a:schemeClr val="tx1"/>
+                </a:solidFill>
+                <a:latin typeface="Times" panose="02020603050405020304" pitchFamily="18" charset="0"/>
+                <a:ea typeface="Osaka" charset="-128"/>
+              </a:defRPr>
+            </a:lvl1pPr>
+            <a:lvl2pPr marL="37931725" indent="-37474525">
+              <a:defRPr sz="2400">
+                <a:solidFill>
+                  <a:schemeClr val="tx1"/>
+                </a:solidFill>
+                <a:latin typeface="Times" panose="02020603050405020304" pitchFamily="18" charset="0"/>
+                <a:ea typeface="Osaka" charset="-128"/>
+              </a:defRPr>
+            </a:lvl2pPr>
+            <a:lvl3pPr>
+              <a:defRPr sz="2400">
+                <a:solidFill>
+                  <a:schemeClr val="tx1"/>
+                </a:solidFill>
+                <a:latin typeface="Times" panose="02020603050405020304" pitchFamily="18" charset="0"/>
+                <a:ea typeface="Osaka" charset="-128"/>
+              </a:defRPr>
+            </a:lvl3pPr>
+            <a:lvl4pPr>
+              <a:defRPr sz="2400">
+                <a:solidFill>
+                  <a:schemeClr val="tx1"/>
+                </a:solidFill>
+                <a:latin typeface="Times" panose="02020603050405020304" pitchFamily="18" charset="0"/>
+                <a:ea typeface="Osaka" charset="-128"/>
+              </a:defRPr>
+            </a:lvl4pPr>
+            <a:lvl5pPr>
+              <a:defRPr sz="2400">
+                <a:solidFill>
+                  <a:schemeClr val="tx1"/>
+                </a:solidFill>
+                <a:latin typeface="Times" panose="02020603050405020304" pitchFamily="18" charset="0"/>
+                <a:ea typeface="Osaka" charset="-128"/>
+              </a:defRPr>
+            </a:lvl5pPr>
+            <a:lvl6pPr marL="457200" eaLnBrk="0" fontAlgn="base" hangingPunct="0">
+              <a:spcBef>
+                <a:spcPct val="0"/>
+              </a:spcBef>
+              <a:spcAft>
+                <a:spcPct val="0"/>
+              </a:spcAft>
+              <a:defRPr sz="2400">
+                <a:solidFill>
+                  <a:schemeClr val="tx1"/>
+                </a:solidFill>
+                <a:latin typeface="Times" panose="02020603050405020304" pitchFamily="18" charset="0"/>
+                <a:ea typeface="Osaka" charset="-128"/>
+              </a:defRPr>
+            </a:lvl6pPr>
+            <a:lvl7pPr marL="914400" eaLnBrk="0" fontAlgn="base" hangingPunct="0">
+              <a:spcBef>
+                <a:spcPct val="0"/>
+              </a:spcBef>
+              <a:spcAft>
+                <a:spcPct val="0"/>
+              </a:spcAft>
+              <a:defRPr sz="2400">
+                <a:solidFill>
+                  <a:schemeClr val="tx1"/>
+                </a:solidFill>
+                <a:latin typeface="Times" panose="02020603050405020304" pitchFamily="18" charset="0"/>
+                <a:ea typeface="Osaka" charset="-128"/>
+              </a:defRPr>
+            </a:lvl7pPr>
+            <a:lvl8pPr marL="1371600" eaLnBrk="0" fontAlgn="base" hangingPunct="0">
+              <a:spcBef>
+                <a:spcPct val="0"/>
+              </a:spcBef>
+              <a:spcAft>
+                <a:spcPct val="0"/>
+              </a:spcAft>
+              <a:defRPr sz="2400">
+                <a:solidFill>
+                  <a:schemeClr val="tx1"/>
+                </a:solidFill>
+                <a:latin typeface="Times" panose="02020603050405020304" pitchFamily="18" charset="0"/>
+                <a:ea typeface="Osaka" charset="-128"/>
+              </a:defRPr>
+            </a:lvl8pPr>
+            <a:lvl9pPr marL="1828800" eaLnBrk="0" fontAlgn="base" hangingPunct="0">
+              <a:spcBef>
+                <a:spcPct val="0"/>
+              </a:spcBef>
+              <a:spcAft>
+                <a:spcPct val="0"/>
+              </a:spcAft>
+              <a:defRPr sz="2400">
+                <a:solidFill>
+                  <a:schemeClr val="tx1"/>
+                </a:solidFill>
+                <a:latin typeface="Times" panose="02020603050405020304" pitchFamily="18" charset="0"/>
+                <a:ea typeface="Osaka" charset="-128"/>
+              </a:defRPr>
+            </a:lvl9pPr>
+          </a:lstStyle>
+          <a:p>
+            <a:fld id="{763873CB-7048-42F6-820B-753148C33FC0}" type="datetime1">
+              <a:rPr lang="en-US" altLang="zh-CN" sz="1200">
+                <a:solidFill>
+                  <a:srgbClr val="808080"/>
+                </a:solidFill>
+                <a:latin typeface="Arial" panose="020B0604020202020204" pitchFamily="34" charset="0"/>
+              </a:rPr>
+              <a:pPr/>
+              <a:t>12/9/2019</a:t>
+            </a:fld>
+            <a:endParaRPr lang="en-US" altLang="zh-CN" sz="1200">
+              <a:solidFill>
+                <a:srgbClr val="808080"/>
+              </a:solidFill>
+              <a:latin typeface="Arial" panose="020B0604020202020204" pitchFamily="34" charset="0"/>
+            </a:endParaRPr>
+          </a:p>
+        </p:txBody>
+      </p:sp>
+      <p:sp>
+        <p:nvSpPr>
+          <p:cNvPr id="17413" name="Rectangle 2">
+            <a:extLst>
+              <a:ext uri="{FF2B5EF4-FFF2-40B4-BE49-F238E27FC236}">
+                <a16:creationId xmlns:a16="http://schemas.microsoft.com/office/drawing/2014/main" id="{C4606B27-C718-4489-B8C4-F7D791760B0E}"/>
+              </a:ext>
+            </a:extLst>
+          </p:cNvPr>
+          <p:cNvSpPr>
+            <a:spLocks noGrp="1" noChangeArrowheads="1"/>
+          </p:cNvSpPr>
+          <p:nvPr>
+            <p:ph type="title"/>
+          </p:nvPr>
+        </p:nvSpPr>
+        <p:spPr/>
+        <p:txBody>
+          <a:bodyPr/>
+          <a:lstStyle/>
+          <a:p>
+            <a:pPr eaLnBrk="1" hangingPunct="1"/>
+            <a:r>
+              <a:rPr lang="en-US" altLang="zh-CN" b="1" dirty="0"/>
+              <a:t>GUI Design</a:t>
+            </a:r>
+            <a:endParaRPr lang="en-US" altLang="zh-CN" dirty="0"/>
+          </a:p>
+        </p:txBody>
+      </p:sp>
+      <p:sp>
+        <p:nvSpPr>
+          <p:cNvPr id="17414" name="Rectangle 3">
+            <a:extLst>
+              <a:ext uri="{FF2B5EF4-FFF2-40B4-BE49-F238E27FC236}">
+                <a16:creationId xmlns:a16="http://schemas.microsoft.com/office/drawing/2014/main" id="{4E0EFBFB-3587-4447-9B69-820EC93607D1}"/>
+              </a:ext>
+            </a:extLst>
+          </p:cNvPr>
+          <p:cNvSpPr>
+            <a:spLocks noGrp="1" noChangeArrowheads="1"/>
+          </p:cNvSpPr>
+          <p:nvPr>
+            <p:ph type="body" idx="1"/>
+          </p:nvPr>
+        </p:nvSpPr>
+        <p:spPr/>
+        <p:txBody>
+          <a:bodyPr/>
+          <a:lstStyle/>
+          <a:p>
+            <a:pPr eaLnBrk="1" hangingPunct="1">
+              <a:buClr>
+                <a:srgbClr val="CC0000"/>
+              </a:buClr>
+            </a:pPr>
+            <a:r>
+              <a:rPr lang="en-US" altLang="zh-CN" dirty="0"/>
+              <a:t>Technic Selection: Qt Designer + PyQt5 + </a:t>
+            </a:r>
+            <a:r>
+              <a:rPr lang="en-US" altLang="zh-CN" dirty="0" err="1"/>
+              <a:t>Pycharm</a:t>
+            </a:r>
+            <a:endParaRPr lang="en-US" altLang="zh-CN" dirty="0"/>
+          </a:p>
+          <a:p>
+            <a:pPr eaLnBrk="1" hangingPunct="1">
+              <a:buClr>
+                <a:srgbClr val="CC0000"/>
+              </a:buClr>
+            </a:pPr>
+            <a:r>
+              <a:rPr lang="en-US" altLang="zh-CN" dirty="0"/>
+              <a:t>Go to the </a:t>
+            </a:r>
+            <a:r>
+              <a:rPr lang="en-US" altLang="zh-CN" b="1" dirty="0"/>
+              <a:t>View</a:t>
+            </a:r>
+            <a:r>
+              <a:rPr lang="en-US" altLang="zh-CN" dirty="0"/>
+              <a:t> menu and choose </a:t>
+            </a:r>
+            <a:r>
+              <a:rPr lang="en-US" altLang="zh-CN" b="1" dirty="0"/>
+              <a:t>Header and Footer</a:t>
+            </a:r>
+          </a:p>
+          <a:p>
+            <a:pPr eaLnBrk="1" hangingPunct="1">
+              <a:buClr>
+                <a:srgbClr val="CC0000"/>
+              </a:buClr>
+            </a:pPr>
+            <a:r>
+              <a:rPr lang="en-US" altLang="zh-CN" dirty="0"/>
+              <a:t>Then change the date and footer text</a:t>
+            </a:r>
+          </a:p>
+          <a:p>
+            <a:pPr eaLnBrk="1" hangingPunct="1">
+              <a:buClr>
+                <a:srgbClr val="CC0000"/>
+              </a:buClr>
+            </a:pPr>
+            <a:r>
+              <a:rPr lang="en-US" altLang="zh-CN" dirty="0"/>
+              <a:t>You can also enable or disable automatic slide numbering in the Header and Footer</a:t>
+            </a:r>
+          </a:p>
+        </p:txBody>
+      </p:sp>
+      <p:sp>
+        <p:nvSpPr>
+          <p:cNvPr id="7" name="Rectangle 3">
+            <a:extLst>
+              <a:ext uri="{FF2B5EF4-FFF2-40B4-BE49-F238E27FC236}">
+                <a16:creationId xmlns:a16="http://schemas.microsoft.com/office/drawing/2014/main" id="{1DBE7A17-3374-4B47-BB70-148CB249B15E}"/>
+              </a:ext>
+            </a:extLst>
+          </p:cNvPr>
+          <p:cNvSpPr>
+            <a:spLocks noChangeArrowheads="1"/>
+          </p:cNvSpPr>
+          <p:nvPr/>
+        </p:nvSpPr>
+        <p:spPr bwMode="auto">
+          <a:xfrm>
+            <a:off x="0" y="0"/>
+            <a:ext cx="12192000" cy="457200"/>
+          </a:xfrm>
+          <a:prstGeom prst="rect">
+            <a:avLst/>
+          </a:prstGeom>
+          <a:solidFill>
+            <a:srgbClr val="FFFFFF"/>
+          </a:solidFill>
+          <a:ln>
+            <a:noFill/>
+          </a:ln>
+          <a:effectLst/>
+          <a:extLst>
+            <a:ext uri="{91240B29-F687-4F45-9708-019B960494DF}">
+              <a14:hiddenLine xmlns:a14="http://schemas.microsoft.com/office/drawing/2010/main" w="9525">
+                <a:solidFill>
+                  <a:schemeClr val="tx1"/>
+                </a:solidFill>
+                <a:miter lim="800000"/>
+                <a:headEnd/>
+                <a:tailEnd/>
+              </a14:hiddenLine>
+            </a:ext>
+            <a:ext uri="{AF507438-7753-43E0-B8FC-AC1667EBCBE1}">
+              <a14:hiddenEffects xmlns:a14="http://schemas.microsoft.com/office/drawing/2010/main">
+                <a:effectLst>
+                  <a:outerShdw dist="35921" dir="2700000" algn="ctr" rotWithShape="0">
+                    <a:schemeClr val="bg2"/>
+                  </a:outerShdw>
+                </a:effectLst>
+              </a14:hiddenEffects>
+            </a:ext>
+          </a:extLst>
+        </p:spPr>
+        <p:txBody>
+          <a:bodyPr vert="horz" wrap="none" lIns="91440" tIns="45720" rIns="91440" bIns="45720" numCol="1" anchor="ctr" anchorCtr="0" compatLnSpc="1">
+            <a:prstTxWarp prst="textNoShape">
+              <a:avLst/>
+            </a:prstTxWarp>
+            <a:spAutoFit/>
+          </a:bodyPr>
+          <a:lstStyle/>
+          <a:p>
+            <a:pPr marL="0" marR="0" lvl="0" indent="0" algn="l" defTabSz="914400" rtl="0" eaLnBrk="0" fontAlgn="base" latinLnBrk="0" hangingPunct="0">
+              <a:lnSpc>
+                <a:spcPct val="100000"/>
+              </a:lnSpc>
+              <a:spcBef>
+                <a:spcPct val="0"/>
+              </a:spcBef>
+              <a:spcAft>
+                <a:spcPct val="0"/>
+              </a:spcAft>
+              <a:buClrTx/>
+              <a:buSzTx/>
+              <a:buFontTx/>
+              <a:buNone/>
+              <a:tabLst/>
+            </a:pPr>
+            <a:r>
+              <a:rPr kumimoji="0" lang="zh-CN" altLang="zh-CN" sz="700" b="0" i="0" u="none" strike="noStrike" cap="none" normalizeH="0" baseline="0">
+                <a:ln>
+                  <a:noFill/>
+                </a:ln>
+                <a:solidFill>
+                  <a:srgbClr val="000000"/>
+                </a:solidFill>
+                <a:effectLst/>
+                <a:latin typeface="宋体" panose="02010600030101010101" pitchFamily="2" charset="-122"/>
+                <a:ea typeface="宋体" panose="02010600030101010101" pitchFamily="2" charset="-122"/>
+              </a:rPr>
+              <a:t>PyQt5</a:t>
+            </a:r>
+            <a:endParaRPr kumimoji="0" lang="zh-CN" altLang="zh-CN" sz="1800" b="0" i="0" u="none" strike="noStrike" cap="none" normalizeH="0" baseline="0">
+              <a:ln>
+                <a:noFill/>
+              </a:ln>
+              <a:solidFill>
+                <a:schemeClr val="tx1"/>
+              </a:solidFill>
+              <a:effectLst/>
+              <a:latin typeface="Arial" panose="020B0604020202020204" pitchFamily="34" charset="0"/>
+            </a:endParaRPr>
+          </a:p>
+        </p:txBody>
+      </p:sp>
+    </p:spTree>
+    <p:extLst>
+      <p:ext uri="{BB962C8B-B14F-4D97-AF65-F5344CB8AC3E}">
+        <p14:creationId xmlns:p14="http://schemas.microsoft.com/office/powerpoint/2010/main" val="3294464160"/>
+      </p:ext>
+    </p:extLst>
+  </p:cSld>
+  <p:clrMapOvr>
+    <a:masterClrMapping/>
+  </p:clrMapOvr>
+</p:sld>
+</file>
+
+<file path=ppt/slides/slide7.xml><?xml version="1.0" encoding="utf-8"?>
+<p:sld xmlns:a="http://schemas.openxmlformats.org/drawingml/2006/main" xmlns:r="http://schemas.openxmlformats.org/officeDocument/2006/relationships" xmlns:p="http://schemas.openxmlformats.org/presentationml/2006/main">
+  <p:cSld>
+    <p:spTree>
+      <p:nvGrpSpPr>
+        <p:cNvPr id="1" name=""/>
+        <p:cNvGrpSpPr/>
+        <p:nvPr/>
+      </p:nvGrpSpPr>
+      <p:grpSpPr>
+        <a:xfrm>
+          <a:off x="0" y="0"/>
+          <a:ext cx="0" cy="0"/>
+          <a:chOff x="0" y="0"/>
+          <a:chExt cx="0" cy="0"/>
+        </a:xfrm>
+      </p:grpSpPr>
+      <p:sp>
+        <p:nvSpPr>
+          <p:cNvPr id="4" name="Footer Placeholder 3">
+            <a:extLst>
+              <a:ext uri="{FF2B5EF4-FFF2-40B4-BE49-F238E27FC236}">
+                <a16:creationId xmlns:a16="http://schemas.microsoft.com/office/drawing/2014/main" id="{879D3FA8-072F-48CC-AE97-AEACDE96EA5F}"/>
+              </a:ext>
+            </a:extLst>
+          </p:cNvPr>
+          <p:cNvSpPr>
+            <a:spLocks noGrp="1"/>
+          </p:cNvSpPr>
+          <p:nvPr>
+            <p:ph type="ftr" sz="quarter" idx="10"/>
+          </p:nvPr>
+        </p:nvSpPr>
+        <p:spPr>
+          <a:xfrm>
+            <a:off x="16214" y="0"/>
+            <a:ext cx="6807200" cy="304800"/>
+          </a:xfrm>
+        </p:spPr>
+        <p:txBody>
+          <a:bodyPr/>
+          <a:lstStyle>
+            <a:lvl1pPr>
+              <a:defRPr sz="2400">
+                <a:solidFill>
+                  <a:schemeClr val="tx1"/>
+                </a:solidFill>
+                <a:latin typeface="Times" panose="02020603050405020304" pitchFamily="18" charset="0"/>
+                <a:ea typeface="Osaka" charset="-128"/>
+              </a:defRPr>
+            </a:lvl1pPr>
+            <a:lvl2pPr marL="37931725" indent="-37474525">
+              <a:defRPr sz="2400">
+                <a:solidFill>
+                  <a:schemeClr val="tx1"/>
+                </a:solidFill>
+                <a:latin typeface="Times" panose="02020603050405020304" pitchFamily="18" charset="0"/>
+                <a:ea typeface="Osaka" charset="-128"/>
+              </a:defRPr>
+            </a:lvl2pPr>
+            <a:lvl3pPr>
+              <a:defRPr sz="2400">
+                <a:solidFill>
+                  <a:schemeClr val="tx1"/>
+                </a:solidFill>
+                <a:latin typeface="Times" panose="02020603050405020304" pitchFamily="18" charset="0"/>
+                <a:ea typeface="Osaka" charset="-128"/>
+              </a:defRPr>
+            </a:lvl3pPr>
+            <a:lvl4pPr>
+              <a:defRPr sz="2400">
+                <a:solidFill>
+                  <a:schemeClr val="tx1"/>
+                </a:solidFill>
+                <a:latin typeface="Times" panose="02020603050405020304" pitchFamily="18" charset="0"/>
+                <a:ea typeface="Osaka" charset="-128"/>
+              </a:defRPr>
+            </a:lvl4pPr>
+            <a:lvl5pPr>
+              <a:defRPr sz="2400">
+                <a:solidFill>
+                  <a:schemeClr val="tx1"/>
+                </a:solidFill>
+                <a:latin typeface="Times" panose="02020603050405020304" pitchFamily="18" charset="0"/>
+                <a:ea typeface="Osaka" charset="-128"/>
+              </a:defRPr>
+            </a:lvl5pPr>
+            <a:lvl6pPr marL="457200" eaLnBrk="0" fontAlgn="base" hangingPunct="0">
+              <a:spcBef>
+                <a:spcPct val="0"/>
+              </a:spcBef>
+              <a:spcAft>
+                <a:spcPct val="0"/>
+              </a:spcAft>
+              <a:defRPr sz="2400">
+                <a:solidFill>
+                  <a:schemeClr val="tx1"/>
+                </a:solidFill>
+                <a:latin typeface="Times" panose="02020603050405020304" pitchFamily="18" charset="0"/>
+                <a:ea typeface="Osaka" charset="-128"/>
+              </a:defRPr>
+            </a:lvl6pPr>
+            <a:lvl7pPr marL="914400" eaLnBrk="0" fontAlgn="base" hangingPunct="0">
+              <a:spcBef>
+                <a:spcPct val="0"/>
+              </a:spcBef>
+              <a:spcAft>
+                <a:spcPct val="0"/>
+              </a:spcAft>
+              <a:defRPr sz="2400">
+                <a:solidFill>
+                  <a:schemeClr val="tx1"/>
+                </a:solidFill>
+                <a:latin typeface="Times" panose="02020603050405020304" pitchFamily="18" charset="0"/>
+                <a:ea typeface="Osaka" charset="-128"/>
+              </a:defRPr>
+            </a:lvl7pPr>
+            <a:lvl8pPr marL="1371600" eaLnBrk="0" fontAlgn="base" hangingPunct="0">
+              <a:spcBef>
+                <a:spcPct val="0"/>
+              </a:spcBef>
+              <a:spcAft>
+                <a:spcPct val="0"/>
+              </a:spcAft>
+              <a:defRPr sz="2400">
+                <a:solidFill>
+                  <a:schemeClr val="tx1"/>
+                </a:solidFill>
+                <a:latin typeface="Times" panose="02020603050405020304" pitchFamily="18" charset="0"/>
+                <a:ea typeface="Osaka" charset="-128"/>
+              </a:defRPr>
+            </a:lvl8pPr>
+            <a:lvl9pPr marL="1828800" eaLnBrk="0" fontAlgn="base" hangingPunct="0">
+              <a:spcBef>
+                <a:spcPct val="0"/>
+              </a:spcBef>
+              <a:spcAft>
+                <a:spcPct val="0"/>
+              </a:spcAft>
+              <a:defRPr sz="2400">
+                <a:solidFill>
+                  <a:schemeClr val="tx1"/>
+                </a:solidFill>
+                <a:latin typeface="Times" panose="02020603050405020304" pitchFamily="18" charset="0"/>
+                <a:ea typeface="Osaka" charset="-128"/>
+              </a:defRPr>
+            </a:lvl9pPr>
+          </a:lstStyle>
+          <a:p>
+            <a:endParaRPr lang="en-US" altLang="zh-CN" sz="1200" dirty="0">
+              <a:solidFill>
+                <a:schemeClr val="bg1"/>
+              </a:solidFill>
+              <a:latin typeface="Arial" panose="020B0604020202020204" pitchFamily="34" charset="0"/>
+            </a:endParaRPr>
+          </a:p>
+        </p:txBody>
+      </p:sp>
+      <p:sp>
+        <p:nvSpPr>
+          <p:cNvPr id="5" name="Slide Number Placeholder 4">
+            <a:extLst>
+              <a:ext uri="{FF2B5EF4-FFF2-40B4-BE49-F238E27FC236}">
+                <a16:creationId xmlns:a16="http://schemas.microsoft.com/office/drawing/2014/main" id="{1851765C-BB61-4AD4-B455-5D2D7D28F19A}"/>
+              </a:ext>
+            </a:extLst>
+          </p:cNvPr>
+          <p:cNvSpPr>
+            <a:spLocks noGrp="1"/>
+          </p:cNvSpPr>
+          <p:nvPr>
+            <p:ph type="sldNum" sz="quarter" idx="11"/>
+          </p:nvPr>
+        </p:nvSpPr>
+        <p:spPr/>
+        <p:txBody>
+          <a:bodyPr/>
+          <a:lstStyle>
+            <a:lvl1pPr>
+              <a:defRPr sz="2400">
+                <a:solidFill>
+                  <a:schemeClr val="tx1"/>
+                </a:solidFill>
+                <a:latin typeface="Times" panose="02020603050405020304" pitchFamily="18" charset="0"/>
+                <a:ea typeface="Osaka" charset="-128"/>
+              </a:defRPr>
+            </a:lvl1pPr>
+            <a:lvl2pPr marL="37931725" indent="-37474525">
+              <a:defRPr sz="2400">
+                <a:solidFill>
+                  <a:schemeClr val="tx1"/>
+                </a:solidFill>
+                <a:latin typeface="Times" panose="02020603050405020304" pitchFamily="18" charset="0"/>
+                <a:ea typeface="Osaka" charset="-128"/>
+              </a:defRPr>
+            </a:lvl2pPr>
+            <a:lvl3pPr>
+              <a:defRPr sz="2400">
+                <a:solidFill>
+                  <a:schemeClr val="tx1"/>
+                </a:solidFill>
+                <a:latin typeface="Times" panose="02020603050405020304" pitchFamily="18" charset="0"/>
+                <a:ea typeface="Osaka" charset="-128"/>
+              </a:defRPr>
+            </a:lvl3pPr>
+            <a:lvl4pPr>
+              <a:defRPr sz="2400">
+                <a:solidFill>
+                  <a:schemeClr val="tx1"/>
+                </a:solidFill>
+                <a:latin typeface="Times" panose="02020603050405020304" pitchFamily="18" charset="0"/>
+                <a:ea typeface="Osaka" charset="-128"/>
+              </a:defRPr>
+            </a:lvl4pPr>
+            <a:lvl5pPr>
+              <a:defRPr sz="2400">
+                <a:solidFill>
+                  <a:schemeClr val="tx1"/>
+                </a:solidFill>
+                <a:latin typeface="Times" panose="02020603050405020304" pitchFamily="18" charset="0"/>
+                <a:ea typeface="Osaka" charset="-128"/>
+              </a:defRPr>
+            </a:lvl5pPr>
+            <a:lvl6pPr marL="457200" eaLnBrk="0" fontAlgn="base" hangingPunct="0">
+              <a:spcBef>
+                <a:spcPct val="0"/>
+              </a:spcBef>
+              <a:spcAft>
+                <a:spcPct val="0"/>
+              </a:spcAft>
+              <a:defRPr sz="2400">
+                <a:solidFill>
+                  <a:schemeClr val="tx1"/>
+                </a:solidFill>
+                <a:latin typeface="Times" panose="02020603050405020304" pitchFamily="18" charset="0"/>
+                <a:ea typeface="Osaka" charset="-128"/>
+              </a:defRPr>
+            </a:lvl6pPr>
+            <a:lvl7pPr marL="914400" eaLnBrk="0" fontAlgn="base" hangingPunct="0">
+              <a:spcBef>
+                <a:spcPct val="0"/>
+              </a:spcBef>
+              <a:spcAft>
+                <a:spcPct val="0"/>
+              </a:spcAft>
+              <a:defRPr sz="2400">
+                <a:solidFill>
+                  <a:schemeClr val="tx1"/>
+                </a:solidFill>
+                <a:latin typeface="Times" panose="02020603050405020304" pitchFamily="18" charset="0"/>
+                <a:ea typeface="Osaka" charset="-128"/>
+              </a:defRPr>
+            </a:lvl7pPr>
+            <a:lvl8pPr marL="1371600" eaLnBrk="0" fontAlgn="base" hangingPunct="0">
+              <a:spcBef>
+                <a:spcPct val="0"/>
+              </a:spcBef>
+              <a:spcAft>
+                <a:spcPct val="0"/>
+              </a:spcAft>
+              <a:defRPr sz="2400">
+                <a:solidFill>
+                  <a:schemeClr val="tx1"/>
+                </a:solidFill>
+                <a:latin typeface="Times" panose="02020603050405020304" pitchFamily="18" charset="0"/>
+                <a:ea typeface="Osaka" charset="-128"/>
+              </a:defRPr>
+            </a:lvl8pPr>
+            <a:lvl9pPr marL="1828800" eaLnBrk="0" fontAlgn="base" hangingPunct="0">
+              <a:spcBef>
+                <a:spcPct val="0"/>
+              </a:spcBef>
+              <a:spcAft>
+                <a:spcPct val="0"/>
+              </a:spcAft>
+              <a:defRPr sz="2400">
+                <a:solidFill>
+                  <a:schemeClr val="tx1"/>
+                </a:solidFill>
+                <a:latin typeface="Times" panose="02020603050405020304" pitchFamily="18" charset="0"/>
+                <a:ea typeface="Osaka" charset="-128"/>
+              </a:defRPr>
+            </a:lvl9pPr>
+          </a:lstStyle>
+          <a:p>
+            <a:fld id="{87636CCA-F21B-4E3C-9D62-F3C67539006C}" type="slidenum">
+              <a:rPr lang="en-US" altLang="zh-CN" sz="4400">
+                <a:solidFill>
+                  <a:srgbClr val="D9D9D9"/>
+                </a:solidFill>
+                <a:latin typeface="Arial" panose="020B0604020202020204" pitchFamily="34" charset="0"/>
+              </a:rPr>
+              <a:pPr/>
+              <a:t>7</a:t>
             </a:fld>
             <a:endParaRPr lang="en-US" altLang="zh-CN" sz="4400" dirty="0">
               <a:solidFill>

--- a/EC504_pre.pptx
+++ b/EC504_pre.pptx
@@ -5,19 +5,20 @@
     <p:sldMasterId id="2147483648" r:id="rId1"/>
   </p:sldMasterIdLst>
   <p:notesMasterIdLst>
-    <p:notesMasterId r:id="rId9"/>
+    <p:notesMasterId r:id="rId10"/>
   </p:notesMasterIdLst>
   <p:handoutMasterIdLst>
-    <p:handoutMasterId r:id="rId10"/>
+    <p:handoutMasterId r:id="rId11"/>
   </p:handoutMasterIdLst>
   <p:sldIdLst>
     <p:sldId id="256" r:id="rId2"/>
     <p:sldId id="257" r:id="rId3"/>
     <p:sldId id="260" r:id="rId4"/>
     <p:sldId id="258" r:id="rId5"/>
-    <p:sldId id="259" r:id="rId6"/>
-    <p:sldId id="263" r:id="rId7"/>
-    <p:sldId id="262" r:id="rId8"/>
+    <p:sldId id="263" r:id="rId6"/>
+    <p:sldId id="264" r:id="rId7"/>
+    <p:sldId id="265" r:id="rId8"/>
+    <p:sldId id="262" r:id="rId9"/>
   </p:sldIdLst>
   <p:sldSz cx="12192000" cy="6858000"/>
   <p:notesSz cx="6858000" cy="9144000"/>
@@ -2093,7 +2094,7 @@
             <a:fld id="{E58F578F-B9C1-484A-BDD9-BF24F9A3EB96}" type="slidenum">
               <a:rPr lang="en-US" altLang="zh-CN" sz="1200"/>
               <a:pPr/>
-              <a:t>5</a:t>
+              <a:t>6</a:t>
             </a:fld>
             <a:endParaRPr lang="en-US" altLang="zh-CN" sz="1200"/>
           </a:p>
@@ -2355,7 +2356,7 @@
             <a:fld id="{E58F578F-B9C1-484A-BDD9-BF24F9A3EB96}" type="slidenum">
               <a:rPr lang="en-US" altLang="zh-CN" sz="1200"/>
               <a:pPr/>
-              <a:t>6</a:t>
+              <a:t>7</a:t>
             </a:fld>
             <a:endParaRPr lang="en-US" altLang="zh-CN" sz="1200"/>
           </a:p>
@@ -2438,7 +2439,7 @@
     </p:spTree>
     <p:extLst>
       <p:ext uri="{BB962C8B-B14F-4D97-AF65-F5344CB8AC3E}">
-        <p14:creationId xmlns:p14="http://schemas.microsoft.com/office/powerpoint/2010/main" val="1666597708"/>
+        <p14:creationId xmlns:p14="http://schemas.microsoft.com/office/powerpoint/2010/main" val="3856122069"/>
       </p:ext>
     </p:extLst>
   </p:cSld>
@@ -2617,7 +2618,7 @@
             <a:fld id="{E58F578F-B9C1-484A-BDD9-BF24F9A3EB96}" type="slidenum">
               <a:rPr lang="en-US" altLang="zh-CN" sz="1200"/>
               <a:pPr/>
-              <a:t>7</a:t>
+              <a:t>8</a:t>
             </a:fld>
             <a:endParaRPr lang="en-US" altLang="zh-CN" sz="1200"/>
           </a:p>
@@ -3410,7 +3411,7 @@
             <a:fld id="{193028C1-75A5-422A-A914-857BCD44F99B}" type="datetime1">
               <a:rPr lang="en-US" altLang="zh-CN"/>
               <a:pPr/>
-              <a:t>12/9/2019</a:t>
+              <a:t>12/10/2019</a:t>
             </a:fld>
             <a:endParaRPr lang="en-US" altLang="zh-CN"/>
           </a:p>
@@ -3629,7 +3630,7 @@
             <a:fld id="{AE00FD13-88D7-4DD6-B871-98B73B86F36C}" type="datetime1">
               <a:rPr lang="en-US" altLang="zh-CN"/>
               <a:pPr/>
-              <a:t>12/9/2019</a:t>
+              <a:t>12/10/2019</a:t>
             </a:fld>
             <a:endParaRPr lang="en-US" altLang="zh-CN"/>
           </a:p>
@@ -3838,7 +3839,7 @@
             <a:fld id="{DF824826-8110-40D1-AA06-9A6F20FDB192}" type="datetime1">
               <a:rPr lang="en-US" altLang="zh-CN"/>
               <a:pPr/>
-              <a:t>12/9/2019</a:t>
+              <a:t>12/10/2019</a:t>
             </a:fld>
             <a:endParaRPr lang="en-US" altLang="zh-CN"/>
           </a:p>
@@ -4070,7 +4071,7 @@
             <a:fld id="{56111807-0556-4A29-8299-757B9CF8DEDE}" type="datetime1">
               <a:rPr lang="en-US" altLang="zh-CN"/>
               <a:pPr/>
-              <a:t>12/9/2019</a:t>
+              <a:t>12/10/2019</a:t>
             </a:fld>
             <a:endParaRPr lang="en-US" altLang="zh-CN"/>
           </a:p>
@@ -4396,7 +4397,7 @@
             <a:fld id="{884343F0-7BA0-426D-9648-FFAC1F16AB75}" type="datetime1">
               <a:rPr lang="en-US" altLang="zh-CN"/>
               <a:pPr/>
-              <a:t>12/9/2019</a:t>
+              <a:t>12/10/2019</a:t>
             </a:fld>
             <a:endParaRPr lang="en-US" altLang="zh-CN"/>
           </a:p>
@@ -4861,7 +4862,7 @@
             <a:fld id="{AEB29C17-023B-4480-B72B-3E06FEFC5DDA}" type="datetime1">
               <a:rPr lang="en-US" altLang="zh-CN"/>
               <a:pPr/>
-              <a:t>12/9/2019</a:t>
+              <a:t>12/10/2019</a:t>
             </a:fld>
             <a:endParaRPr lang="en-US" altLang="zh-CN"/>
           </a:p>
@@ -5019,7 +5020,7 @@
             <a:fld id="{490211C3-2F5C-4458-B07A-AA2E367CD577}" type="datetime1">
               <a:rPr lang="en-US" altLang="zh-CN"/>
               <a:pPr/>
-              <a:t>12/9/2019</a:t>
+              <a:t>12/10/2019</a:t>
             </a:fld>
             <a:endParaRPr lang="en-US" altLang="zh-CN"/>
           </a:p>
@@ -5155,7 +5156,7 @@
             <a:fld id="{0879A1CC-BAF3-4761-A577-B2D126B88220}" type="datetime1">
               <a:rPr lang="en-US" altLang="zh-CN"/>
               <a:pPr/>
-              <a:t>12/9/2019</a:t>
+              <a:t>12/10/2019</a:t>
             </a:fld>
             <a:endParaRPr lang="en-US" altLang="zh-CN"/>
           </a:p>
@@ -5471,7 +5472,7 @@
             <a:fld id="{3B488544-43FD-4067-B0F7-6FD88A8D67A8}" type="datetime1">
               <a:rPr lang="en-US" altLang="zh-CN"/>
               <a:pPr/>
-              <a:t>12/9/2019</a:t>
+              <a:t>12/10/2019</a:t>
             </a:fld>
             <a:endParaRPr lang="en-US" altLang="zh-CN"/>
           </a:p>
@@ -5765,7 +5766,7 @@
             <a:fld id="{059923C2-D198-4FA1-A9E3-B9415D1705F4}" type="datetime1">
               <a:rPr lang="en-US" altLang="zh-CN"/>
               <a:pPr/>
-              <a:t>12/9/2019</a:t>
+              <a:t>12/10/2019</a:t>
             </a:fld>
             <a:endParaRPr lang="en-US" altLang="zh-CN"/>
           </a:p>
@@ -6458,7 +6459,7 @@
             <a:fld id="{66437C1D-A1A8-483A-B199-238CB5C85C5D}" type="datetime1">
               <a:rPr lang="en-US" altLang="zh-CN"/>
               <a:pPr/>
-              <a:t>12/9/2019</a:t>
+              <a:t>12/10/2019</a:t>
             </a:fld>
             <a:endParaRPr lang="en-US" altLang="zh-CN"/>
           </a:p>
@@ -7538,7 +7539,7 @@
                 <a:latin typeface="Arial" panose="020B0604020202020204" pitchFamily="34" charset="0"/>
               </a:rPr>
               <a:pPr/>
-              <a:t>12/9/2019</a:t>
+              <a:t>12/10/2019</a:t>
             </a:fld>
             <a:endParaRPr lang="en-US" altLang="zh-CN" sz="1200">
               <a:solidFill>
@@ -8089,7 +8090,7 @@
                 <a:latin typeface="Arial" panose="020B0604020202020204" pitchFamily="34" charset="0"/>
               </a:rPr>
               <a:pPr/>
-              <a:t>12/9/2019</a:t>
+              <a:t>12/10/2019</a:t>
             </a:fld>
             <a:endParaRPr lang="en-US" altLang="zh-CN" sz="1200">
               <a:solidFill>
@@ -9302,7 +9303,7 @@
                 <a:latin typeface="Arial" panose="020B0604020202020204" pitchFamily="34" charset="0"/>
               </a:rPr>
               <a:pPr/>
-              <a:t>12/9/2019</a:t>
+              <a:t>12/10/2019</a:t>
             </a:fld>
             <a:endParaRPr lang="en-US" altLang="zh-CN" sz="1200">
               <a:solidFill>
@@ -9453,7 +9454,7 @@
           <a:graphicData uri="http://schemas.openxmlformats.org/presentationml/2006/ole">
             <mc:AlternateContent xmlns:mc="http://schemas.openxmlformats.org/markup-compatibility/2006">
               <mc:Choice xmlns:v="urn:schemas-microsoft-com:vml" Requires="v">
-                <p:oleObj spid="_x0000_s1046" name="AxMath" r:id="rId4" imgW="1249560" imgH="493920" progId="Equation.AxMath">
+                <p:oleObj spid="_x0000_s1056" name="AxMath" r:id="rId4" imgW="1249560" imgH="493920" progId="Equation.AxMath">
                   <p:embed/>
                 </p:oleObj>
               </mc:Choice>
@@ -9516,7 +9517,7 @@
           <a:graphicData uri="http://schemas.openxmlformats.org/presentationml/2006/ole">
             <mc:AlternateContent xmlns:mc="http://schemas.openxmlformats.org/markup-compatibility/2006">
               <mc:Choice xmlns:v="urn:schemas-microsoft-com:vml" Requires="v">
-                <p:oleObj spid="_x0000_s1047" name="AxMath" r:id="rId6" imgW="354240" imgH="236160" progId="Equation.AxMath">
+                <p:oleObj spid="_x0000_s1057" name="AxMath" r:id="rId6" imgW="354240" imgH="236160" progId="Equation.AxMath">
                   <p:embed/>
                 </p:oleObj>
               </mc:Choice>
@@ -9579,7 +9580,7 @@
           <a:graphicData uri="http://schemas.openxmlformats.org/presentationml/2006/ole">
             <mc:AlternateContent xmlns:mc="http://schemas.openxmlformats.org/markup-compatibility/2006">
               <mc:Choice xmlns:v="urn:schemas-microsoft-com:vml" Requires="v">
-                <p:oleObj spid="_x0000_s1048" name="AxMath" r:id="rId8" imgW="196200" imgH="228960" progId="Equation.AxMath">
+                <p:oleObj spid="_x0000_s1058" name="AxMath" r:id="rId8" imgW="196200" imgH="228960" progId="Equation.AxMath">
                   <p:embed/>
                 </p:oleObj>
               </mc:Choice>
@@ -9642,7 +9643,7 @@
           <a:graphicData uri="http://schemas.openxmlformats.org/presentationml/2006/ole">
             <mc:AlternateContent xmlns:mc="http://schemas.openxmlformats.org/markup-compatibility/2006">
               <mc:Choice xmlns:v="urn:schemas-microsoft-com:vml" Requires="v">
-                <p:oleObj spid="_x0000_s1049" name="AxMath" r:id="rId10" imgW="436680" imgH="240120" progId="Equation.AxMath">
+                <p:oleObj spid="_x0000_s1059" name="AxMath" r:id="rId10" imgW="436680" imgH="240120" progId="Equation.AxMath">
                   <p:embed/>
                 </p:oleObj>
               </mc:Choice>
@@ -9705,7 +9706,7 @@
           <a:graphicData uri="http://schemas.openxmlformats.org/presentationml/2006/ole">
             <mc:AlternateContent xmlns:mc="http://schemas.openxmlformats.org/markup-compatibility/2006">
               <mc:Choice xmlns:v="urn:schemas-microsoft-com:vml" Requires="v">
-                <p:oleObj spid="_x0000_s1050" name="AxMath" r:id="rId12" imgW="906120" imgH="245880" progId="Equation.AxMath">
+                <p:oleObj spid="_x0000_s1060" name="AxMath" r:id="rId12" imgW="906120" imgH="245880" progId="Equation.AxMath">
                   <p:embed/>
                 </p:oleObj>
               </mc:Choice>
@@ -9772,10 +9773,70 @@
       </p:grpSpPr>
       <p:sp>
         <p:nvSpPr>
-          <p:cNvPr id="4" name="Footer Placeholder 3">
+          <p:cNvPr id="2" name="标题 1">
             <a:extLst>
               <a:ext uri="{FF2B5EF4-FFF2-40B4-BE49-F238E27FC236}">
-                <a16:creationId xmlns:a16="http://schemas.microsoft.com/office/drawing/2014/main" id="{879D3FA8-072F-48CC-AE97-AEACDE96EA5F}"/>
+                <a16:creationId xmlns:a16="http://schemas.microsoft.com/office/drawing/2014/main" id="{948A8729-71EC-4BB3-A7CB-5080D868FD9C}"/>
+              </a:ext>
+            </a:extLst>
+          </p:cNvPr>
+          <p:cNvSpPr>
+            <a:spLocks noGrp="1"/>
+          </p:cNvSpPr>
+          <p:nvPr>
+            <p:ph type="title"/>
+          </p:nvPr>
+        </p:nvSpPr>
+        <p:spPr/>
+        <p:txBody>
+          <a:bodyPr/>
+          <a:lstStyle/>
+          <a:p>
+            <a:r>
+              <a:rPr lang="en-US" altLang="zh-CN" dirty="0"/>
+              <a:t>Time Complexity</a:t>
+            </a:r>
+            <a:endParaRPr lang="zh-CN" altLang="en-US" dirty="0"/>
+          </a:p>
+        </p:txBody>
+      </p:sp>
+      <p:pic>
+        <p:nvPicPr>
+          <p:cNvPr id="7" name="内容占位符 6">
+            <a:extLst>
+              <a:ext uri="{FF2B5EF4-FFF2-40B4-BE49-F238E27FC236}">
+                <a16:creationId xmlns:a16="http://schemas.microsoft.com/office/drawing/2014/main" id="{03B89F77-A191-4055-A08E-DEAE30E693DB}"/>
+              </a:ext>
+            </a:extLst>
+          </p:cNvPr>
+          <p:cNvPicPr>
+            <a:picLocks noGrp="1" noChangeAspect="1"/>
+          </p:cNvPicPr>
+          <p:nvPr>
+            <p:ph idx="1"/>
+          </p:nvPr>
+        </p:nvPicPr>
+        <p:blipFill rotWithShape="1">
+          <a:blip r:embed="rId2"/>
+          <a:srcRect t="4618"/>
+          <a:stretch/>
+        </p:blipFill>
+        <p:spPr>
+          <a:xfrm>
+            <a:off x="1828800" y="1606685"/>
+            <a:ext cx="8534400" cy="4456889"/>
+          </a:xfrm>
+          <a:prstGeom prst="rect">
+            <a:avLst/>
+          </a:prstGeom>
+        </p:spPr>
+      </p:pic>
+      <p:sp>
+        <p:nvSpPr>
+          <p:cNvPr id="4" name="页脚占位符 3">
+            <a:extLst>
+              <a:ext uri="{FF2B5EF4-FFF2-40B4-BE49-F238E27FC236}">
+                <a16:creationId xmlns:a16="http://schemas.microsoft.com/office/drawing/2014/main" id="{07FC9F8B-84D0-4F41-9E4E-7456F68533FF}"/>
               </a:ext>
             </a:extLst>
           </p:cNvPr>
@@ -9786,137 +9847,24 @@
             <p:ph type="ftr" sz="quarter" idx="10"/>
           </p:nvPr>
         </p:nvSpPr>
-        <p:spPr>
-          <a:xfrm>
-            <a:off x="16214" y="0"/>
-            <a:ext cx="6807200" cy="304800"/>
-          </a:xfrm>
-        </p:spPr>
+        <p:spPr/>
         <p:txBody>
           <a:bodyPr/>
-          <a:lstStyle>
-            <a:lvl1pPr>
-              <a:defRPr sz="2400">
-                <a:solidFill>
-                  <a:schemeClr val="tx1"/>
-                </a:solidFill>
-                <a:latin typeface="Times" panose="02020603050405020304" pitchFamily="18" charset="0"/>
-                <a:ea typeface="Osaka" charset="-128"/>
-              </a:defRPr>
-            </a:lvl1pPr>
-            <a:lvl2pPr marL="37931725" indent="-37474525">
-              <a:defRPr sz="2400">
-                <a:solidFill>
-                  <a:schemeClr val="tx1"/>
-                </a:solidFill>
-                <a:latin typeface="Times" panose="02020603050405020304" pitchFamily="18" charset="0"/>
-                <a:ea typeface="Osaka" charset="-128"/>
-              </a:defRPr>
-            </a:lvl2pPr>
-            <a:lvl3pPr>
-              <a:defRPr sz="2400">
-                <a:solidFill>
-                  <a:schemeClr val="tx1"/>
-                </a:solidFill>
-                <a:latin typeface="Times" panose="02020603050405020304" pitchFamily="18" charset="0"/>
-                <a:ea typeface="Osaka" charset="-128"/>
-              </a:defRPr>
-            </a:lvl3pPr>
-            <a:lvl4pPr>
-              <a:defRPr sz="2400">
-                <a:solidFill>
-                  <a:schemeClr val="tx1"/>
-                </a:solidFill>
-                <a:latin typeface="Times" panose="02020603050405020304" pitchFamily="18" charset="0"/>
-                <a:ea typeface="Osaka" charset="-128"/>
-              </a:defRPr>
-            </a:lvl4pPr>
-            <a:lvl5pPr>
-              <a:defRPr sz="2400">
-                <a:solidFill>
-                  <a:schemeClr val="tx1"/>
-                </a:solidFill>
-                <a:latin typeface="Times" panose="02020603050405020304" pitchFamily="18" charset="0"/>
-                <a:ea typeface="Osaka" charset="-128"/>
-              </a:defRPr>
-            </a:lvl5pPr>
-            <a:lvl6pPr marL="457200" eaLnBrk="0" fontAlgn="base" hangingPunct="0">
-              <a:spcBef>
-                <a:spcPct val="0"/>
-              </a:spcBef>
-              <a:spcAft>
-                <a:spcPct val="0"/>
-              </a:spcAft>
-              <a:defRPr sz="2400">
-                <a:solidFill>
-                  <a:schemeClr val="tx1"/>
-                </a:solidFill>
-                <a:latin typeface="Times" panose="02020603050405020304" pitchFamily="18" charset="0"/>
-                <a:ea typeface="Osaka" charset="-128"/>
-              </a:defRPr>
-            </a:lvl6pPr>
-            <a:lvl7pPr marL="914400" eaLnBrk="0" fontAlgn="base" hangingPunct="0">
-              <a:spcBef>
-                <a:spcPct val="0"/>
-              </a:spcBef>
-              <a:spcAft>
-                <a:spcPct val="0"/>
-              </a:spcAft>
-              <a:defRPr sz="2400">
-                <a:solidFill>
-                  <a:schemeClr val="tx1"/>
-                </a:solidFill>
-                <a:latin typeface="Times" panose="02020603050405020304" pitchFamily="18" charset="0"/>
-                <a:ea typeface="Osaka" charset="-128"/>
-              </a:defRPr>
-            </a:lvl7pPr>
-            <a:lvl8pPr marL="1371600" eaLnBrk="0" fontAlgn="base" hangingPunct="0">
-              <a:spcBef>
-                <a:spcPct val="0"/>
-              </a:spcBef>
-              <a:spcAft>
-                <a:spcPct val="0"/>
-              </a:spcAft>
-              <a:defRPr sz="2400">
-                <a:solidFill>
-                  <a:schemeClr val="tx1"/>
-                </a:solidFill>
-                <a:latin typeface="Times" panose="02020603050405020304" pitchFamily="18" charset="0"/>
-                <a:ea typeface="Osaka" charset="-128"/>
-              </a:defRPr>
-            </a:lvl8pPr>
-            <a:lvl9pPr marL="1828800" eaLnBrk="0" fontAlgn="base" hangingPunct="0">
-              <a:spcBef>
-                <a:spcPct val="0"/>
-              </a:spcBef>
-              <a:spcAft>
-                <a:spcPct val="0"/>
-              </a:spcAft>
-              <a:defRPr sz="2400">
-                <a:solidFill>
-                  <a:schemeClr val="tx1"/>
-                </a:solidFill>
-                <a:latin typeface="Times" panose="02020603050405020304" pitchFamily="18" charset="0"/>
-                <a:ea typeface="Osaka" charset="-128"/>
-              </a:defRPr>
-            </a:lvl9pPr>
-          </a:lstStyle>
-          <a:p>
-            <a:endParaRPr lang="en-US" altLang="zh-CN" sz="1200" dirty="0">
-              <a:solidFill>
-                <a:schemeClr val="bg1"/>
-              </a:solidFill>
-              <a:latin typeface="Arial" panose="020B0604020202020204" pitchFamily="34" charset="0"/>
-            </a:endParaRPr>
+          <a:lstStyle/>
+          <a:p>
+            <a:r>
+              <a:rPr lang="en-US" altLang="zh-CN"/>
+              <a:t>Trustees Presentation</a:t>
+            </a:r>
           </a:p>
         </p:txBody>
       </p:sp>
       <p:sp>
         <p:nvSpPr>
-          <p:cNvPr id="5" name="Slide Number Placeholder 4">
+          <p:cNvPr id="5" name="灯片编号占位符 4">
             <a:extLst>
               <a:ext uri="{FF2B5EF4-FFF2-40B4-BE49-F238E27FC236}">
-                <a16:creationId xmlns:a16="http://schemas.microsoft.com/office/drawing/2014/main" id="{1851765C-BB61-4AD4-B455-5D2D7D28F19A}"/>
+                <a16:creationId xmlns:a16="http://schemas.microsoft.com/office/drawing/2014/main" id="{D97D5BA6-5B0B-48B3-856E-DEB427DF15AD}"/>
               </a:ext>
             </a:extLst>
           </p:cNvPr>
@@ -9930,139 +9878,23 @@
         <p:spPr/>
         <p:txBody>
           <a:bodyPr/>
-          <a:lstStyle>
-            <a:lvl1pPr>
-              <a:defRPr sz="2400">
-                <a:solidFill>
-                  <a:schemeClr val="tx1"/>
-                </a:solidFill>
-                <a:latin typeface="Times" panose="02020603050405020304" pitchFamily="18" charset="0"/>
-                <a:ea typeface="Osaka" charset="-128"/>
-              </a:defRPr>
-            </a:lvl1pPr>
-            <a:lvl2pPr marL="37931725" indent="-37474525">
-              <a:defRPr sz="2400">
-                <a:solidFill>
-                  <a:schemeClr val="tx1"/>
-                </a:solidFill>
-                <a:latin typeface="Times" panose="02020603050405020304" pitchFamily="18" charset="0"/>
-                <a:ea typeface="Osaka" charset="-128"/>
-              </a:defRPr>
-            </a:lvl2pPr>
-            <a:lvl3pPr>
-              <a:defRPr sz="2400">
-                <a:solidFill>
-                  <a:schemeClr val="tx1"/>
-                </a:solidFill>
-                <a:latin typeface="Times" panose="02020603050405020304" pitchFamily="18" charset="0"/>
-                <a:ea typeface="Osaka" charset="-128"/>
-              </a:defRPr>
-            </a:lvl3pPr>
-            <a:lvl4pPr>
-              <a:defRPr sz="2400">
-                <a:solidFill>
-                  <a:schemeClr val="tx1"/>
-                </a:solidFill>
-                <a:latin typeface="Times" panose="02020603050405020304" pitchFamily="18" charset="0"/>
-                <a:ea typeface="Osaka" charset="-128"/>
-              </a:defRPr>
-            </a:lvl4pPr>
-            <a:lvl5pPr>
-              <a:defRPr sz="2400">
-                <a:solidFill>
-                  <a:schemeClr val="tx1"/>
-                </a:solidFill>
-                <a:latin typeface="Times" panose="02020603050405020304" pitchFamily="18" charset="0"/>
-                <a:ea typeface="Osaka" charset="-128"/>
-              </a:defRPr>
-            </a:lvl5pPr>
-            <a:lvl6pPr marL="457200" eaLnBrk="0" fontAlgn="base" hangingPunct="0">
-              <a:spcBef>
-                <a:spcPct val="0"/>
-              </a:spcBef>
-              <a:spcAft>
-                <a:spcPct val="0"/>
-              </a:spcAft>
-              <a:defRPr sz="2400">
-                <a:solidFill>
-                  <a:schemeClr val="tx1"/>
-                </a:solidFill>
-                <a:latin typeface="Times" panose="02020603050405020304" pitchFamily="18" charset="0"/>
-                <a:ea typeface="Osaka" charset="-128"/>
-              </a:defRPr>
-            </a:lvl6pPr>
-            <a:lvl7pPr marL="914400" eaLnBrk="0" fontAlgn="base" hangingPunct="0">
-              <a:spcBef>
-                <a:spcPct val="0"/>
-              </a:spcBef>
-              <a:spcAft>
-                <a:spcPct val="0"/>
-              </a:spcAft>
-              <a:defRPr sz="2400">
-                <a:solidFill>
-                  <a:schemeClr val="tx1"/>
-                </a:solidFill>
-                <a:latin typeface="Times" panose="02020603050405020304" pitchFamily="18" charset="0"/>
-                <a:ea typeface="Osaka" charset="-128"/>
-              </a:defRPr>
-            </a:lvl7pPr>
-            <a:lvl8pPr marL="1371600" eaLnBrk="0" fontAlgn="base" hangingPunct="0">
-              <a:spcBef>
-                <a:spcPct val="0"/>
-              </a:spcBef>
-              <a:spcAft>
-                <a:spcPct val="0"/>
-              </a:spcAft>
-              <a:defRPr sz="2400">
-                <a:solidFill>
-                  <a:schemeClr val="tx1"/>
-                </a:solidFill>
-                <a:latin typeface="Times" panose="02020603050405020304" pitchFamily="18" charset="0"/>
-                <a:ea typeface="Osaka" charset="-128"/>
-              </a:defRPr>
-            </a:lvl8pPr>
-            <a:lvl9pPr marL="1828800" eaLnBrk="0" fontAlgn="base" hangingPunct="0">
-              <a:spcBef>
-                <a:spcPct val="0"/>
-              </a:spcBef>
-              <a:spcAft>
-                <a:spcPct val="0"/>
-              </a:spcAft>
-              <a:defRPr sz="2400">
-                <a:solidFill>
-                  <a:schemeClr val="tx1"/>
-                </a:solidFill>
-                <a:latin typeface="Times" panose="02020603050405020304" pitchFamily="18" charset="0"/>
-                <a:ea typeface="Osaka" charset="-128"/>
-              </a:defRPr>
-            </a:lvl9pPr>
-          </a:lstStyle>
-          <a:p>
-            <a:fld id="{87636CCA-F21B-4E3C-9D62-F3C67539006C}" type="slidenum">
-              <a:rPr lang="en-US" altLang="zh-CN" sz="4400">
-                <a:solidFill>
-                  <a:srgbClr val="D9D9D9"/>
-                </a:solidFill>
-                <a:latin typeface="Arial" panose="020B0604020202020204" pitchFamily="34" charset="0"/>
-              </a:rPr>
+          <a:lstStyle/>
+          <a:p>
+            <a:fld id="{B6330668-96C8-49F9-B6F7-26C365E8147F}" type="slidenum">
+              <a:rPr lang="en-US" altLang="zh-CN" smtClean="0"/>
               <a:pPr/>
               <a:t>5</a:t>
             </a:fld>
-            <a:endParaRPr lang="en-US" altLang="zh-CN" sz="4400" dirty="0">
-              <a:solidFill>
-                <a:srgbClr val="D9D9D9"/>
-              </a:solidFill>
-              <a:latin typeface="Arial" panose="020B0604020202020204" pitchFamily="34" charset="0"/>
-            </a:endParaRPr>
+            <a:endParaRPr lang="en-US" altLang="zh-CN"/>
           </a:p>
         </p:txBody>
       </p:sp>
       <p:sp>
         <p:nvSpPr>
-          <p:cNvPr id="6" name="Date Placeholder 5">
+          <p:cNvPr id="6" name="日期占位符 5">
             <a:extLst>
               <a:ext uri="{FF2B5EF4-FFF2-40B4-BE49-F238E27FC236}">
-                <a16:creationId xmlns:a16="http://schemas.microsoft.com/office/drawing/2014/main" id="{BE85214C-77B1-4741-9D95-5CCABB2CF8A9}"/>
+                <a16:creationId xmlns:a16="http://schemas.microsoft.com/office/drawing/2014/main" id="{6650699C-BC18-480F-96A8-A096F3BD6913}"/>
               </a:ext>
             </a:extLst>
           </p:cNvPr>
@@ -10070,153 +9902,7 @@
             <a:spLocks noGrp="1"/>
           </p:cNvSpPr>
           <p:nvPr>
-            <p:ph type="dt" sz="quarter" idx="12"/>
-          </p:nvPr>
-        </p:nvSpPr>
-        <p:spPr/>
-        <p:txBody>
-          <a:bodyPr/>
-          <a:lstStyle>
-            <a:lvl1pPr>
-              <a:defRPr sz="2400">
-                <a:solidFill>
-                  <a:schemeClr val="tx1"/>
-                </a:solidFill>
-                <a:latin typeface="Times" panose="02020603050405020304" pitchFamily="18" charset="0"/>
-                <a:ea typeface="Osaka" charset="-128"/>
-              </a:defRPr>
-            </a:lvl1pPr>
-            <a:lvl2pPr marL="37931725" indent="-37474525">
-              <a:defRPr sz="2400">
-                <a:solidFill>
-                  <a:schemeClr val="tx1"/>
-                </a:solidFill>
-                <a:latin typeface="Times" panose="02020603050405020304" pitchFamily="18" charset="0"/>
-                <a:ea typeface="Osaka" charset="-128"/>
-              </a:defRPr>
-            </a:lvl2pPr>
-            <a:lvl3pPr>
-              <a:defRPr sz="2400">
-                <a:solidFill>
-                  <a:schemeClr val="tx1"/>
-                </a:solidFill>
-                <a:latin typeface="Times" panose="02020603050405020304" pitchFamily="18" charset="0"/>
-                <a:ea typeface="Osaka" charset="-128"/>
-              </a:defRPr>
-            </a:lvl3pPr>
-            <a:lvl4pPr>
-              <a:defRPr sz="2400">
-                <a:solidFill>
-                  <a:schemeClr val="tx1"/>
-                </a:solidFill>
-                <a:latin typeface="Times" panose="02020603050405020304" pitchFamily="18" charset="0"/>
-                <a:ea typeface="Osaka" charset="-128"/>
-              </a:defRPr>
-            </a:lvl4pPr>
-            <a:lvl5pPr>
-              <a:defRPr sz="2400">
-                <a:solidFill>
-                  <a:schemeClr val="tx1"/>
-                </a:solidFill>
-                <a:latin typeface="Times" panose="02020603050405020304" pitchFamily="18" charset="0"/>
-                <a:ea typeface="Osaka" charset="-128"/>
-              </a:defRPr>
-            </a:lvl5pPr>
-            <a:lvl6pPr marL="457200" eaLnBrk="0" fontAlgn="base" hangingPunct="0">
-              <a:spcBef>
-                <a:spcPct val="0"/>
-              </a:spcBef>
-              <a:spcAft>
-                <a:spcPct val="0"/>
-              </a:spcAft>
-              <a:defRPr sz="2400">
-                <a:solidFill>
-                  <a:schemeClr val="tx1"/>
-                </a:solidFill>
-                <a:latin typeface="Times" panose="02020603050405020304" pitchFamily="18" charset="0"/>
-                <a:ea typeface="Osaka" charset="-128"/>
-              </a:defRPr>
-            </a:lvl6pPr>
-            <a:lvl7pPr marL="914400" eaLnBrk="0" fontAlgn="base" hangingPunct="0">
-              <a:spcBef>
-                <a:spcPct val="0"/>
-              </a:spcBef>
-              <a:spcAft>
-                <a:spcPct val="0"/>
-              </a:spcAft>
-              <a:defRPr sz="2400">
-                <a:solidFill>
-                  <a:schemeClr val="tx1"/>
-                </a:solidFill>
-                <a:latin typeface="Times" panose="02020603050405020304" pitchFamily="18" charset="0"/>
-                <a:ea typeface="Osaka" charset="-128"/>
-              </a:defRPr>
-            </a:lvl7pPr>
-            <a:lvl8pPr marL="1371600" eaLnBrk="0" fontAlgn="base" hangingPunct="0">
-              <a:spcBef>
-                <a:spcPct val="0"/>
-              </a:spcBef>
-              <a:spcAft>
-                <a:spcPct val="0"/>
-              </a:spcAft>
-              <a:defRPr sz="2400">
-                <a:solidFill>
-                  <a:schemeClr val="tx1"/>
-                </a:solidFill>
-                <a:latin typeface="Times" panose="02020603050405020304" pitchFamily="18" charset="0"/>
-                <a:ea typeface="Osaka" charset="-128"/>
-              </a:defRPr>
-            </a:lvl8pPr>
-            <a:lvl9pPr marL="1828800" eaLnBrk="0" fontAlgn="base" hangingPunct="0">
-              <a:spcBef>
-                <a:spcPct val="0"/>
-              </a:spcBef>
-              <a:spcAft>
-                <a:spcPct val="0"/>
-              </a:spcAft>
-              <a:defRPr sz="2400">
-                <a:solidFill>
-                  <a:schemeClr val="tx1"/>
-                </a:solidFill>
-                <a:latin typeface="Times" panose="02020603050405020304" pitchFamily="18" charset="0"/>
-                <a:ea typeface="Osaka" charset="-128"/>
-              </a:defRPr>
-            </a:lvl9pPr>
-          </a:lstStyle>
-          <a:p>
-            <a:fld id="{763873CB-7048-42F6-820B-753148C33FC0}" type="datetime1">
-              <a:rPr lang="en-US" altLang="zh-CN" sz="1200">
-                <a:solidFill>
-                  <a:srgbClr val="808080"/>
-                </a:solidFill>
-                <a:latin typeface="Arial" panose="020B0604020202020204" pitchFamily="34" charset="0"/>
-              </a:rPr>
-              <a:pPr/>
-              <a:t>12/9/2019</a:t>
-            </a:fld>
-            <a:endParaRPr lang="en-US" altLang="zh-CN" sz="1200">
-              <a:solidFill>
-                <a:srgbClr val="808080"/>
-              </a:solidFill>
-              <a:latin typeface="Arial" panose="020B0604020202020204" pitchFamily="34" charset="0"/>
-            </a:endParaRPr>
-          </a:p>
-        </p:txBody>
-      </p:sp>
-      <p:sp>
-        <p:nvSpPr>
-          <p:cNvPr id="17413" name="Rectangle 2">
-            <a:extLst>
-              <a:ext uri="{FF2B5EF4-FFF2-40B4-BE49-F238E27FC236}">
-                <a16:creationId xmlns:a16="http://schemas.microsoft.com/office/drawing/2014/main" id="{C4606B27-C718-4489-B8C4-F7D791760B0E}"/>
-              </a:ext>
-            </a:extLst>
-          </p:cNvPr>
-          <p:cNvSpPr>
-            <a:spLocks noGrp="1" noChangeArrowheads="1"/>
-          </p:cNvSpPr>
-          <p:nvPr>
-            <p:ph type="title"/>
+            <p:ph type="dt" sz="half" idx="12"/>
           </p:nvPr>
         </p:nvSpPr>
         <p:spPr/>
@@ -10224,206 +9910,19 @@
           <a:bodyPr/>
           <a:lstStyle/>
           <a:p>
-            <a:pPr eaLnBrk="1" hangingPunct="1"/>
-            <a:r>
-              <a:rPr lang="en-US" altLang="zh-CN" b="1" dirty="0"/>
-              <a:t>GUI Design</a:t>
-            </a:r>
-            <a:endParaRPr lang="en-US" altLang="zh-CN" dirty="0"/>
+            <a:fld id="{DF824826-8110-40D1-AA06-9A6F20FDB192}" type="datetime1">
+              <a:rPr lang="en-US" altLang="zh-CN" smtClean="0"/>
+              <a:pPr/>
+              <a:t>12/10/2019</a:t>
+            </a:fld>
+            <a:endParaRPr lang="en-US" altLang="zh-CN"/>
           </a:p>
         </p:txBody>
       </p:sp>
-      <p:sp>
-        <p:nvSpPr>
-          <p:cNvPr id="17414" name="Rectangle 3">
-            <a:extLst>
-              <a:ext uri="{FF2B5EF4-FFF2-40B4-BE49-F238E27FC236}">
-                <a16:creationId xmlns:a16="http://schemas.microsoft.com/office/drawing/2014/main" id="{4E0EFBFB-3587-4447-9B69-820EC93607D1}"/>
-              </a:ext>
-            </a:extLst>
-          </p:cNvPr>
-          <p:cNvSpPr>
-            <a:spLocks noGrp="1" noChangeArrowheads="1"/>
-          </p:cNvSpPr>
-          <p:nvPr>
-            <p:ph type="body" idx="1"/>
-          </p:nvPr>
-        </p:nvSpPr>
-        <p:spPr>
-          <a:xfrm>
-            <a:off x="812800" y="1521197"/>
-            <a:ext cx="10566400" cy="4193803"/>
-          </a:xfrm>
-        </p:spPr>
-        <p:txBody>
-          <a:bodyPr/>
-          <a:lstStyle/>
-          <a:p>
-            <a:pPr eaLnBrk="1" hangingPunct="1">
-              <a:buClr>
-                <a:srgbClr val="CC0000"/>
-              </a:buClr>
-            </a:pPr>
-            <a:r>
-              <a:rPr lang="en-US" altLang="zh-CN" dirty="0"/>
-              <a:t>Technic Selection: Qt Designer + PyQt5 + </a:t>
-            </a:r>
-            <a:r>
-              <a:rPr lang="en-US" altLang="zh-CN" dirty="0" err="1"/>
-              <a:t>Pycharm</a:t>
-            </a:r>
-            <a:endParaRPr lang="en-US" altLang="zh-CN" dirty="0"/>
-          </a:p>
-          <a:p>
-            <a:pPr eaLnBrk="1" hangingPunct="1">
-              <a:buClr>
-                <a:srgbClr val="CC0000"/>
-              </a:buClr>
-            </a:pPr>
-            <a:r>
-              <a:rPr lang="en-US" altLang="zh-CN" dirty="0"/>
-              <a:t>The design diagram is as follows:</a:t>
-            </a:r>
-          </a:p>
-        </p:txBody>
-      </p:sp>
-      <p:sp>
-        <p:nvSpPr>
-          <p:cNvPr id="7" name="Rectangle 3">
-            <a:extLst>
-              <a:ext uri="{FF2B5EF4-FFF2-40B4-BE49-F238E27FC236}">
-                <a16:creationId xmlns:a16="http://schemas.microsoft.com/office/drawing/2014/main" id="{1DBE7A17-3374-4B47-BB70-148CB249B15E}"/>
-              </a:ext>
-            </a:extLst>
-          </p:cNvPr>
-          <p:cNvSpPr>
-            <a:spLocks noChangeArrowheads="1"/>
-          </p:cNvSpPr>
-          <p:nvPr/>
-        </p:nvSpPr>
-        <p:spPr bwMode="auto">
-          <a:xfrm>
-            <a:off x="0" y="0"/>
-            <a:ext cx="12192000" cy="457200"/>
-          </a:xfrm>
-          <a:prstGeom prst="rect">
-            <a:avLst/>
-          </a:prstGeom>
-          <a:solidFill>
-            <a:srgbClr val="FFFFFF"/>
-          </a:solidFill>
-          <a:ln>
-            <a:noFill/>
-          </a:ln>
-          <a:effectLst/>
-          <a:extLst>
-            <a:ext uri="{91240B29-F687-4F45-9708-019B960494DF}">
-              <a14:hiddenLine xmlns:a14="http://schemas.microsoft.com/office/drawing/2010/main" w="9525">
-                <a:solidFill>
-                  <a:schemeClr val="tx1"/>
-                </a:solidFill>
-                <a:miter lim="800000"/>
-                <a:headEnd/>
-                <a:tailEnd/>
-              </a14:hiddenLine>
-            </a:ext>
-            <a:ext uri="{AF507438-7753-43E0-B8FC-AC1667EBCBE1}">
-              <a14:hiddenEffects xmlns:a14="http://schemas.microsoft.com/office/drawing/2010/main">
-                <a:effectLst>
-                  <a:outerShdw dist="35921" dir="2700000" algn="ctr" rotWithShape="0">
-                    <a:schemeClr val="bg2"/>
-                  </a:outerShdw>
-                </a:effectLst>
-              </a14:hiddenEffects>
-            </a:ext>
-          </a:extLst>
-        </p:spPr>
-        <p:txBody>
-          <a:bodyPr vert="horz" wrap="none" lIns="91440" tIns="45720" rIns="91440" bIns="45720" numCol="1" anchor="ctr" anchorCtr="0" compatLnSpc="1">
-            <a:prstTxWarp prst="textNoShape">
-              <a:avLst/>
-            </a:prstTxWarp>
-            <a:spAutoFit/>
-          </a:bodyPr>
-          <a:lstStyle/>
-          <a:p>
-            <a:pPr marL="0" marR="0" lvl="0" indent="0" algn="l" defTabSz="914400" rtl="0" eaLnBrk="0" fontAlgn="base" latinLnBrk="0" hangingPunct="0">
-              <a:lnSpc>
-                <a:spcPct val="100000"/>
-              </a:lnSpc>
-              <a:spcBef>
-                <a:spcPct val="0"/>
-              </a:spcBef>
-              <a:spcAft>
-                <a:spcPct val="0"/>
-              </a:spcAft>
-              <a:buClrTx/>
-              <a:buSzTx/>
-              <a:buFontTx/>
-              <a:buNone/>
-              <a:tabLst/>
-            </a:pPr>
-            <a:r>
-              <a:rPr kumimoji="0" lang="zh-CN" altLang="zh-CN" sz="700" b="0" i="0" u="none" strike="noStrike" cap="none" normalizeH="0" baseline="0">
-                <a:ln>
-                  <a:noFill/>
-                </a:ln>
-                <a:solidFill>
-                  <a:srgbClr val="000000"/>
-                </a:solidFill>
-                <a:effectLst/>
-                <a:latin typeface="宋体" panose="02010600030101010101" pitchFamily="2" charset="-122"/>
-                <a:ea typeface="宋体" panose="02010600030101010101" pitchFamily="2" charset="-122"/>
-              </a:rPr>
-              <a:t>PyQt5</a:t>
-            </a:r>
-            <a:endParaRPr kumimoji="0" lang="zh-CN" altLang="zh-CN" sz="1800" b="0" i="0" u="none" strike="noStrike" cap="none" normalizeH="0" baseline="0">
-              <a:ln>
-                <a:noFill/>
-              </a:ln>
-              <a:solidFill>
-                <a:schemeClr val="tx1"/>
-              </a:solidFill>
-              <a:effectLst/>
-              <a:latin typeface="Arial" panose="020B0604020202020204" pitchFamily="34" charset="0"/>
-            </a:endParaRPr>
-          </a:p>
-        </p:txBody>
-      </p:sp>
-      <p:pic>
-        <p:nvPicPr>
-          <p:cNvPr id="9" name="图片 8">
-            <a:extLst>
-              <a:ext uri="{FF2B5EF4-FFF2-40B4-BE49-F238E27FC236}">
-                <a16:creationId xmlns:a16="http://schemas.microsoft.com/office/drawing/2014/main" id="{41F28269-5176-43B8-A72B-259D05DB260C}"/>
-              </a:ext>
-            </a:extLst>
-          </p:cNvPr>
-          <p:cNvPicPr>
-            <a:picLocks noChangeAspect="1"/>
-          </p:cNvPicPr>
-          <p:nvPr/>
-        </p:nvPicPr>
-        <p:blipFill>
-          <a:blip r:embed="rId3"/>
-          <a:stretch>
-            <a:fillRect/>
-          </a:stretch>
-        </p:blipFill>
-        <p:spPr>
-          <a:xfrm>
-            <a:off x="403151" y="2362200"/>
-            <a:ext cx="11385697" cy="3733800"/>
-          </a:xfrm>
-          <a:prstGeom prst="rect">
-            <a:avLst/>
-          </a:prstGeom>
-        </p:spPr>
-      </p:pic>
     </p:spTree>
     <p:extLst>
       <p:ext uri="{BB962C8B-B14F-4D97-AF65-F5344CB8AC3E}">
-        <p14:creationId xmlns:p14="http://schemas.microsoft.com/office/powerpoint/2010/main" val="307965467"/>
+        <p14:creationId xmlns:p14="http://schemas.microsoft.com/office/powerpoint/2010/main" val="3645905304"/>
       </p:ext>
     </p:extLst>
   </p:cSld>
@@ -10872,7 +10371,7 @@
                 <a:latin typeface="Arial" panose="020B0604020202020204" pitchFamily="34" charset="0"/>
               </a:rPr>
               <a:pPr/>
-              <a:t>12/9/2019</a:t>
+              <a:t>12/10/2019</a:t>
             </a:fld>
             <a:endParaRPr lang="en-US" altLang="zh-CN" sz="1200">
               <a:solidFill>
@@ -10929,7 +10428,12 @@
             <p:ph type="body" idx="1"/>
           </p:nvPr>
         </p:nvSpPr>
-        <p:spPr/>
+        <p:spPr>
+          <a:xfrm>
+            <a:off x="812800" y="1521197"/>
+            <a:ext cx="10566400" cy="4193803"/>
+          </a:xfrm>
+        </p:spPr>
         <p:txBody>
           <a:bodyPr/>
           <a:lstStyle/>
@@ -10957,41 +10461,7 @@
             </a:pPr>
             <a:r>
               <a:rPr lang="en-US" altLang="zh-CN" dirty="0"/>
-              <a:t>Go to the </a:t>
-            </a:r>
-            <a:r>
-              <a:rPr lang="en-US" altLang="zh-CN" b="1" dirty="0"/>
-              <a:t>View</a:t>
-            </a:r>
-            <a:r>
-              <a:rPr lang="en-US" altLang="zh-CN" dirty="0"/>
-              <a:t> menu and choose </a:t>
-            </a:r>
-            <a:r>
-              <a:rPr lang="en-US" altLang="zh-CN" b="1" dirty="0"/>
-              <a:t>Header and Footer</a:t>
-            </a:r>
-          </a:p>
-          <a:p>
-            <a:pPr eaLnBrk="1" hangingPunct="1">
-              <a:buClr>
-                <a:srgbClr val="CC0000"/>
-              </a:buClr>
-            </a:pPr>
-            <a:r>
-              <a:rPr lang="en-US" altLang="zh-CN" dirty="0"/>
-              <a:t>Then change the date and footer text</a:t>
-            </a:r>
-          </a:p>
-          <a:p>
-            <a:pPr eaLnBrk="1" hangingPunct="1">
-              <a:buClr>
-                <a:srgbClr val="CC0000"/>
-              </a:buClr>
-            </a:pPr>
-            <a:r>
-              <a:rPr lang="en-US" altLang="zh-CN" dirty="0"/>
-              <a:t>You can also enable or disable automatic slide numbering in the Header and Footer</a:t>
+              <a:t>The design diagram is as follows:</a:t>
             </a:r>
           </a:p>
         </p:txBody>
@@ -11099,10 +10569,40 @@
           </a:p>
         </p:txBody>
       </p:sp>
+      <p:pic>
+        <p:nvPicPr>
+          <p:cNvPr id="9" name="图片 8">
+            <a:extLst>
+              <a:ext uri="{FF2B5EF4-FFF2-40B4-BE49-F238E27FC236}">
+                <a16:creationId xmlns:a16="http://schemas.microsoft.com/office/drawing/2014/main" id="{41F28269-5176-43B8-A72B-259D05DB260C}"/>
+              </a:ext>
+            </a:extLst>
+          </p:cNvPr>
+          <p:cNvPicPr>
+            <a:picLocks noChangeAspect="1"/>
+          </p:cNvPicPr>
+          <p:nvPr/>
+        </p:nvPicPr>
+        <p:blipFill>
+          <a:blip r:embed="rId3"/>
+          <a:stretch>
+            <a:fillRect/>
+          </a:stretch>
+        </p:blipFill>
+        <p:spPr>
+          <a:xfrm>
+            <a:off x="403151" y="2362200"/>
+            <a:ext cx="11385697" cy="3733800"/>
+          </a:xfrm>
+          <a:prstGeom prst="rect">
+            <a:avLst/>
+          </a:prstGeom>
+        </p:spPr>
+      </p:pic>
     </p:spTree>
     <p:extLst>
       <p:ext uri="{BB962C8B-B14F-4D97-AF65-F5344CB8AC3E}">
-        <p14:creationId xmlns:p14="http://schemas.microsoft.com/office/powerpoint/2010/main" val="3294464160"/>
+        <p14:creationId xmlns:p14="http://schemas.microsoft.com/office/powerpoint/2010/main" val="631551293"/>
       </p:ext>
     </p:extLst>
   </p:cSld>
@@ -11551,7 +11051,902 @@
                 <a:latin typeface="Arial" panose="020B0604020202020204" pitchFamily="34" charset="0"/>
               </a:rPr>
               <a:pPr/>
-              <a:t>12/9/2019</a:t>
+              <a:t>12/10/2019</a:t>
+            </a:fld>
+            <a:endParaRPr lang="en-US" altLang="zh-CN" sz="1200">
+              <a:solidFill>
+                <a:srgbClr val="808080"/>
+              </a:solidFill>
+              <a:latin typeface="Arial" panose="020B0604020202020204" pitchFamily="34" charset="0"/>
+            </a:endParaRPr>
+          </a:p>
+        </p:txBody>
+      </p:sp>
+      <p:sp>
+        <p:nvSpPr>
+          <p:cNvPr id="17413" name="Rectangle 2">
+            <a:extLst>
+              <a:ext uri="{FF2B5EF4-FFF2-40B4-BE49-F238E27FC236}">
+                <a16:creationId xmlns:a16="http://schemas.microsoft.com/office/drawing/2014/main" id="{C4606B27-C718-4489-B8C4-F7D791760B0E}"/>
+              </a:ext>
+            </a:extLst>
+          </p:cNvPr>
+          <p:cNvSpPr>
+            <a:spLocks noGrp="1" noChangeArrowheads="1"/>
+          </p:cNvSpPr>
+          <p:nvPr>
+            <p:ph type="title"/>
+          </p:nvPr>
+        </p:nvSpPr>
+        <p:spPr/>
+        <p:txBody>
+          <a:bodyPr/>
+          <a:lstStyle/>
+          <a:p>
+            <a:pPr eaLnBrk="1" hangingPunct="1"/>
+            <a:r>
+              <a:rPr lang="en-US" altLang="zh-CN" b="1" dirty="0"/>
+              <a:t>GUI Design</a:t>
+            </a:r>
+            <a:endParaRPr lang="en-US" altLang="zh-CN" dirty="0"/>
+          </a:p>
+        </p:txBody>
+      </p:sp>
+      <p:sp>
+        <p:nvSpPr>
+          <p:cNvPr id="17414" name="Rectangle 3">
+            <a:extLst>
+              <a:ext uri="{FF2B5EF4-FFF2-40B4-BE49-F238E27FC236}">
+                <a16:creationId xmlns:a16="http://schemas.microsoft.com/office/drawing/2014/main" id="{4E0EFBFB-3587-4447-9B69-820EC93607D1}"/>
+              </a:ext>
+            </a:extLst>
+          </p:cNvPr>
+          <p:cNvSpPr>
+            <a:spLocks noGrp="1" noChangeArrowheads="1"/>
+          </p:cNvSpPr>
+          <p:nvPr>
+            <p:ph type="body" idx="1"/>
+          </p:nvPr>
+        </p:nvSpPr>
+        <p:spPr>
+          <a:xfrm>
+            <a:off x="812800" y="1521197"/>
+            <a:ext cx="10566400" cy="4193803"/>
+          </a:xfrm>
+        </p:spPr>
+        <p:txBody>
+          <a:bodyPr/>
+          <a:lstStyle/>
+          <a:p>
+            <a:pPr eaLnBrk="1" hangingPunct="1">
+              <a:buClr>
+                <a:srgbClr val="CC0000"/>
+              </a:buClr>
+            </a:pPr>
+            <a:r>
+              <a:rPr lang="en-US" altLang="zh-CN" dirty="0">
+                <a:hlinkClick r:id="rId3" action="ppaction://hlinkfile"/>
+              </a:rPr>
+              <a:t>Demo</a:t>
+            </a:r>
+            <a:r>
+              <a:rPr lang="en-US" altLang="zh-CN" dirty="0"/>
+              <a:t>:</a:t>
+            </a:r>
+          </a:p>
+        </p:txBody>
+      </p:sp>
+      <p:sp>
+        <p:nvSpPr>
+          <p:cNvPr id="7" name="Rectangle 3">
+            <a:extLst>
+              <a:ext uri="{FF2B5EF4-FFF2-40B4-BE49-F238E27FC236}">
+                <a16:creationId xmlns:a16="http://schemas.microsoft.com/office/drawing/2014/main" id="{1DBE7A17-3374-4B47-BB70-148CB249B15E}"/>
+              </a:ext>
+            </a:extLst>
+          </p:cNvPr>
+          <p:cNvSpPr>
+            <a:spLocks noChangeArrowheads="1"/>
+          </p:cNvSpPr>
+          <p:nvPr/>
+        </p:nvSpPr>
+        <p:spPr bwMode="auto">
+          <a:xfrm>
+            <a:off x="0" y="0"/>
+            <a:ext cx="12192000" cy="457200"/>
+          </a:xfrm>
+          <a:prstGeom prst="rect">
+            <a:avLst/>
+          </a:prstGeom>
+          <a:solidFill>
+            <a:srgbClr val="FFFFFF"/>
+          </a:solidFill>
+          <a:ln>
+            <a:noFill/>
+          </a:ln>
+          <a:effectLst/>
+          <a:extLst>
+            <a:ext uri="{91240B29-F687-4F45-9708-019B960494DF}">
+              <a14:hiddenLine xmlns:a14="http://schemas.microsoft.com/office/drawing/2010/main" w="9525">
+                <a:solidFill>
+                  <a:schemeClr val="tx1"/>
+                </a:solidFill>
+                <a:miter lim="800000"/>
+                <a:headEnd/>
+                <a:tailEnd/>
+              </a14:hiddenLine>
+            </a:ext>
+            <a:ext uri="{AF507438-7753-43E0-B8FC-AC1667EBCBE1}">
+              <a14:hiddenEffects xmlns:a14="http://schemas.microsoft.com/office/drawing/2010/main">
+                <a:effectLst>
+                  <a:outerShdw dist="35921" dir="2700000" algn="ctr" rotWithShape="0">
+                    <a:schemeClr val="bg2"/>
+                  </a:outerShdw>
+                </a:effectLst>
+              </a14:hiddenEffects>
+            </a:ext>
+          </a:extLst>
+        </p:spPr>
+        <p:txBody>
+          <a:bodyPr vert="horz" wrap="none" lIns="91440" tIns="45720" rIns="91440" bIns="45720" numCol="1" anchor="ctr" anchorCtr="0" compatLnSpc="1">
+            <a:prstTxWarp prst="textNoShape">
+              <a:avLst/>
+            </a:prstTxWarp>
+            <a:spAutoFit/>
+          </a:bodyPr>
+          <a:lstStyle/>
+          <a:p>
+            <a:pPr marL="0" marR="0" lvl="0" indent="0" algn="l" defTabSz="914400" rtl="0" eaLnBrk="0" fontAlgn="base" latinLnBrk="0" hangingPunct="0">
+              <a:lnSpc>
+                <a:spcPct val="100000"/>
+              </a:lnSpc>
+              <a:spcBef>
+                <a:spcPct val="0"/>
+              </a:spcBef>
+              <a:spcAft>
+                <a:spcPct val="0"/>
+              </a:spcAft>
+              <a:buClrTx/>
+              <a:buSzTx/>
+              <a:buFontTx/>
+              <a:buNone/>
+              <a:tabLst/>
+            </a:pPr>
+            <a:r>
+              <a:rPr kumimoji="0" lang="zh-CN" altLang="zh-CN" sz="700" b="0" i="0" u="none" strike="noStrike" cap="none" normalizeH="0" baseline="0">
+                <a:ln>
+                  <a:noFill/>
+                </a:ln>
+                <a:solidFill>
+                  <a:srgbClr val="000000"/>
+                </a:solidFill>
+                <a:effectLst/>
+                <a:latin typeface="宋体" panose="02010600030101010101" pitchFamily="2" charset="-122"/>
+                <a:ea typeface="宋体" panose="02010600030101010101" pitchFamily="2" charset="-122"/>
+              </a:rPr>
+              <a:t>PyQt5</a:t>
+            </a:r>
+            <a:endParaRPr kumimoji="0" lang="zh-CN" altLang="zh-CN" sz="1800" b="0" i="0" u="none" strike="noStrike" cap="none" normalizeH="0" baseline="0">
+              <a:ln>
+                <a:noFill/>
+              </a:ln>
+              <a:solidFill>
+                <a:schemeClr val="tx1"/>
+              </a:solidFill>
+              <a:effectLst/>
+              <a:latin typeface="Arial" panose="020B0604020202020204" pitchFamily="34" charset="0"/>
+            </a:endParaRPr>
+          </a:p>
+        </p:txBody>
+      </p:sp>
+      <p:pic>
+        <p:nvPicPr>
+          <p:cNvPr id="2" name="图片 1">
+            <a:extLst>
+              <a:ext uri="{FF2B5EF4-FFF2-40B4-BE49-F238E27FC236}">
+                <a16:creationId xmlns:a16="http://schemas.microsoft.com/office/drawing/2014/main" id="{8E2B9737-366E-4CB3-A0F9-C8CE700D85DC}"/>
+              </a:ext>
+            </a:extLst>
+          </p:cNvPr>
+          <p:cNvPicPr>
+            <a:picLocks noChangeAspect="1"/>
+          </p:cNvPicPr>
+          <p:nvPr/>
+        </p:nvPicPr>
+        <p:blipFill>
+          <a:blip r:embed="rId4"/>
+          <a:stretch>
+            <a:fillRect/>
+          </a:stretch>
+        </p:blipFill>
+        <p:spPr>
+          <a:xfrm>
+            <a:off x="1143000" y="2002787"/>
+            <a:ext cx="4834158" cy="3886200"/>
+          </a:xfrm>
+          <a:prstGeom prst="rect">
+            <a:avLst/>
+          </a:prstGeom>
+        </p:spPr>
+      </p:pic>
+      <p:pic>
+        <p:nvPicPr>
+          <p:cNvPr id="3" name="图片 2">
+            <a:extLst>
+              <a:ext uri="{FF2B5EF4-FFF2-40B4-BE49-F238E27FC236}">
+                <a16:creationId xmlns:a16="http://schemas.microsoft.com/office/drawing/2014/main" id="{B8A516A4-307F-45EE-AE4D-1C3A427549A9}"/>
+              </a:ext>
+            </a:extLst>
+          </p:cNvPr>
+          <p:cNvPicPr>
+            <a:picLocks noChangeAspect="1"/>
+          </p:cNvPicPr>
+          <p:nvPr/>
+        </p:nvPicPr>
+        <p:blipFill>
+          <a:blip r:embed="rId5"/>
+          <a:stretch>
+            <a:fillRect/>
+          </a:stretch>
+        </p:blipFill>
+        <p:spPr>
+          <a:xfrm>
+            <a:off x="1145315" y="2133600"/>
+            <a:ext cx="4851785" cy="3901126"/>
+          </a:xfrm>
+          <a:prstGeom prst="rect">
+            <a:avLst/>
+          </a:prstGeom>
+        </p:spPr>
+      </p:pic>
+      <p:pic>
+        <p:nvPicPr>
+          <p:cNvPr id="8" name="图片 7">
+            <a:extLst>
+              <a:ext uri="{FF2B5EF4-FFF2-40B4-BE49-F238E27FC236}">
+                <a16:creationId xmlns:a16="http://schemas.microsoft.com/office/drawing/2014/main" id="{D8509C57-C974-4CC3-B782-680CBE289821}"/>
+              </a:ext>
+            </a:extLst>
+          </p:cNvPr>
+          <p:cNvPicPr>
+            <a:picLocks noChangeAspect="1"/>
+          </p:cNvPicPr>
+          <p:nvPr/>
+        </p:nvPicPr>
+        <p:blipFill>
+          <a:blip r:embed="rId6"/>
+          <a:stretch>
+            <a:fillRect/>
+          </a:stretch>
+        </p:blipFill>
+        <p:spPr>
+          <a:xfrm>
+            <a:off x="1161528" y="2033628"/>
+            <a:ext cx="4835572" cy="3922713"/>
+          </a:xfrm>
+          <a:prstGeom prst="rect">
+            <a:avLst/>
+          </a:prstGeom>
+        </p:spPr>
+      </p:pic>
+    </p:spTree>
+    <p:extLst>
+      <p:ext uri="{BB962C8B-B14F-4D97-AF65-F5344CB8AC3E}">
+        <p14:creationId xmlns:p14="http://schemas.microsoft.com/office/powerpoint/2010/main" val="3207012186"/>
+      </p:ext>
+    </p:extLst>
+  </p:cSld>
+  <p:clrMapOvr>
+    <a:masterClrMapping/>
+  </p:clrMapOvr>
+  <p:timing>
+    <p:tnLst>
+      <p:par>
+        <p:cTn id="1" dur="indefinite" restart="never" nodeType="tmRoot">
+          <p:childTnLst>
+            <p:seq concurrent="1" nextAc="seek">
+              <p:cTn id="2" dur="indefinite" nodeType="mainSeq">
+                <p:childTnLst>
+                  <p:par>
+                    <p:cTn id="3" fill="hold">
+                      <p:stCondLst>
+                        <p:cond delay="indefinite"/>
+                      </p:stCondLst>
+                      <p:childTnLst>
+                        <p:par>
+                          <p:cTn id="4" fill="hold">
+                            <p:stCondLst>
+                              <p:cond delay="0"/>
+                            </p:stCondLst>
+                            <p:childTnLst>
+                              <p:par>
+                                <p:cTn id="5" presetID="1" presetClass="entr" presetSubtype="0" fill="hold" nodeType="clickEffect">
+                                  <p:stCondLst>
+                                    <p:cond delay="0"/>
+                                  </p:stCondLst>
+                                  <p:childTnLst>
+                                    <p:set>
+                                      <p:cBhvr>
+                                        <p:cTn id="6" dur="1" fill="hold">
+                                          <p:stCondLst>
+                                            <p:cond delay="0"/>
+                                          </p:stCondLst>
+                                        </p:cTn>
+                                        <p:tgtEl>
+                                          <p:spTgt spid="2"/>
+                                        </p:tgtEl>
+                                        <p:attrNameLst>
+                                          <p:attrName>style.visibility</p:attrName>
+                                        </p:attrNameLst>
+                                      </p:cBhvr>
+                                      <p:to>
+                                        <p:strVal val="visible"/>
+                                      </p:to>
+                                    </p:set>
+                                  </p:childTnLst>
+                                </p:cTn>
+                              </p:par>
+                            </p:childTnLst>
+                          </p:cTn>
+                        </p:par>
+                      </p:childTnLst>
+                    </p:cTn>
+                  </p:par>
+                  <p:par>
+                    <p:cTn id="7" fill="hold">
+                      <p:stCondLst>
+                        <p:cond delay="indefinite"/>
+                      </p:stCondLst>
+                      <p:childTnLst>
+                        <p:par>
+                          <p:cTn id="8" fill="hold">
+                            <p:stCondLst>
+                              <p:cond delay="0"/>
+                            </p:stCondLst>
+                            <p:childTnLst>
+                              <p:par>
+                                <p:cTn id="9" presetID="1" presetClass="entr" presetSubtype="0" fill="hold" nodeType="clickEffect">
+                                  <p:stCondLst>
+                                    <p:cond delay="0"/>
+                                  </p:stCondLst>
+                                  <p:childTnLst>
+                                    <p:set>
+                                      <p:cBhvr>
+                                        <p:cTn id="10" dur="1" fill="hold">
+                                          <p:stCondLst>
+                                            <p:cond delay="0"/>
+                                          </p:stCondLst>
+                                        </p:cTn>
+                                        <p:tgtEl>
+                                          <p:spTgt spid="3"/>
+                                        </p:tgtEl>
+                                        <p:attrNameLst>
+                                          <p:attrName>style.visibility</p:attrName>
+                                        </p:attrNameLst>
+                                      </p:cBhvr>
+                                      <p:to>
+                                        <p:strVal val="visible"/>
+                                      </p:to>
+                                    </p:set>
+                                  </p:childTnLst>
+                                </p:cTn>
+                              </p:par>
+                            </p:childTnLst>
+                          </p:cTn>
+                        </p:par>
+                      </p:childTnLst>
+                    </p:cTn>
+                  </p:par>
+                  <p:par>
+                    <p:cTn id="11" fill="hold">
+                      <p:stCondLst>
+                        <p:cond delay="indefinite"/>
+                      </p:stCondLst>
+                      <p:childTnLst>
+                        <p:par>
+                          <p:cTn id="12" fill="hold">
+                            <p:stCondLst>
+                              <p:cond delay="0"/>
+                            </p:stCondLst>
+                            <p:childTnLst>
+                              <p:par>
+                                <p:cTn id="13" presetID="1" presetClass="entr" presetSubtype="0" fill="hold" nodeType="clickEffect">
+                                  <p:stCondLst>
+                                    <p:cond delay="0"/>
+                                  </p:stCondLst>
+                                  <p:childTnLst>
+                                    <p:set>
+                                      <p:cBhvr>
+                                        <p:cTn id="14" dur="1" fill="hold">
+                                          <p:stCondLst>
+                                            <p:cond delay="0"/>
+                                          </p:stCondLst>
+                                        </p:cTn>
+                                        <p:tgtEl>
+                                          <p:spTgt spid="8"/>
+                                        </p:tgtEl>
+                                        <p:attrNameLst>
+                                          <p:attrName>style.visibility</p:attrName>
+                                        </p:attrNameLst>
+                                      </p:cBhvr>
+                                      <p:to>
+                                        <p:strVal val="visible"/>
+                                      </p:to>
+                                    </p:set>
+                                  </p:childTnLst>
+                                </p:cTn>
+                              </p:par>
+                            </p:childTnLst>
+                          </p:cTn>
+                        </p:par>
+                      </p:childTnLst>
+                    </p:cTn>
+                  </p:par>
+                </p:childTnLst>
+              </p:cTn>
+              <p:prevCondLst>
+                <p:cond evt="onPrev" delay="0">
+                  <p:tgtEl>
+                    <p:sldTgt/>
+                  </p:tgtEl>
+                </p:cond>
+              </p:prevCondLst>
+              <p:nextCondLst>
+                <p:cond evt="onNext" delay="0">
+                  <p:tgtEl>
+                    <p:sldTgt/>
+                  </p:tgtEl>
+                </p:cond>
+              </p:nextCondLst>
+            </p:seq>
+          </p:childTnLst>
+        </p:cTn>
+      </p:par>
+    </p:tnLst>
+  </p:timing>
+</p:sld>
+</file>
+
+<file path=ppt/slides/slide8.xml><?xml version="1.0" encoding="utf-8"?>
+<p:sld xmlns:a="http://schemas.openxmlformats.org/drawingml/2006/main" xmlns:r="http://schemas.openxmlformats.org/officeDocument/2006/relationships" xmlns:p="http://schemas.openxmlformats.org/presentationml/2006/main">
+  <p:cSld>
+    <p:spTree>
+      <p:nvGrpSpPr>
+        <p:cNvPr id="1" name=""/>
+        <p:cNvGrpSpPr/>
+        <p:nvPr/>
+      </p:nvGrpSpPr>
+      <p:grpSpPr>
+        <a:xfrm>
+          <a:off x="0" y="0"/>
+          <a:ext cx="0" cy="0"/>
+          <a:chOff x="0" y="0"/>
+          <a:chExt cx="0" cy="0"/>
+        </a:xfrm>
+      </p:grpSpPr>
+      <p:sp>
+        <p:nvSpPr>
+          <p:cNvPr id="4" name="Footer Placeholder 3">
+            <a:extLst>
+              <a:ext uri="{FF2B5EF4-FFF2-40B4-BE49-F238E27FC236}">
+                <a16:creationId xmlns:a16="http://schemas.microsoft.com/office/drawing/2014/main" id="{879D3FA8-072F-48CC-AE97-AEACDE96EA5F}"/>
+              </a:ext>
+            </a:extLst>
+          </p:cNvPr>
+          <p:cNvSpPr>
+            <a:spLocks noGrp="1"/>
+          </p:cNvSpPr>
+          <p:nvPr>
+            <p:ph type="ftr" sz="quarter" idx="10"/>
+          </p:nvPr>
+        </p:nvSpPr>
+        <p:spPr>
+          <a:xfrm>
+            <a:off x="16214" y="0"/>
+            <a:ext cx="6807200" cy="304800"/>
+          </a:xfrm>
+        </p:spPr>
+        <p:txBody>
+          <a:bodyPr/>
+          <a:lstStyle>
+            <a:lvl1pPr>
+              <a:defRPr sz="2400">
+                <a:solidFill>
+                  <a:schemeClr val="tx1"/>
+                </a:solidFill>
+                <a:latin typeface="Times" panose="02020603050405020304" pitchFamily="18" charset="0"/>
+                <a:ea typeface="Osaka" charset="-128"/>
+              </a:defRPr>
+            </a:lvl1pPr>
+            <a:lvl2pPr marL="37931725" indent="-37474525">
+              <a:defRPr sz="2400">
+                <a:solidFill>
+                  <a:schemeClr val="tx1"/>
+                </a:solidFill>
+                <a:latin typeface="Times" panose="02020603050405020304" pitchFamily="18" charset="0"/>
+                <a:ea typeface="Osaka" charset="-128"/>
+              </a:defRPr>
+            </a:lvl2pPr>
+            <a:lvl3pPr>
+              <a:defRPr sz="2400">
+                <a:solidFill>
+                  <a:schemeClr val="tx1"/>
+                </a:solidFill>
+                <a:latin typeface="Times" panose="02020603050405020304" pitchFamily="18" charset="0"/>
+                <a:ea typeface="Osaka" charset="-128"/>
+              </a:defRPr>
+            </a:lvl3pPr>
+            <a:lvl4pPr>
+              <a:defRPr sz="2400">
+                <a:solidFill>
+                  <a:schemeClr val="tx1"/>
+                </a:solidFill>
+                <a:latin typeface="Times" panose="02020603050405020304" pitchFamily="18" charset="0"/>
+                <a:ea typeface="Osaka" charset="-128"/>
+              </a:defRPr>
+            </a:lvl4pPr>
+            <a:lvl5pPr>
+              <a:defRPr sz="2400">
+                <a:solidFill>
+                  <a:schemeClr val="tx1"/>
+                </a:solidFill>
+                <a:latin typeface="Times" panose="02020603050405020304" pitchFamily="18" charset="0"/>
+                <a:ea typeface="Osaka" charset="-128"/>
+              </a:defRPr>
+            </a:lvl5pPr>
+            <a:lvl6pPr marL="457200" eaLnBrk="0" fontAlgn="base" hangingPunct="0">
+              <a:spcBef>
+                <a:spcPct val="0"/>
+              </a:spcBef>
+              <a:spcAft>
+                <a:spcPct val="0"/>
+              </a:spcAft>
+              <a:defRPr sz="2400">
+                <a:solidFill>
+                  <a:schemeClr val="tx1"/>
+                </a:solidFill>
+                <a:latin typeface="Times" panose="02020603050405020304" pitchFamily="18" charset="0"/>
+                <a:ea typeface="Osaka" charset="-128"/>
+              </a:defRPr>
+            </a:lvl6pPr>
+            <a:lvl7pPr marL="914400" eaLnBrk="0" fontAlgn="base" hangingPunct="0">
+              <a:spcBef>
+                <a:spcPct val="0"/>
+              </a:spcBef>
+              <a:spcAft>
+                <a:spcPct val="0"/>
+              </a:spcAft>
+              <a:defRPr sz="2400">
+                <a:solidFill>
+                  <a:schemeClr val="tx1"/>
+                </a:solidFill>
+                <a:latin typeface="Times" panose="02020603050405020304" pitchFamily="18" charset="0"/>
+                <a:ea typeface="Osaka" charset="-128"/>
+              </a:defRPr>
+            </a:lvl7pPr>
+            <a:lvl8pPr marL="1371600" eaLnBrk="0" fontAlgn="base" hangingPunct="0">
+              <a:spcBef>
+                <a:spcPct val="0"/>
+              </a:spcBef>
+              <a:spcAft>
+                <a:spcPct val="0"/>
+              </a:spcAft>
+              <a:defRPr sz="2400">
+                <a:solidFill>
+                  <a:schemeClr val="tx1"/>
+                </a:solidFill>
+                <a:latin typeface="Times" panose="02020603050405020304" pitchFamily="18" charset="0"/>
+                <a:ea typeface="Osaka" charset="-128"/>
+              </a:defRPr>
+            </a:lvl8pPr>
+            <a:lvl9pPr marL="1828800" eaLnBrk="0" fontAlgn="base" hangingPunct="0">
+              <a:spcBef>
+                <a:spcPct val="0"/>
+              </a:spcBef>
+              <a:spcAft>
+                <a:spcPct val="0"/>
+              </a:spcAft>
+              <a:defRPr sz="2400">
+                <a:solidFill>
+                  <a:schemeClr val="tx1"/>
+                </a:solidFill>
+                <a:latin typeface="Times" panose="02020603050405020304" pitchFamily="18" charset="0"/>
+                <a:ea typeface="Osaka" charset="-128"/>
+              </a:defRPr>
+            </a:lvl9pPr>
+          </a:lstStyle>
+          <a:p>
+            <a:endParaRPr lang="en-US" altLang="zh-CN" sz="1200" dirty="0">
+              <a:solidFill>
+                <a:schemeClr val="bg1"/>
+              </a:solidFill>
+              <a:latin typeface="Arial" panose="020B0604020202020204" pitchFamily="34" charset="0"/>
+            </a:endParaRPr>
+          </a:p>
+        </p:txBody>
+      </p:sp>
+      <p:sp>
+        <p:nvSpPr>
+          <p:cNvPr id="5" name="Slide Number Placeholder 4">
+            <a:extLst>
+              <a:ext uri="{FF2B5EF4-FFF2-40B4-BE49-F238E27FC236}">
+                <a16:creationId xmlns:a16="http://schemas.microsoft.com/office/drawing/2014/main" id="{1851765C-BB61-4AD4-B455-5D2D7D28F19A}"/>
+              </a:ext>
+            </a:extLst>
+          </p:cNvPr>
+          <p:cNvSpPr>
+            <a:spLocks noGrp="1"/>
+          </p:cNvSpPr>
+          <p:nvPr>
+            <p:ph type="sldNum" sz="quarter" idx="11"/>
+          </p:nvPr>
+        </p:nvSpPr>
+        <p:spPr/>
+        <p:txBody>
+          <a:bodyPr/>
+          <a:lstStyle>
+            <a:lvl1pPr>
+              <a:defRPr sz="2400">
+                <a:solidFill>
+                  <a:schemeClr val="tx1"/>
+                </a:solidFill>
+                <a:latin typeface="Times" panose="02020603050405020304" pitchFamily="18" charset="0"/>
+                <a:ea typeface="Osaka" charset="-128"/>
+              </a:defRPr>
+            </a:lvl1pPr>
+            <a:lvl2pPr marL="37931725" indent="-37474525">
+              <a:defRPr sz="2400">
+                <a:solidFill>
+                  <a:schemeClr val="tx1"/>
+                </a:solidFill>
+                <a:latin typeface="Times" panose="02020603050405020304" pitchFamily="18" charset="0"/>
+                <a:ea typeface="Osaka" charset="-128"/>
+              </a:defRPr>
+            </a:lvl2pPr>
+            <a:lvl3pPr>
+              <a:defRPr sz="2400">
+                <a:solidFill>
+                  <a:schemeClr val="tx1"/>
+                </a:solidFill>
+                <a:latin typeface="Times" panose="02020603050405020304" pitchFamily="18" charset="0"/>
+                <a:ea typeface="Osaka" charset="-128"/>
+              </a:defRPr>
+            </a:lvl3pPr>
+            <a:lvl4pPr>
+              <a:defRPr sz="2400">
+                <a:solidFill>
+                  <a:schemeClr val="tx1"/>
+                </a:solidFill>
+                <a:latin typeface="Times" panose="02020603050405020304" pitchFamily="18" charset="0"/>
+                <a:ea typeface="Osaka" charset="-128"/>
+              </a:defRPr>
+            </a:lvl4pPr>
+            <a:lvl5pPr>
+              <a:defRPr sz="2400">
+                <a:solidFill>
+                  <a:schemeClr val="tx1"/>
+                </a:solidFill>
+                <a:latin typeface="Times" panose="02020603050405020304" pitchFamily="18" charset="0"/>
+                <a:ea typeface="Osaka" charset="-128"/>
+              </a:defRPr>
+            </a:lvl5pPr>
+            <a:lvl6pPr marL="457200" eaLnBrk="0" fontAlgn="base" hangingPunct="0">
+              <a:spcBef>
+                <a:spcPct val="0"/>
+              </a:spcBef>
+              <a:spcAft>
+                <a:spcPct val="0"/>
+              </a:spcAft>
+              <a:defRPr sz="2400">
+                <a:solidFill>
+                  <a:schemeClr val="tx1"/>
+                </a:solidFill>
+                <a:latin typeface="Times" panose="02020603050405020304" pitchFamily="18" charset="0"/>
+                <a:ea typeface="Osaka" charset="-128"/>
+              </a:defRPr>
+            </a:lvl6pPr>
+            <a:lvl7pPr marL="914400" eaLnBrk="0" fontAlgn="base" hangingPunct="0">
+              <a:spcBef>
+                <a:spcPct val="0"/>
+              </a:spcBef>
+              <a:spcAft>
+                <a:spcPct val="0"/>
+              </a:spcAft>
+              <a:defRPr sz="2400">
+                <a:solidFill>
+                  <a:schemeClr val="tx1"/>
+                </a:solidFill>
+                <a:latin typeface="Times" panose="02020603050405020304" pitchFamily="18" charset="0"/>
+                <a:ea typeface="Osaka" charset="-128"/>
+              </a:defRPr>
+            </a:lvl7pPr>
+            <a:lvl8pPr marL="1371600" eaLnBrk="0" fontAlgn="base" hangingPunct="0">
+              <a:spcBef>
+                <a:spcPct val="0"/>
+              </a:spcBef>
+              <a:spcAft>
+                <a:spcPct val="0"/>
+              </a:spcAft>
+              <a:defRPr sz="2400">
+                <a:solidFill>
+                  <a:schemeClr val="tx1"/>
+                </a:solidFill>
+                <a:latin typeface="Times" panose="02020603050405020304" pitchFamily="18" charset="0"/>
+                <a:ea typeface="Osaka" charset="-128"/>
+              </a:defRPr>
+            </a:lvl8pPr>
+            <a:lvl9pPr marL="1828800" eaLnBrk="0" fontAlgn="base" hangingPunct="0">
+              <a:spcBef>
+                <a:spcPct val="0"/>
+              </a:spcBef>
+              <a:spcAft>
+                <a:spcPct val="0"/>
+              </a:spcAft>
+              <a:defRPr sz="2400">
+                <a:solidFill>
+                  <a:schemeClr val="tx1"/>
+                </a:solidFill>
+                <a:latin typeface="Times" panose="02020603050405020304" pitchFamily="18" charset="0"/>
+                <a:ea typeface="Osaka" charset="-128"/>
+              </a:defRPr>
+            </a:lvl9pPr>
+          </a:lstStyle>
+          <a:p>
+            <a:fld id="{87636CCA-F21B-4E3C-9D62-F3C67539006C}" type="slidenum">
+              <a:rPr lang="en-US" altLang="zh-CN" sz="4400">
+                <a:solidFill>
+                  <a:srgbClr val="D9D9D9"/>
+                </a:solidFill>
+                <a:latin typeface="Arial" panose="020B0604020202020204" pitchFamily="34" charset="0"/>
+              </a:rPr>
+              <a:pPr/>
+              <a:t>8</a:t>
+            </a:fld>
+            <a:endParaRPr lang="en-US" altLang="zh-CN" sz="4400" dirty="0">
+              <a:solidFill>
+                <a:srgbClr val="D9D9D9"/>
+              </a:solidFill>
+              <a:latin typeface="Arial" panose="020B0604020202020204" pitchFamily="34" charset="0"/>
+            </a:endParaRPr>
+          </a:p>
+        </p:txBody>
+      </p:sp>
+      <p:sp>
+        <p:nvSpPr>
+          <p:cNvPr id="6" name="Date Placeholder 5">
+            <a:extLst>
+              <a:ext uri="{FF2B5EF4-FFF2-40B4-BE49-F238E27FC236}">
+                <a16:creationId xmlns:a16="http://schemas.microsoft.com/office/drawing/2014/main" id="{BE85214C-77B1-4741-9D95-5CCABB2CF8A9}"/>
+              </a:ext>
+            </a:extLst>
+          </p:cNvPr>
+          <p:cNvSpPr>
+            <a:spLocks noGrp="1"/>
+          </p:cNvSpPr>
+          <p:nvPr>
+            <p:ph type="dt" sz="quarter" idx="12"/>
+          </p:nvPr>
+        </p:nvSpPr>
+        <p:spPr/>
+        <p:txBody>
+          <a:bodyPr/>
+          <a:lstStyle>
+            <a:lvl1pPr>
+              <a:defRPr sz="2400">
+                <a:solidFill>
+                  <a:schemeClr val="tx1"/>
+                </a:solidFill>
+                <a:latin typeface="Times" panose="02020603050405020304" pitchFamily="18" charset="0"/>
+                <a:ea typeface="Osaka" charset="-128"/>
+              </a:defRPr>
+            </a:lvl1pPr>
+            <a:lvl2pPr marL="37931725" indent="-37474525">
+              <a:defRPr sz="2400">
+                <a:solidFill>
+                  <a:schemeClr val="tx1"/>
+                </a:solidFill>
+                <a:latin typeface="Times" panose="02020603050405020304" pitchFamily="18" charset="0"/>
+                <a:ea typeface="Osaka" charset="-128"/>
+              </a:defRPr>
+            </a:lvl2pPr>
+            <a:lvl3pPr>
+              <a:defRPr sz="2400">
+                <a:solidFill>
+                  <a:schemeClr val="tx1"/>
+                </a:solidFill>
+                <a:latin typeface="Times" panose="02020603050405020304" pitchFamily="18" charset="0"/>
+                <a:ea typeface="Osaka" charset="-128"/>
+              </a:defRPr>
+            </a:lvl3pPr>
+            <a:lvl4pPr>
+              <a:defRPr sz="2400">
+                <a:solidFill>
+                  <a:schemeClr val="tx1"/>
+                </a:solidFill>
+                <a:latin typeface="Times" panose="02020603050405020304" pitchFamily="18" charset="0"/>
+                <a:ea typeface="Osaka" charset="-128"/>
+              </a:defRPr>
+            </a:lvl4pPr>
+            <a:lvl5pPr>
+              <a:defRPr sz="2400">
+                <a:solidFill>
+                  <a:schemeClr val="tx1"/>
+                </a:solidFill>
+                <a:latin typeface="Times" panose="02020603050405020304" pitchFamily="18" charset="0"/>
+                <a:ea typeface="Osaka" charset="-128"/>
+              </a:defRPr>
+            </a:lvl5pPr>
+            <a:lvl6pPr marL="457200" eaLnBrk="0" fontAlgn="base" hangingPunct="0">
+              <a:spcBef>
+                <a:spcPct val="0"/>
+              </a:spcBef>
+              <a:spcAft>
+                <a:spcPct val="0"/>
+              </a:spcAft>
+              <a:defRPr sz="2400">
+                <a:solidFill>
+                  <a:schemeClr val="tx1"/>
+                </a:solidFill>
+                <a:latin typeface="Times" panose="02020603050405020304" pitchFamily="18" charset="0"/>
+                <a:ea typeface="Osaka" charset="-128"/>
+              </a:defRPr>
+            </a:lvl6pPr>
+            <a:lvl7pPr marL="914400" eaLnBrk="0" fontAlgn="base" hangingPunct="0">
+              <a:spcBef>
+                <a:spcPct val="0"/>
+              </a:spcBef>
+              <a:spcAft>
+                <a:spcPct val="0"/>
+              </a:spcAft>
+              <a:defRPr sz="2400">
+                <a:solidFill>
+                  <a:schemeClr val="tx1"/>
+                </a:solidFill>
+                <a:latin typeface="Times" panose="02020603050405020304" pitchFamily="18" charset="0"/>
+                <a:ea typeface="Osaka" charset="-128"/>
+              </a:defRPr>
+            </a:lvl7pPr>
+            <a:lvl8pPr marL="1371600" eaLnBrk="0" fontAlgn="base" hangingPunct="0">
+              <a:spcBef>
+                <a:spcPct val="0"/>
+              </a:spcBef>
+              <a:spcAft>
+                <a:spcPct val="0"/>
+              </a:spcAft>
+              <a:defRPr sz="2400">
+                <a:solidFill>
+                  <a:schemeClr val="tx1"/>
+                </a:solidFill>
+                <a:latin typeface="Times" panose="02020603050405020304" pitchFamily="18" charset="0"/>
+                <a:ea typeface="Osaka" charset="-128"/>
+              </a:defRPr>
+            </a:lvl8pPr>
+            <a:lvl9pPr marL="1828800" eaLnBrk="0" fontAlgn="base" hangingPunct="0">
+              <a:spcBef>
+                <a:spcPct val="0"/>
+              </a:spcBef>
+              <a:spcAft>
+                <a:spcPct val="0"/>
+              </a:spcAft>
+              <a:defRPr sz="2400">
+                <a:solidFill>
+                  <a:schemeClr val="tx1"/>
+                </a:solidFill>
+                <a:latin typeface="Times" panose="02020603050405020304" pitchFamily="18" charset="0"/>
+                <a:ea typeface="Osaka" charset="-128"/>
+              </a:defRPr>
+            </a:lvl9pPr>
+          </a:lstStyle>
+          <a:p>
+            <a:fld id="{763873CB-7048-42F6-820B-753148C33FC0}" type="datetime1">
+              <a:rPr lang="en-US" altLang="zh-CN" sz="1200">
+                <a:solidFill>
+                  <a:srgbClr val="808080"/>
+                </a:solidFill>
+                <a:latin typeface="Arial" panose="020B0604020202020204" pitchFamily="34" charset="0"/>
+              </a:rPr>
+              <a:pPr/>
+              <a:t>12/10/2019</a:t>
             </a:fld>
             <a:endParaRPr lang="en-US" altLang="zh-CN" sz="1200">
               <a:solidFill>

--- a/EC504_pre.pptx
+++ b/EC504_pre.pptx
@@ -7097,6 +7097,13 @@
   <p:clrMapOvr>
     <a:masterClrMapping/>
   </p:clrMapOvr>
+  <p:timing>
+    <p:tnLst>
+      <p:par>
+        <p:cTn id="1" dur="indefinite" restart="never" nodeType="tmRoot"/>
+      </p:par>
+    </p:tnLst>
+  </p:timing>
 </p:sld>
 </file>
 
@@ -7630,24 +7637,126 @@
             </a:pPr>
             <a:endParaRPr lang="en-US" altLang="zh-CN" dirty="0"/>
           </a:p>
-          <a:p>
-            <a:pPr eaLnBrk="1" hangingPunct="1">
-              <a:buClr>
-                <a:srgbClr val="CC0000"/>
-              </a:buClr>
-            </a:pPr>
-            <a:r>
-              <a:rPr lang="en-US" altLang="zh-CN" dirty="0"/>
-              <a:t>Here, put a picture of our GUI</a:t>
-            </a:r>
-          </a:p>
         </p:txBody>
       </p:sp>
+      <p:pic>
+        <p:nvPicPr>
+          <p:cNvPr id="7" name="图片 7">
+            <a:extLst>
+              <a:ext uri="{FF2B5EF4-FFF2-40B4-BE49-F238E27FC236}">
+                <a16:creationId xmlns:a16="http://schemas.microsoft.com/office/drawing/2014/main" id="{D8509C57-C974-4CC3-B782-680CBE289821}"/>
+              </a:ext>
+            </a:extLst>
+          </p:cNvPr>
+          <p:cNvPicPr>
+            <a:picLocks noChangeAspect="1"/>
+          </p:cNvPicPr>
+          <p:nvPr/>
+        </p:nvPicPr>
+        <p:blipFill>
+          <a:blip r:embed="rId3"/>
+          <a:stretch>
+            <a:fillRect/>
+          </a:stretch>
+        </p:blipFill>
+        <p:spPr>
+          <a:xfrm>
+            <a:off x="1981200" y="396010"/>
+            <a:ext cx="7654972" cy="6209867"/>
+          </a:xfrm>
+          <a:prstGeom prst="rect">
+            <a:avLst/>
+          </a:prstGeom>
+        </p:spPr>
+      </p:pic>
     </p:spTree>
   </p:cSld>
   <p:clrMapOvr>
     <a:masterClrMapping/>
   </p:clrMapOvr>
+  <p:timing>
+    <p:tnLst>
+      <p:par>
+        <p:cTn id="1" dur="indefinite" restart="never" nodeType="tmRoot">
+          <p:childTnLst>
+            <p:seq concurrent="1" nextAc="seek">
+              <p:cTn id="2" dur="indefinite" nodeType="mainSeq">
+                <p:childTnLst>
+                  <p:par>
+                    <p:cTn id="3" fill="hold">
+                      <p:stCondLst>
+                        <p:cond delay="indefinite"/>
+                      </p:stCondLst>
+                      <p:childTnLst>
+                        <p:par>
+                          <p:cTn id="4" fill="hold">
+                            <p:stCondLst>
+                              <p:cond delay="0"/>
+                            </p:stCondLst>
+                            <p:childTnLst>
+                              <p:par>
+                                <p:cTn id="5" presetID="10" presetClass="entr" presetSubtype="0" fill="hold" nodeType="clickEffect">
+                                  <p:stCondLst>
+                                    <p:cond delay="0"/>
+                                  </p:stCondLst>
+                                  <p:childTnLst>
+                                    <p:set>
+                                      <p:cBhvr>
+                                        <p:cTn id="6" dur="1" fill="hold">
+                                          <p:stCondLst>
+                                            <p:cond delay="0"/>
+                                          </p:stCondLst>
+                                        </p:cTn>
+                                        <p:tgtEl>
+                                          <p:spTgt spid="7"/>
+                                        </p:tgtEl>
+                                        <p:attrNameLst>
+                                          <p:attrName>style.visibility</p:attrName>
+                                        </p:attrNameLst>
+                                      </p:cBhvr>
+                                      <p:to>
+                                        <p:strVal val="visible"/>
+                                      </p:to>
+                                    </p:set>
+                                    <p:animEffect transition="in" filter="fade">
+                                      <p:cBhvr>
+                                        <p:cTn id="7" dur="500"/>
+                                        <p:tgtEl>
+                                          <p:spTgt spid="7"/>
+                                        </p:tgtEl>
+                                      </p:cBhvr>
+                                    </p:animEffect>
+                                  </p:childTnLst>
+                                </p:cTn>
+                              </p:par>
+                            </p:childTnLst>
+                          </p:cTn>
+                        </p:par>
+                      </p:childTnLst>
+                    </p:cTn>
+                  </p:par>
+                </p:childTnLst>
+              </p:cTn>
+              <p:prevCondLst>
+                <p:cond evt="onPrev" delay="0">
+                  <p:tgtEl>
+                    <p:sldTgt/>
+                  </p:tgtEl>
+                </p:cond>
+              </p:prevCondLst>
+              <p:nextCondLst>
+                <p:cond evt="onNext" delay="0">
+                  <p:tgtEl>
+                    <p:sldTgt/>
+                  </p:tgtEl>
+                </p:cond>
+              </p:nextCondLst>
+            </p:seq>
+          </p:childTnLst>
+        </p:cTn>
+      </p:par>
+    </p:tnLst>
+  </p:timing>
 </p:sld>
 </file>
 
@@ -8861,6 +8970,13 @@
   <p:clrMapOvr>
     <a:masterClrMapping/>
   </p:clrMapOvr>
+  <p:timing>
+    <p:tnLst>
+      <p:par>
+        <p:cTn id="1" dur="indefinite" restart="never" nodeType="tmRoot"/>
+      </p:par>
+    </p:tnLst>
+  </p:timing>
 </p:sld>
 </file>
 
@@ -9454,7 +9570,7 @@
           <a:graphicData uri="http://schemas.openxmlformats.org/presentationml/2006/ole">
             <mc:AlternateContent xmlns:mc="http://schemas.openxmlformats.org/markup-compatibility/2006">
               <mc:Choice xmlns:v="urn:schemas-microsoft-com:vml" Requires="v">
-                <p:oleObj spid="_x0000_s1056" name="AxMath" r:id="rId4" imgW="1249560" imgH="493920" progId="Equation.AxMath">
+                <p:oleObj spid="_x0000_s1061" name="AxMath" r:id="rId4" imgW="1249560" imgH="493920" progId="Equation.AxMath">
                   <p:embed/>
                 </p:oleObj>
               </mc:Choice>
@@ -9517,7 +9633,7 @@
           <a:graphicData uri="http://schemas.openxmlformats.org/presentationml/2006/ole">
             <mc:AlternateContent xmlns:mc="http://schemas.openxmlformats.org/markup-compatibility/2006">
               <mc:Choice xmlns:v="urn:schemas-microsoft-com:vml" Requires="v">
-                <p:oleObj spid="_x0000_s1057" name="AxMath" r:id="rId6" imgW="354240" imgH="236160" progId="Equation.AxMath">
+                <p:oleObj spid="_x0000_s1062" name="AxMath" r:id="rId6" imgW="354240" imgH="236160" progId="Equation.AxMath">
                   <p:embed/>
                 </p:oleObj>
               </mc:Choice>
@@ -9580,7 +9696,7 @@
           <a:graphicData uri="http://schemas.openxmlformats.org/presentationml/2006/ole">
             <mc:AlternateContent xmlns:mc="http://schemas.openxmlformats.org/markup-compatibility/2006">
               <mc:Choice xmlns:v="urn:schemas-microsoft-com:vml" Requires="v">
-                <p:oleObj spid="_x0000_s1058" name="AxMath" r:id="rId8" imgW="196200" imgH="228960" progId="Equation.AxMath">
+                <p:oleObj spid="_x0000_s1063" name="AxMath" r:id="rId8" imgW="196200" imgH="228960" progId="Equation.AxMath">
                   <p:embed/>
                 </p:oleObj>
               </mc:Choice>
@@ -9643,7 +9759,7 @@
           <a:graphicData uri="http://schemas.openxmlformats.org/presentationml/2006/ole">
             <mc:AlternateContent xmlns:mc="http://schemas.openxmlformats.org/markup-compatibility/2006">
               <mc:Choice xmlns:v="urn:schemas-microsoft-com:vml" Requires="v">
-                <p:oleObj spid="_x0000_s1059" name="AxMath" r:id="rId10" imgW="436680" imgH="240120" progId="Equation.AxMath">
+                <p:oleObj spid="_x0000_s1064" name="AxMath" r:id="rId10" imgW="436680" imgH="240120" progId="Equation.AxMath">
                   <p:embed/>
                 </p:oleObj>
               </mc:Choice>
@@ -9706,7 +9822,7 @@
           <a:graphicData uri="http://schemas.openxmlformats.org/presentationml/2006/ole">
             <mc:AlternateContent xmlns:mc="http://schemas.openxmlformats.org/markup-compatibility/2006">
               <mc:Choice xmlns:v="urn:schemas-microsoft-com:vml" Requires="v">
-                <p:oleObj spid="_x0000_s1060" name="AxMath" r:id="rId12" imgW="906120" imgH="245880" progId="Equation.AxMath">
+                <p:oleObj spid="_x0000_s1065" name="AxMath" r:id="rId12" imgW="906120" imgH="245880" progId="Equation.AxMath">
                   <p:embed/>
                 </p:oleObj>
               </mc:Choice>
@@ -9751,6 +9867,13 @@
   <p:clrMapOvr>
     <a:masterClrMapping/>
   </p:clrMapOvr>
+  <p:timing>
+    <p:tnLst>
+      <p:par>
+        <p:cTn id="1" dur="indefinite" restart="never" nodeType="tmRoot"/>
+      </p:par>
+    </p:tnLst>
+  </p:timing>
 </p:sld>
 </file>
 
@@ -9929,6 +10052,13 @@
   <p:clrMapOvr>
     <a:masterClrMapping/>
   </p:clrMapOvr>
+  <p:timing>
+    <p:tnLst>
+      <p:par>
+        <p:cTn id="1" dur="indefinite" restart="never" nodeType="tmRoot"/>
+      </p:par>
+    </p:tnLst>
+  </p:timing>
 </p:sld>
 </file>
 
@@ -10609,6 +10739,13 @@
   <p:clrMapOvr>
     <a:masterClrMapping/>
   </p:clrMapOvr>
+  <p:timing>
+    <p:tnLst>
+      <p:par>
+        <p:cTn id="1" dur="indefinite" restart="never" nodeType="tmRoot"/>
+      </p:par>
+    </p:tnLst>
+  </p:timing>
 </p:sld>
 </file>
 
@@ -11980,8 +12117,8 @@
           <a:p>
             <a:pPr eaLnBrk="1" hangingPunct="1"/>
             <a:r>
-              <a:rPr lang="en-US" altLang="zh-CN" b="1" dirty="0"/>
-              <a:t>Reference</a:t>
+              <a:rPr lang="en-US" altLang="zh-CN" b="1" dirty="0" err="1" smtClean="0"/>
+              <a:t>Github</a:t>
             </a:r>
             <a:endParaRPr lang="en-US" altLang="zh-CN" dirty="0"/>
           </a:p>
@@ -12014,54 +12151,12 @@
               </a:buClr>
             </a:pPr>
             <a:r>
-              <a:rPr lang="en-US" altLang="zh-CN" dirty="0"/>
-              <a:t>The info at the top of the slide can be changed</a:t>
+              <a:rPr lang="en-US" altLang="zh-CN" dirty="0">
+                <a:hlinkClick r:id="rId3"/>
+              </a:rPr>
+              <a:t>https://github.com/mdche001/EC504_Twitter_Keyword_Search</a:t>
             </a:r>
-          </a:p>
-          <a:p>
-            <a:pPr eaLnBrk="1" hangingPunct="1">
-              <a:buClr>
-                <a:srgbClr val="CC0000"/>
-              </a:buClr>
-            </a:pPr>
-            <a:r>
-              <a:rPr lang="en-US" altLang="zh-CN" dirty="0"/>
-              <a:t>Go to the </a:t>
-            </a:r>
-            <a:r>
-              <a:rPr lang="en-US" altLang="zh-CN" b="1" dirty="0"/>
-              <a:t>View</a:t>
-            </a:r>
-            <a:r>
-              <a:rPr lang="en-US" altLang="zh-CN" dirty="0"/>
-              <a:t> menu and choose </a:t>
-            </a:r>
-            <a:r>
-              <a:rPr lang="en-US" altLang="zh-CN" b="1" dirty="0"/>
-              <a:t>Header and Footer</a:t>
-            </a:r>
-          </a:p>
-          <a:p>
-            <a:pPr eaLnBrk="1" hangingPunct="1">
-              <a:buClr>
-                <a:srgbClr val="CC0000"/>
-              </a:buClr>
-            </a:pPr>
-            <a:r>
-              <a:rPr lang="en-US" altLang="zh-CN" dirty="0"/>
-              <a:t>Then change the date and footer text</a:t>
-            </a:r>
-          </a:p>
-          <a:p>
-            <a:pPr eaLnBrk="1" hangingPunct="1">
-              <a:buClr>
-                <a:srgbClr val="CC0000"/>
-              </a:buClr>
-            </a:pPr>
-            <a:r>
-              <a:rPr lang="en-US" altLang="zh-CN" dirty="0"/>
-              <a:t>You can also enable or disable automatic slide numbering in the Header and Footer</a:t>
-            </a:r>
+            <a:endParaRPr lang="en-US" altLang="zh-CN" dirty="0"/>
           </a:p>
         </p:txBody>
       </p:sp>
@@ -12075,6 +12170,13 @@
   <p:clrMapOvr>
     <a:masterClrMapping/>
   </p:clrMapOvr>
+  <p:timing>
+    <p:tnLst>
+      <p:par>
+        <p:cTn id="1" dur="indefinite" restart="never" nodeType="tmRoot"/>
+      </p:par>
+    </p:tnLst>
+  </p:timing>
 </p:sld>
 </file>
 
